--- a/temp/PPT.pptx
+++ b/temp/PPT.pptx
@@ -1967,26 +1967,6 @@
         </dgm:presLayoutVars>
       </dgm:prSet>
       <dgm:spPr/>
-    </dgm:pt>
-    <dgm:pt modelId="{32FCDE67-5DCF-4E9D-AFCD-52BB1E38F8AA}" type="pres">
-      <dgm:prSet presAssocID="{1E4625CA-8582-4C3E-92AC-63EA9AA992A5}" presName="hierRoot1" presStyleCnt="0">
-        <dgm:presLayoutVars>
-          <dgm:hierBranch val="init"/>
-        </dgm:presLayoutVars>
-      </dgm:prSet>
-      <dgm:spPr/>
-    </dgm:pt>
-    <dgm:pt modelId="{67849BAB-9348-4DD9-B1C8-4708754F529B}" type="pres">
-      <dgm:prSet presAssocID="{1E4625CA-8582-4C3E-92AC-63EA9AA992A5}" presName="rootComposite1" presStyleCnt="0"/>
-      <dgm:spPr/>
-    </dgm:pt>
-    <dgm:pt modelId="{8C603A93-800E-4381-AD59-31B84854CB62}" type="pres">
-      <dgm:prSet presAssocID="{1E4625CA-8582-4C3E-92AC-63EA9AA992A5}" presName="rootText1" presStyleLbl="node0" presStyleIdx="0" presStyleCnt="1" custScaleX="74952" custScaleY="37372" custLinFactNeighborX="-10130" custLinFactNeighborY="17434">
-        <dgm:presLayoutVars>
-          <dgm:chPref val="3"/>
-        </dgm:presLayoutVars>
-      </dgm:prSet>
-      <dgm:spPr/>
       <dgm:t>
         <a:bodyPr/>
         <a:lstStyle/>
@@ -1995,32 +1975,20 @@
         </a:p>
       </dgm:t>
     </dgm:pt>
-    <dgm:pt modelId="{D9EF6378-BADA-4854-B36D-E710FE91E1CD}" type="pres">
-      <dgm:prSet presAssocID="{1E4625CA-8582-4C3E-92AC-63EA9AA992A5}" presName="rootConnector1" presStyleLbl="node1" presStyleIdx="0" presStyleCnt="0"/>
-      <dgm:spPr/>
-    </dgm:pt>
-    <dgm:pt modelId="{CDACCEB4-03C6-46D8-A789-22DBBA9436C3}" type="pres">
-      <dgm:prSet presAssocID="{1E4625CA-8582-4C3E-92AC-63EA9AA992A5}" presName="hierChild2" presStyleCnt="0"/>
-      <dgm:spPr/>
-    </dgm:pt>
-    <dgm:pt modelId="{DDD2A77C-1553-4744-BAA1-8378D5553BAE}" type="pres">
-      <dgm:prSet presAssocID="{2CF1BB8D-3595-442D-BDEA-2D46315DD6A5}" presName="Name37" presStyleLbl="parChTrans1D2" presStyleIdx="0" presStyleCnt="7"/>
-      <dgm:spPr/>
-    </dgm:pt>
-    <dgm:pt modelId="{C1B9012E-C339-4624-B025-7E13A241A109}" type="pres">
-      <dgm:prSet presAssocID="{03D3A266-BB3E-4C2B-980D-EB3D7D82D8E5}" presName="hierRoot2" presStyleCnt="0">
+    <dgm:pt modelId="{32FCDE67-5DCF-4E9D-AFCD-52BB1E38F8AA}" type="pres">
+      <dgm:prSet presAssocID="{1E4625CA-8582-4C3E-92AC-63EA9AA992A5}" presName="hierRoot1" presStyleCnt="0">
         <dgm:presLayoutVars>
           <dgm:hierBranch val="init"/>
         </dgm:presLayoutVars>
       </dgm:prSet>
       <dgm:spPr/>
     </dgm:pt>
-    <dgm:pt modelId="{6B7D467A-03E8-45C3-94E2-0B4D0973F109}" type="pres">
-      <dgm:prSet presAssocID="{03D3A266-BB3E-4C2B-980D-EB3D7D82D8E5}" presName="rootComposite" presStyleCnt="0"/>
-      <dgm:spPr/>
-    </dgm:pt>
-    <dgm:pt modelId="{620FA32C-BB24-40FA-BD78-3461E59B2AB5}" type="pres">
-      <dgm:prSet presAssocID="{03D3A266-BB3E-4C2B-980D-EB3D7D82D8E5}" presName="rootText" presStyleLbl="node2" presStyleIdx="0" presStyleCnt="7" custScaleX="50017" custScaleY="34769" custLinFactNeighborX="19706" custLinFactNeighborY="31524">
+    <dgm:pt modelId="{67849BAB-9348-4DD9-B1C8-4708754F529B}" type="pres">
+      <dgm:prSet presAssocID="{1E4625CA-8582-4C3E-92AC-63EA9AA992A5}" presName="rootComposite1" presStyleCnt="0"/>
+      <dgm:spPr/>
+    </dgm:pt>
+    <dgm:pt modelId="{8C603A93-800E-4381-AD59-31B84854CB62}" type="pres">
+      <dgm:prSet presAssocID="{1E4625CA-8582-4C3E-92AC-63EA9AA992A5}" presName="rootText1" presStyleLbl="node0" presStyleIdx="0" presStyleCnt="1" custScaleX="74952" custScaleY="37372" custLinFactNeighborX="-10130" custLinFactNeighborY="17434">
         <dgm:presLayoutVars>
           <dgm:chPref val="3"/>
         </dgm:presLayoutVars>
@@ -2034,40 +2002,8 @@
         </a:p>
       </dgm:t>
     </dgm:pt>
-    <dgm:pt modelId="{1B435DB9-CA65-403A-9786-CB17BBE96B77}" type="pres">
-      <dgm:prSet presAssocID="{03D3A266-BB3E-4C2B-980D-EB3D7D82D8E5}" presName="rootConnector" presStyleLbl="node2" presStyleIdx="0" presStyleCnt="7"/>
-      <dgm:spPr/>
-    </dgm:pt>
-    <dgm:pt modelId="{AB1DE9B0-8701-4A46-8CC5-6C79A767C236}" type="pres">
-      <dgm:prSet presAssocID="{03D3A266-BB3E-4C2B-980D-EB3D7D82D8E5}" presName="hierChild4" presStyleCnt="0"/>
-      <dgm:spPr/>
-    </dgm:pt>
-    <dgm:pt modelId="{FE2015D0-1B46-4D0B-8E76-4957382AAE14}" type="pres">
-      <dgm:prSet presAssocID="{03D3A266-BB3E-4C2B-980D-EB3D7D82D8E5}" presName="hierChild5" presStyleCnt="0"/>
-      <dgm:spPr/>
-    </dgm:pt>
-    <dgm:pt modelId="{8D57520E-8596-4BB1-AC85-1C1EDB0D583B}" type="pres">
-      <dgm:prSet presAssocID="{81CBA596-DEEB-45F1-91BB-0997F0426C04}" presName="Name37" presStyleLbl="parChTrans1D2" presStyleIdx="1" presStyleCnt="7"/>
-      <dgm:spPr/>
-    </dgm:pt>
-    <dgm:pt modelId="{9BE9E9F8-0420-4808-A3F1-9EA3ADF43489}" type="pres">
-      <dgm:prSet presAssocID="{0CD36FCF-C680-4AAB-B709-3F3BFFC29904}" presName="hierRoot2" presStyleCnt="0">
-        <dgm:presLayoutVars>
-          <dgm:hierBranch val="init"/>
-        </dgm:presLayoutVars>
-      </dgm:prSet>
-      <dgm:spPr/>
-    </dgm:pt>
-    <dgm:pt modelId="{8EE850AE-8545-45D2-88E6-3309E6468B1F}" type="pres">
-      <dgm:prSet presAssocID="{0CD36FCF-C680-4AAB-B709-3F3BFFC29904}" presName="rootComposite" presStyleCnt="0"/>
-      <dgm:spPr/>
-    </dgm:pt>
-    <dgm:pt modelId="{57E3AC1A-EF6D-4CDC-983F-6A85BDB21A59}" type="pres">
-      <dgm:prSet presAssocID="{0CD36FCF-C680-4AAB-B709-3F3BFFC29904}" presName="rootText" presStyleLbl="node2" presStyleIdx="1" presStyleCnt="7" custAng="0" custScaleX="70183" custScaleY="29138" custLinFactX="69247" custLinFactNeighborX="100000" custLinFactNeighborY="31524">
-        <dgm:presLayoutVars>
-          <dgm:chPref val="3"/>
-        </dgm:presLayoutVars>
-      </dgm:prSet>
+    <dgm:pt modelId="{D9EF6378-BADA-4854-B36D-E710FE91E1CD}" type="pres">
+      <dgm:prSet presAssocID="{1E4625CA-8582-4C3E-92AC-63EA9AA992A5}" presName="rootConnector1" presStyleLbl="node1" presStyleIdx="0" presStyleCnt="0"/>
       <dgm:spPr/>
       <dgm:t>
         <a:bodyPr/>
@@ -2077,40 +2013,12 @@
         </a:p>
       </dgm:t>
     </dgm:pt>
-    <dgm:pt modelId="{2921FDDD-4EB8-4DF7-B2C9-85BBA734A942}" type="pres">
-      <dgm:prSet presAssocID="{0CD36FCF-C680-4AAB-B709-3F3BFFC29904}" presName="rootConnector" presStyleLbl="node2" presStyleIdx="1" presStyleCnt="7"/>
-      <dgm:spPr/>
-    </dgm:pt>
-    <dgm:pt modelId="{484A48B4-F9A5-4982-8037-BD4D1F465D9D}" type="pres">
-      <dgm:prSet presAssocID="{0CD36FCF-C680-4AAB-B709-3F3BFFC29904}" presName="hierChild4" presStyleCnt="0"/>
-      <dgm:spPr/>
-    </dgm:pt>
-    <dgm:pt modelId="{A065B909-F9EF-4400-B89C-EDF68FD2B84E}" type="pres">
-      <dgm:prSet presAssocID="{0CD36FCF-C680-4AAB-B709-3F3BFFC29904}" presName="hierChild5" presStyleCnt="0"/>
-      <dgm:spPr/>
-    </dgm:pt>
-    <dgm:pt modelId="{D31BC8E0-E1D5-489C-882D-0D92529DFCF2}" type="pres">
-      <dgm:prSet presAssocID="{C2A809D4-E46D-4B25-B458-0533CC8A9651}" presName="Name37" presStyleLbl="parChTrans1D2" presStyleIdx="2" presStyleCnt="7"/>
-      <dgm:spPr/>
-    </dgm:pt>
-    <dgm:pt modelId="{A9CF0ECC-12AE-4FA2-AC56-A04D8E252D4A}" type="pres">
-      <dgm:prSet presAssocID="{8DAF1BC3-2547-46E1-B7F8-8E2E0A3486ED}" presName="hierRoot2" presStyleCnt="0">
-        <dgm:presLayoutVars>
-          <dgm:hierBranch val="init"/>
-        </dgm:presLayoutVars>
-      </dgm:prSet>
-      <dgm:spPr/>
-    </dgm:pt>
-    <dgm:pt modelId="{B50039C0-09D8-4667-8E28-30D14D3FF840}" type="pres">
-      <dgm:prSet presAssocID="{8DAF1BC3-2547-46E1-B7F8-8E2E0A3486ED}" presName="rootComposite" presStyleCnt="0"/>
-      <dgm:spPr/>
-    </dgm:pt>
-    <dgm:pt modelId="{4A9B8A1E-A219-4B6E-BC29-6055D5BB2DFD}" type="pres">
-      <dgm:prSet presAssocID="{8DAF1BC3-2547-46E1-B7F8-8E2E0A3486ED}" presName="rootText" presStyleLbl="node2" presStyleIdx="2" presStyleCnt="7" custAng="0" custScaleX="70183" custScaleY="29138" custLinFactY="32839" custLinFactNeighborX="78323" custLinFactNeighborY="100000">
-        <dgm:presLayoutVars>
-          <dgm:chPref val="3"/>
-        </dgm:presLayoutVars>
-      </dgm:prSet>
+    <dgm:pt modelId="{CDACCEB4-03C6-46D8-A789-22DBBA9436C3}" type="pres">
+      <dgm:prSet presAssocID="{1E4625CA-8582-4C3E-92AC-63EA9AA992A5}" presName="hierChild2" presStyleCnt="0"/>
+      <dgm:spPr/>
+    </dgm:pt>
+    <dgm:pt modelId="{DDD2A77C-1553-4744-BAA1-8378D5553BAE}" type="pres">
+      <dgm:prSet presAssocID="{2CF1BB8D-3595-442D-BDEA-2D46315DD6A5}" presName="Name37" presStyleLbl="parChTrans1D2" presStyleIdx="0" presStyleCnt="7"/>
       <dgm:spPr/>
       <dgm:t>
         <a:bodyPr/>
@@ -2120,36 +2028,20 @@
         </a:p>
       </dgm:t>
     </dgm:pt>
-    <dgm:pt modelId="{E9A8E5B9-947A-4FB1-8D1D-46BEC79A3E7D}" type="pres">
-      <dgm:prSet presAssocID="{8DAF1BC3-2547-46E1-B7F8-8E2E0A3486ED}" presName="rootConnector" presStyleLbl="node2" presStyleIdx="2" presStyleCnt="7"/>
-      <dgm:spPr/>
-    </dgm:pt>
-    <dgm:pt modelId="{4BD26522-ABE2-43BD-AB91-EFB930C94F05}" type="pres">
-      <dgm:prSet presAssocID="{8DAF1BC3-2547-46E1-B7F8-8E2E0A3486ED}" presName="hierChild4" presStyleCnt="0"/>
-      <dgm:spPr/>
-    </dgm:pt>
-    <dgm:pt modelId="{A0BA2A32-E3BF-40DA-A727-A8DF485C9661}" type="pres">
-      <dgm:prSet presAssocID="{8DAF1BC3-2547-46E1-B7F8-8E2E0A3486ED}" presName="hierChild5" presStyleCnt="0"/>
-      <dgm:spPr/>
-    </dgm:pt>
-    <dgm:pt modelId="{BF66CF3B-CDB8-47BE-B04E-45F26A5A152C}" type="pres">
-      <dgm:prSet presAssocID="{67AA71B3-F7EE-41C9-8D21-C300E0ADE57C}" presName="Name37" presStyleLbl="parChTrans1D2" presStyleIdx="3" presStyleCnt="7"/>
-      <dgm:spPr/>
-    </dgm:pt>
-    <dgm:pt modelId="{59E5827D-07A9-4FEE-B308-6EE2F93C8752}" type="pres">
-      <dgm:prSet presAssocID="{74360FB5-4773-4BD9-A0FB-10BB967DD768}" presName="hierRoot2" presStyleCnt="0">
+    <dgm:pt modelId="{C1B9012E-C339-4624-B025-7E13A241A109}" type="pres">
+      <dgm:prSet presAssocID="{03D3A266-BB3E-4C2B-980D-EB3D7D82D8E5}" presName="hierRoot2" presStyleCnt="0">
         <dgm:presLayoutVars>
           <dgm:hierBranch val="init"/>
         </dgm:presLayoutVars>
       </dgm:prSet>
       <dgm:spPr/>
     </dgm:pt>
-    <dgm:pt modelId="{73C426B3-B224-4C66-AB77-EF2E5FC901FA}" type="pres">
-      <dgm:prSet presAssocID="{74360FB5-4773-4BD9-A0FB-10BB967DD768}" presName="rootComposite" presStyleCnt="0"/>
-      <dgm:spPr/>
-    </dgm:pt>
-    <dgm:pt modelId="{03A80895-DC0B-4FA2-BE20-CC68F956DFD4}" type="pres">
-      <dgm:prSet presAssocID="{74360FB5-4773-4BD9-A0FB-10BB967DD768}" presName="rootText" presStyleLbl="node2" presStyleIdx="3" presStyleCnt="7" custAng="0" custScaleX="70183" custScaleY="29138" custLinFactX="-7049" custLinFactY="100000" custLinFactNeighborX="-100000" custLinFactNeighborY="127557">
+    <dgm:pt modelId="{6B7D467A-03E8-45C3-94E2-0B4D0973F109}" type="pres">
+      <dgm:prSet presAssocID="{03D3A266-BB3E-4C2B-980D-EB3D7D82D8E5}" presName="rootComposite" presStyleCnt="0"/>
+      <dgm:spPr/>
+    </dgm:pt>
+    <dgm:pt modelId="{620FA32C-BB24-40FA-BD78-3461E59B2AB5}" type="pres">
+      <dgm:prSet presAssocID="{03D3A266-BB3E-4C2B-980D-EB3D7D82D8E5}" presName="rootText" presStyleLbl="node2" presStyleIdx="0" presStyleCnt="7" custScaleX="50017" custScaleY="34769" custLinFactNeighborX="19706" custLinFactNeighborY="31524">
         <dgm:presLayoutVars>
           <dgm:chPref val="3"/>
         </dgm:presLayoutVars>
@@ -2163,36 +2055,8 @@
         </a:p>
       </dgm:t>
     </dgm:pt>
-    <dgm:pt modelId="{1B652242-C67E-4B1D-80A1-A32B9C5DEF3D}" type="pres">
-      <dgm:prSet presAssocID="{74360FB5-4773-4BD9-A0FB-10BB967DD768}" presName="rootConnector" presStyleLbl="node2" presStyleIdx="3" presStyleCnt="7"/>
-      <dgm:spPr/>
-    </dgm:pt>
-    <dgm:pt modelId="{BD280FE7-B9F0-44AA-8399-22A5AFA2D16E}" type="pres">
-      <dgm:prSet presAssocID="{74360FB5-4773-4BD9-A0FB-10BB967DD768}" presName="hierChild4" presStyleCnt="0"/>
-      <dgm:spPr/>
-    </dgm:pt>
-    <dgm:pt modelId="{B00004E8-C55F-47A8-95E7-D5D7B99CF0A6}" type="pres">
-      <dgm:prSet presAssocID="{646A0E7A-A02D-4D89-A43A-88D7C1D48A70}" presName="Name37" presStyleLbl="parChTrans1D3" presStyleIdx="0" presStyleCnt="13"/>
-      <dgm:spPr/>
-    </dgm:pt>
-    <dgm:pt modelId="{4869F712-DAED-46A0-BB00-8B4AFF5FF869}" type="pres">
-      <dgm:prSet presAssocID="{1CE70A20-48D4-4D0B-AF56-09B4BB7422C4}" presName="hierRoot2" presStyleCnt="0">
-        <dgm:presLayoutVars>
-          <dgm:hierBranch val="init"/>
-        </dgm:presLayoutVars>
-      </dgm:prSet>
-      <dgm:spPr/>
-    </dgm:pt>
-    <dgm:pt modelId="{47A3FF98-02F7-4866-9C0D-4747A4DC1FA9}" type="pres">
-      <dgm:prSet presAssocID="{1CE70A20-48D4-4D0B-AF56-09B4BB7422C4}" presName="rootComposite" presStyleCnt="0"/>
-      <dgm:spPr/>
-    </dgm:pt>
-    <dgm:pt modelId="{127B2562-DF59-4AD3-B07D-7221E4EC222A}" type="pres">
-      <dgm:prSet presAssocID="{1CE70A20-48D4-4D0B-AF56-09B4BB7422C4}" presName="rootText" presStyleLbl="node3" presStyleIdx="0" presStyleCnt="13" custAng="0" custScaleX="63803" custScaleY="29138" custLinFactX="-97693" custLinFactY="100000" custLinFactNeighborX="-100000" custLinFactNeighborY="129518">
-        <dgm:presLayoutVars>
-          <dgm:chPref val="3"/>
-        </dgm:presLayoutVars>
-      </dgm:prSet>
+    <dgm:pt modelId="{1B435DB9-CA65-403A-9786-CB17BBE96B77}" type="pres">
+      <dgm:prSet presAssocID="{03D3A266-BB3E-4C2B-980D-EB3D7D82D8E5}" presName="rootConnector" presStyleLbl="node2" presStyleIdx="0" presStyleCnt="7"/>
       <dgm:spPr/>
       <dgm:t>
         <a:bodyPr/>
@@ -2202,40 +2066,16 @@
         </a:p>
       </dgm:t>
     </dgm:pt>
-    <dgm:pt modelId="{A831E537-E195-4659-8468-EE7EDBD0E0EB}" type="pres">
-      <dgm:prSet presAssocID="{1CE70A20-48D4-4D0B-AF56-09B4BB7422C4}" presName="rootConnector" presStyleLbl="node3" presStyleIdx="0" presStyleCnt="13"/>
-      <dgm:spPr/>
-    </dgm:pt>
-    <dgm:pt modelId="{7B1815A2-3324-407B-91BD-A2619DBF2129}" type="pres">
-      <dgm:prSet presAssocID="{1CE70A20-48D4-4D0B-AF56-09B4BB7422C4}" presName="hierChild4" presStyleCnt="0"/>
-      <dgm:spPr/>
-    </dgm:pt>
-    <dgm:pt modelId="{EDC151C6-CE62-4483-A861-9B370F6F18BB}" type="pres">
-      <dgm:prSet presAssocID="{1CE70A20-48D4-4D0B-AF56-09B4BB7422C4}" presName="hierChild5" presStyleCnt="0"/>
-      <dgm:spPr/>
-    </dgm:pt>
-    <dgm:pt modelId="{1F149B9E-4968-4285-9F97-488C50AFE4C3}" type="pres">
-      <dgm:prSet presAssocID="{37192E64-9A40-41EA-84D1-1D06DB5F4FB8}" presName="Name37" presStyleLbl="parChTrans1D3" presStyleIdx="1" presStyleCnt="13"/>
-      <dgm:spPr/>
-    </dgm:pt>
-    <dgm:pt modelId="{97EFFB48-C6D3-4B91-94A4-D2BC96C061C8}" type="pres">
-      <dgm:prSet presAssocID="{D3715D86-EEF6-4FF6-88F7-E988CF21BADB}" presName="hierRoot2" presStyleCnt="0">
-        <dgm:presLayoutVars>
-          <dgm:hierBranch val="init"/>
-        </dgm:presLayoutVars>
-      </dgm:prSet>
-      <dgm:spPr/>
-    </dgm:pt>
-    <dgm:pt modelId="{C24556B2-93FE-45AD-BD61-774136B7185E}" type="pres">
-      <dgm:prSet presAssocID="{D3715D86-EEF6-4FF6-88F7-E988CF21BADB}" presName="rootComposite" presStyleCnt="0"/>
-      <dgm:spPr/>
-    </dgm:pt>
-    <dgm:pt modelId="{83CACE76-D1FC-4D64-9202-A10606BB53C5}" type="pres">
-      <dgm:prSet presAssocID="{D3715D86-EEF6-4FF6-88F7-E988CF21BADB}" presName="rootText" presStyleLbl="node3" presStyleIdx="1" presStyleCnt="13" custAng="0" custScaleX="63803" custScaleY="29138" custLinFactX="-97693" custLinFactY="100000" custLinFactNeighborX="-100000" custLinFactNeighborY="129518">
-        <dgm:presLayoutVars>
-          <dgm:chPref val="3"/>
-        </dgm:presLayoutVars>
-      </dgm:prSet>
+    <dgm:pt modelId="{AB1DE9B0-8701-4A46-8CC5-6C79A767C236}" type="pres">
+      <dgm:prSet presAssocID="{03D3A266-BB3E-4C2B-980D-EB3D7D82D8E5}" presName="hierChild4" presStyleCnt="0"/>
+      <dgm:spPr/>
+    </dgm:pt>
+    <dgm:pt modelId="{FE2015D0-1B46-4D0B-8E76-4957382AAE14}" type="pres">
+      <dgm:prSet presAssocID="{03D3A266-BB3E-4C2B-980D-EB3D7D82D8E5}" presName="hierChild5" presStyleCnt="0"/>
+      <dgm:spPr/>
+    </dgm:pt>
+    <dgm:pt modelId="{8D57520E-8596-4BB1-AC85-1C1EDB0D583B}" type="pres">
+      <dgm:prSet presAssocID="{81CBA596-DEEB-45F1-91BB-0997F0426C04}" presName="Name37" presStyleLbl="parChTrans1D2" presStyleIdx="1" presStyleCnt="7"/>
       <dgm:spPr/>
       <dgm:t>
         <a:bodyPr/>
@@ -2245,36 +2085,20 @@
         </a:p>
       </dgm:t>
     </dgm:pt>
-    <dgm:pt modelId="{6385E5D0-E1FD-48B5-AEBC-7ACD4BE1365A}" type="pres">
-      <dgm:prSet presAssocID="{D3715D86-EEF6-4FF6-88F7-E988CF21BADB}" presName="rootConnector" presStyleLbl="node3" presStyleIdx="1" presStyleCnt="13"/>
-      <dgm:spPr/>
-    </dgm:pt>
-    <dgm:pt modelId="{BF5CCA68-E07E-4500-A619-5806F150A87D}" type="pres">
-      <dgm:prSet presAssocID="{D3715D86-EEF6-4FF6-88F7-E988CF21BADB}" presName="hierChild4" presStyleCnt="0"/>
-      <dgm:spPr/>
-    </dgm:pt>
-    <dgm:pt modelId="{1D2280C9-1DEF-4FD1-A0FE-A4287C68F28D}" type="pres">
-      <dgm:prSet presAssocID="{D3715D86-EEF6-4FF6-88F7-E988CF21BADB}" presName="hierChild5" presStyleCnt="0"/>
-      <dgm:spPr/>
-    </dgm:pt>
-    <dgm:pt modelId="{63CEDB58-B32B-4673-BDC5-CBCA9C544A3F}" type="pres">
-      <dgm:prSet presAssocID="{2DDE0A61-D205-43A2-97DF-750D78BD2772}" presName="Name37" presStyleLbl="parChTrans1D3" presStyleIdx="2" presStyleCnt="13"/>
-      <dgm:spPr/>
-    </dgm:pt>
-    <dgm:pt modelId="{182809D6-093A-4FFF-911D-FD8D62AC6AF7}" type="pres">
-      <dgm:prSet presAssocID="{6C6B3393-263E-40FF-A28D-7303DE88794F}" presName="hierRoot2" presStyleCnt="0">
+    <dgm:pt modelId="{9BE9E9F8-0420-4808-A3F1-9EA3ADF43489}" type="pres">
+      <dgm:prSet presAssocID="{0CD36FCF-C680-4AAB-B709-3F3BFFC29904}" presName="hierRoot2" presStyleCnt="0">
         <dgm:presLayoutVars>
           <dgm:hierBranch val="init"/>
         </dgm:presLayoutVars>
       </dgm:prSet>
       <dgm:spPr/>
     </dgm:pt>
-    <dgm:pt modelId="{41CD96B1-2678-4A77-A37D-F345376AF7AE}" type="pres">
-      <dgm:prSet presAssocID="{6C6B3393-263E-40FF-A28D-7303DE88794F}" presName="rootComposite" presStyleCnt="0"/>
-      <dgm:spPr/>
-    </dgm:pt>
-    <dgm:pt modelId="{64A78999-BE90-4902-8E60-FD6415880582}" type="pres">
-      <dgm:prSet presAssocID="{6C6B3393-263E-40FF-A28D-7303DE88794F}" presName="rootText" presStyleLbl="node3" presStyleIdx="2" presStyleCnt="13" custAng="0" custScaleX="63803" custScaleY="29138" custLinFactX="-97693" custLinFactY="100000" custLinFactNeighborX="-100000" custLinFactNeighborY="129518">
+    <dgm:pt modelId="{8EE850AE-8545-45D2-88E6-3309E6468B1F}" type="pres">
+      <dgm:prSet presAssocID="{0CD36FCF-C680-4AAB-B709-3F3BFFC29904}" presName="rootComposite" presStyleCnt="0"/>
+      <dgm:spPr/>
+    </dgm:pt>
+    <dgm:pt modelId="{57E3AC1A-EF6D-4CDC-983F-6A85BDB21A59}" type="pres">
+      <dgm:prSet presAssocID="{0CD36FCF-C680-4AAB-B709-3F3BFFC29904}" presName="rootText" presStyleLbl="node2" presStyleIdx="1" presStyleCnt="7" custAng="0" custScaleX="70183" custScaleY="29138" custLinFactX="69247" custLinFactNeighborX="100000" custLinFactNeighborY="31524">
         <dgm:presLayoutVars>
           <dgm:chPref val="3"/>
         </dgm:presLayoutVars>
@@ -2288,40 +2112,8 @@
         </a:p>
       </dgm:t>
     </dgm:pt>
-    <dgm:pt modelId="{1EC20434-2E93-4D7B-807F-0AE115AA1016}" type="pres">
-      <dgm:prSet presAssocID="{6C6B3393-263E-40FF-A28D-7303DE88794F}" presName="rootConnector" presStyleLbl="node3" presStyleIdx="2" presStyleCnt="13"/>
-      <dgm:spPr/>
-    </dgm:pt>
-    <dgm:pt modelId="{EAB78AA1-36A9-41E1-8F25-CDA4E769992C}" type="pres">
-      <dgm:prSet presAssocID="{6C6B3393-263E-40FF-A28D-7303DE88794F}" presName="hierChild4" presStyleCnt="0"/>
-      <dgm:spPr/>
-    </dgm:pt>
-    <dgm:pt modelId="{C8C9085E-1850-4F9F-9052-1A92C40614A7}" type="pres">
-      <dgm:prSet presAssocID="{6C6B3393-263E-40FF-A28D-7303DE88794F}" presName="hierChild5" presStyleCnt="0"/>
-      <dgm:spPr/>
-    </dgm:pt>
-    <dgm:pt modelId="{6DA8F7B1-F97C-44C8-9CA2-31BA83A8A423}" type="pres">
-      <dgm:prSet presAssocID="{3A91B6ED-B2A3-4991-BD7A-8B5278323DC2}" presName="Name37" presStyleLbl="parChTrans1D3" presStyleIdx="3" presStyleCnt="13"/>
-      <dgm:spPr/>
-    </dgm:pt>
-    <dgm:pt modelId="{3AA9E84C-8C7B-42A1-A04A-A2D03819F0CF}" type="pres">
-      <dgm:prSet presAssocID="{2F07DD39-2F2F-4A65-AB1F-804CA7D6C94D}" presName="hierRoot2" presStyleCnt="0">
-        <dgm:presLayoutVars>
-          <dgm:hierBranch val="init"/>
-        </dgm:presLayoutVars>
-      </dgm:prSet>
-      <dgm:spPr/>
-    </dgm:pt>
-    <dgm:pt modelId="{24EDC9CA-29CF-4F90-AC40-9E0B0DBE98CC}" type="pres">
-      <dgm:prSet presAssocID="{2F07DD39-2F2F-4A65-AB1F-804CA7D6C94D}" presName="rootComposite" presStyleCnt="0"/>
-      <dgm:spPr/>
-    </dgm:pt>
-    <dgm:pt modelId="{28080AD2-2E2C-4B6D-916F-AB52AC5BA26E}" type="pres">
-      <dgm:prSet presAssocID="{2F07DD39-2F2F-4A65-AB1F-804CA7D6C94D}" presName="rootText" presStyleLbl="node3" presStyleIdx="3" presStyleCnt="13" custAng="0" custScaleX="63803" custScaleY="29138" custLinFactX="-97693" custLinFactY="100000" custLinFactNeighborX="-100000" custLinFactNeighborY="129518">
-        <dgm:presLayoutVars>
-          <dgm:chPref val="3"/>
-        </dgm:presLayoutVars>
-      </dgm:prSet>
+    <dgm:pt modelId="{2921FDDD-4EB8-4DF7-B2C9-85BBA734A942}" type="pres">
+      <dgm:prSet presAssocID="{0CD36FCF-C680-4AAB-B709-3F3BFFC29904}" presName="rootConnector" presStyleLbl="node2" presStyleIdx="1" presStyleCnt="7"/>
       <dgm:spPr/>
       <dgm:t>
         <a:bodyPr/>
@@ -2331,40 +2123,16 @@
         </a:p>
       </dgm:t>
     </dgm:pt>
-    <dgm:pt modelId="{FFE969AB-0511-45F1-9515-558C689853A8}" type="pres">
-      <dgm:prSet presAssocID="{2F07DD39-2F2F-4A65-AB1F-804CA7D6C94D}" presName="rootConnector" presStyleLbl="node3" presStyleIdx="3" presStyleCnt="13"/>
-      <dgm:spPr/>
-    </dgm:pt>
-    <dgm:pt modelId="{41C2F6D8-3984-47AD-900E-E2FA6E15D9EE}" type="pres">
-      <dgm:prSet presAssocID="{2F07DD39-2F2F-4A65-AB1F-804CA7D6C94D}" presName="hierChild4" presStyleCnt="0"/>
-      <dgm:spPr/>
-    </dgm:pt>
-    <dgm:pt modelId="{F56F5EC1-C225-49E4-AF21-2550BBF941AA}" type="pres">
-      <dgm:prSet presAssocID="{2F07DD39-2F2F-4A65-AB1F-804CA7D6C94D}" presName="hierChild5" presStyleCnt="0"/>
-      <dgm:spPr/>
-    </dgm:pt>
-    <dgm:pt modelId="{1ECD21C2-1E3A-4517-9FC1-860A7AC656C3}" type="pres">
-      <dgm:prSet presAssocID="{E502BCB4-C45F-423F-8FE8-F12EE843A2E5}" presName="Name37" presStyleLbl="parChTrans1D3" presStyleIdx="4" presStyleCnt="13"/>
-      <dgm:spPr/>
-    </dgm:pt>
-    <dgm:pt modelId="{8D75E4DA-9972-4D6F-A01F-9944C2231ECA}" type="pres">
-      <dgm:prSet presAssocID="{5067963E-CB92-42B8-9603-0318A492E8B6}" presName="hierRoot2" presStyleCnt="0">
-        <dgm:presLayoutVars>
-          <dgm:hierBranch val="init"/>
-        </dgm:presLayoutVars>
-      </dgm:prSet>
-      <dgm:spPr/>
-    </dgm:pt>
-    <dgm:pt modelId="{7A489699-E385-45FE-986E-17B64A6DB549}" type="pres">
-      <dgm:prSet presAssocID="{5067963E-CB92-42B8-9603-0318A492E8B6}" presName="rootComposite" presStyleCnt="0"/>
-      <dgm:spPr/>
-    </dgm:pt>
-    <dgm:pt modelId="{52463DE4-A275-4C7F-B379-DBD69F09192F}" type="pres">
-      <dgm:prSet presAssocID="{5067963E-CB92-42B8-9603-0318A492E8B6}" presName="rootText" presStyleLbl="node3" presStyleIdx="4" presStyleCnt="13" custAng="0" custScaleX="63803" custScaleY="29138" custLinFactX="-207" custLinFactNeighborX="-100000" custLinFactNeighborY="-55166">
-        <dgm:presLayoutVars>
-          <dgm:chPref val="3"/>
-        </dgm:presLayoutVars>
-      </dgm:prSet>
+    <dgm:pt modelId="{484A48B4-F9A5-4982-8037-BD4D1F465D9D}" type="pres">
+      <dgm:prSet presAssocID="{0CD36FCF-C680-4AAB-B709-3F3BFFC29904}" presName="hierChild4" presStyleCnt="0"/>
+      <dgm:spPr/>
+    </dgm:pt>
+    <dgm:pt modelId="{A065B909-F9EF-4400-B89C-EDF68FD2B84E}" type="pres">
+      <dgm:prSet presAssocID="{0CD36FCF-C680-4AAB-B709-3F3BFFC29904}" presName="hierChild5" presStyleCnt="0"/>
+      <dgm:spPr/>
+    </dgm:pt>
+    <dgm:pt modelId="{D31BC8E0-E1D5-489C-882D-0D92529DFCF2}" type="pres">
+      <dgm:prSet presAssocID="{C2A809D4-E46D-4B25-B458-0533CC8A9651}" presName="Name37" presStyleLbl="parChTrans1D2" presStyleIdx="2" presStyleCnt="7"/>
       <dgm:spPr/>
       <dgm:t>
         <a:bodyPr/>
@@ -2374,36 +2142,20 @@
         </a:p>
       </dgm:t>
     </dgm:pt>
-    <dgm:pt modelId="{43B33870-49F4-478B-B27A-D9174D41D64C}" type="pres">
-      <dgm:prSet presAssocID="{5067963E-CB92-42B8-9603-0318A492E8B6}" presName="rootConnector" presStyleLbl="node3" presStyleIdx="4" presStyleCnt="13"/>
-      <dgm:spPr/>
-    </dgm:pt>
-    <dgm:pt modelId="{ED2E7FCB-F635-4681-93A5-758723A7154C}" type="pres">
-      <dgm:prSet presAssocID="{5067963E-CB92-42B8-9603-0318A492E8B6}" presName="hierChild4" presStyleCnt="0"/>
-      <dgm:spPr/>
-    </dgm:pt>
-    <dgm:pt modelId="{4992B220-0B4B-411F-8D71-BD66549B2EFC}" type="pres">
-      <dgm:prSet presAssocID="{5067963E-CB92-42B8-9603-0318A492E8B6}" presName="hierChild5" presStyleCnt="0"/>
-      <dgm:spPr/>
-    </dgm:pt>
-    <dgm:pt modelId="{946B7EE9-9500-4486-8002-66A19C276D38}" type="pres">
-      <dgm:prSet presAssocID="{4344EE9C-98A5-45B9-8E83-1DC0CE67E399}" presName="Name37" presStyleLbl="parChTrans1D3" presStyleIdx="5" presStyleCnt="13"/>
-      <dgm:spPr/>
-    </dgm:pt>
-    <dgm:pt modelId="{9268DE29-0E3A-4E4A-96FD-8B2A4FFC6DA5}" type="pres">
-      <dgm:prSet presAssocID="{8AC95AC5-219B-4C91-88D7-3104BD28BF8B}" presName="hierRoot2" presStyleCnt="0">
+    <dgm:pt modelId="{A9CF0ECC-12AE-4FA2-AC56-A04D8E252D4A}" type="pres">
+      <dgm:prSet presAssocID="{8DAF1BC3-2547-46E1-B7F8-8E2E0A3486ED}" presName="hierRoot2" presStyleCnt="0">
         <dgm:presLayoutVars>
           <dgm:hierBranch val="init"/>
         </dgm:presLayoutVars>
       </dgm:prSet>
       <dgm:spPr/>
     </dgm:pt>
-    <dgm:pt modelId="{CA00F700-2478-46B5-8A5E-0461C0A90A44}" type="pres">
-      <dgm:prSet presAssocID="{8AC95AC5-219B-4C91-88D7-3104BD28BF8B}" presName="rootComposite" presStyleCnt="0"/>
-      <dgm:spPr/>
-    </dgm:pt>
-    <dgm:pt modelId="{DFF19BAA-CA7A-4C59-8835-09E34244DEB2}" type="pres">
-      <dgm:prSet presAssocID="{8AC95AC5-219B-4C91-88D7-3104BD28BF8B}" presName="rootText" presStyleLbl="node3" presStyleIdx="5" presStyleCnt="13" custAng="0" custScaleX="63803" custScaleY="29138" custLinFactX="-207" custLinFactNeighborX="-100000" custLinFactNeighborY="-55166">
+    <dgm:pt modelId="{B50039C0-09D8-4667-8E28-30D14D3FF840}" type="pres">
+      <dgm:prSet presAssocID="{8DAF1BC3-2547-46E1-B7F8-8E2E0A3486ED}" presName="rootComposite" presStyleCnt="0"/>
+      <dgm:spPr/>
+    </dgm:pt>
+    <dgm:pt modelId="{4A9B8A1E-A219-4B6E-BC29-6055D5BB2DFD}" type="pres">
+      <dgm:prSet presAssocID="{8DAF1BC3-2547-46E1-B7F8-8E2E0A3486ED}" presName="rootText" presStyleLbl="node2" presStyleIdx="2" presStyleCnt="7" custAng="0" custScaleX="70183" custScaleY="29138" custLinFactY="32839" custLinFactNeighborX="78323" custLinFactNeighborY="100000">
         <dgm:presLayoutVars>
           <dgm:chPref val="3"/>
         </dgm:presLayoutVars>
@@ -2417,40 +2169,8 @@
         </a:p>
       </dgm:t>
     </dgm:pt>
-    <dgm:pt modelId="{CAB84B23-5323-4B33-BB37-C789F2B8AACE}" type="pres">
-      <dgm:prSet presAssocID="{8AC95AC5-219B-4C91-88D7-3104BD28BF8B}" presName="rootConnector" presStyleLbl="node3" presStyleIdx="5" presStyleCnt="13"/>
-      <dgm:spPr/>
-    </dgm:pt>
-    <dgm:pt modelId="{AB92BDF8-81B8-4740-A2F6-F3F1CD4497AC}" type="pres">
-      <dgm:prSet presAssocID="{8AC95AC5-219B-4C91-88D7-3104BD28BF8B}" presName="hierChild4" presStyleCnt="0"/>
-      <dgm:spPr/>
-    </dgm:pt>
-    <dgm:pt modelId="{A36740CE-51C0-49D5-BF9A-E22A4210AC3B}" type="pres">
-      <dgm:prSet presAssocID="{8AC95AC5-219B-4C91-88D7-3104BD28BF8B}" presName="hierChild5" presStyleCnt="0"/>
-      <dgm:spPr/>
-    </dgm:pt>
-    <dgm:pt modelId="{5B9613AA-BA8A-4902-A54C-86BDC09A7E18}" type="pres">
-      <dgm:prSet presAssocID="{2D59DD00-AC6E-4EC9-ABF9-36FE406A5130}" presName="Name37" presStyleLbl="parChTrans1D3" presStyleIdx="6" presStyleCnt="13"/>
-      <dgm:spPr/>
-    </dgm:pt>
-    <dgm:pt modelId="{FCDFB270-6945-4385-A67C-7E97BC38B5F8}" type="pres">
-      <dgm:prSet presAssocID="{835E9C53-9F70-41B3-AF4B-C01AC65FB819}" presName="hierRoot2" presStyleCnt="0">
-        <dgm:presLayoutVars>
-          <dgm:hierBranch val="init"/>
-        </dgm:presLayoutVars>
-      </dgm:prSet>
-      <dgm:spPr/>
-    </dgm:pt>
-    <dgm:pt modelId="{2F160D28-2452-494E-BFC9-75799E2BC099}" type="pres">
-      <dgm:prSet presAssocID="{835E9C53-9F70-41B3-AF4B-C01AC65FB819}" presName="rootComposite" presStyleCnt="0"/>
-      <dgm:spPr/>
-    </dgm:pt>
-    <dgm:pt modelId="{FAE385AB-3F87-4A04-AC1A-A1FB407D8C96}" type="pres">
-      <dgm:prSet presAssocID="{835E9C53-9F70-41B3-AF4B-C01AC65FB819}" presName="rootText" presStyleLbl="node3" presStyleIdx="6" presStyleCnt="13" custAng="0" custScaleX="63803" custScaleY="29138" custLinFactX="-207" custLinFactNeighborX="-100000" custLinFactNeighborY="-55166">
-        <dgm:presLayoutVars>
-          <dgm:chPref val="3"/>
-        </dgm:presLayoutVars>
-      </dgm:prSet>
+    <dgm:pt modelId="{E9A8E5B9-947A-4FB1-8D1D-46BEC79A3E7D}" type="pres">
+      <dgm:prSet presAssocID="{8DAF1BC3-2547-46E1-B7F8-8E2E0A3486ED}" presName="rootConnector" presStyleLbl="node2" presStyleIdx="2" presStyleCnt="7"/>
       <dgm:spPr/>
       <dgm:t>
         <a:bodyPr/>
@@ -2460,44 +2180,16 @@
         </a:p>
       </dgm:t>
     </dgm:pt>
-    <dgm:pt modelId="{04088332-98F9-46AF-B80E-A03A81C0313A}" type="pres">
-      <dgm:prSet presAssocID="{835E9C53-9F70-41B3-AF4B-C01AC65FB819}" presName="rootConnector" presStyleLbl="node3" presStyleIdx="6" presStyleCnt="13"/>
-      <dgm:spPr/>
-    </dgm:pt>
-    <dgm:pt modelId="{6B17C170-209B-41E0-AFA3-91234120B397}" type="pres">
-      <dgm:prSet presAssocID="{835E9C53-9F70-41B3-AF4B-C01AC65FB819}" presName="hierChild4" presStyleCnt="0"/>
-      <dgm:spPr/>
-    </dgm:pt>
-    <dgm:pt modelId="{1AEDC670-DAC0-4576-A37D-F9D71ED90AFC}" type="pres">
-      <dgm:prSet presAssocID="{835E9C53-9F70-41B3-AF4B-C01AC65FB819}" presName="hierChild5" presStyleCnt="0"/>
-      <dgm:spPr/>
-    </dgm:pt>
-    <dgm:pt modelId="{0A018772-B03E-4C24-B884-1A7563A239C7}" type="pres">
-      <dgm:prSet presAssocID="{74360FB5-4773-4BD9-A0FB-10BB967DD768}" presName="hierChild5" presStyleCnt="0"/>
-      <dgm:spPr/>
-    </dgm:pt>
-    <dgm:pt modelId="{D3906D38-A9F8-4CC5-B703-4D4287F9DB3B}" type="pres">
-      <dgm:prSet presAssocID="{DA1BC7FE-7D53-419A-B084-E9A10C4BCE7E}" presName="Name37" presStyleLbl="parChTrans1D2" presStyleIdx="4" presStyleCnt="7"/>
-      <dgm:spPr/>
-    </dgm:pt>
-    <dgm:pt modelId="{903FB95D-F9F4-40FE-937B-50BA3CD1FD98}" type="pres">
-      <dgm:prSet presAssocID="{9BC30EB8-F8D3-40D0-94B0-2C1ECD08941A}" presName="hierRoot2" presStyleCnt="0">
-        <dgm:presLayoutVars>
-          <dgm:hierBranch val="init"/>
-        </dgm:presLayoutVars>
-      </dgm:prSet>
-      <dgm:spPr/>
-    </dgm:pt>
-    <dgm:pt modelId="{DDCD6056-8877-440A-8111-A41045C06836}" type="pres">
-      <dgm:prSet presAssocID="{9BC30EB8-F8D3-40D0-94B0-2C1ECD08941A}" presName="rootComposite" presStyleCnt="0"/>
-      <dgm:spPr/>
-    </dgm:pt>
-    <dgm:pt modelId="{9B08FD8E-7F16-4DD2-8896-7E7642C48EBB}" type="pres">
-      <dgm:prSet presAssocID="{9BC30EB8-F8D3-40D0-94B0-2C1ECD08941A}" presName="rootText" presStyleLbl="node2" presStyleIdx="4" presStyleCnt="7" custAng="0" custScaleX="70183" custScaleY="29138" custLinFactY="100000" custLinFactNeighborX="15777" custLinFactNeighborY="127070">
-        <dgm:presLayoutVars>
-          <dgm:chPref val="3"/>
-        </dgm:presLayoutVars>
-      </dgm:prSet>
+    <dgm:pt modelId="{4BD26522-ABE2-43BD-AB91-EFB930C94F05}" type="pres">
+      <dgm:prSet presAssocID="{8DAF1BC3-2547-46E1-B7F8-8E2E0A3486ED}" presName="hierChild4" presStyleCnt="0"/>
+      <dgm:spPr/>
+    </dgm:pt>
+    <dgm:pt modelId="{A0BA2A32-E3BF-40DA-A727-A8DF485C9661}" type="pres">
+      <dgm:prSet presAssocID="{8DAF1BC3-2547-46E1-B7F8-8E2E0A3486ED}" presName="hierChild5" presStyleCnt="0"/>
+      <dgm:spPr/>
+    </dgm:pt>
+    <dgm:pt modelId="{BF66CF3B-CDB8-47BE-B04E-45F26A5A152C}" type="pres">
+      <dgm:prSet presAssocID="{67AA71B3-F7EE-41C9-8D21-C300E0ADE57C}" presName="Name37" presStyleLbl="parChTrans1D2" presStyleIdx="3" presStyleCnt="7"/>
       <dgm:spPr/>
       <dgm:t>
         <a:bodyPr/>
@@ -2507,32 +2199,20 @@
         </a:p>
       </dgm:t>
     </dgm:pt>
-    <dgm:pt modelId="{3916DA2A-603E-48D9-B240-B37D5130A549}" type="pres">
-      <dgm:prSet presAssocID="{9BC30EB8-F8D3-40D0-94B0-2C1ECD08941A}" presName="rootConnector" presStyleLbl="node2" presStyleIdx="4" presStyleCnt="7"/>
-      <dgm:spPr/>
-    </dgm:pt>
-    <dgm:pt modelId="{5B7ED3C9-0103-4F9B-B5C9-520C740922CB}" type="pres">
-      <dgm:prSet presAssocID="{9BC30EB8-F8D3-40D0-94B0-2C1ECD08941A}" presName="hierChild4" presStyleCnt="0"/>
-      <dgm:spPr/>
-    </dgm:pt>
-    <dgm:pt modelId="{F91FF1AA-A51B-4E4A-9478-29217AE430B6}" type="pres">
-      <dgm:prSet presAssocID="{FA7065A5-4C6A-4416-8D60-D215F72B2697}" presName="Name37" presStyleLbl="parChTrans1D3" presStyleIdx="7" presStyleCnt="13"/>
-      <dgm:spPr/>
-    </dgm:pt>
-    <dgm:pt modelId="{37BBFF8E-4C31-4845-B5D8-6AA97B011061}" type="pres">
-      <dgm:prSet presAssocID="{BDD4521C-BFD4-4005-978A-8CBB4C696881}" presName="hierRoot2" presStyleCnt="0">
+    <dgm:pt modelId="{59E5827D-07A9-4FEE-B308-6EE2F93C8752}" type="pres">
+      <dgm:prSet presAssocID="{74360FB5-4773-4BD9-A0FB-10BB967DD768}" presName="hierRoot2" presStyleCnt="0">
         <dgm:presLayoutVars>
           <dgm:hierBranch val="init"/>
         </dgm:presLayoutVars>
       </dgm:prSet>
       <dgm:spPr/>
     </dgm:pt>
-    <dgm:pt modelId="{93E80AFF-0349-45AB-A8D3-27F51FFC9920}" type="pres">
-      <dgm:prSet presAssocID="{BDD4521C-BFD4-4005-978A-8CBB4C696881}" presName="rootComposite" presStyleCnt="0"/>
-      <dgm:spPr/>
-    </dgm:pt>
-    <dgm:pt modelId="{152C6D8F-D0DA-4143-A0D7-49711C667288}" type="pres">
-      <dgm:prSet presAssocID="{BDD4521C-BFD4-4005-978A-8CBB4C696881}" presName="rootText" presStyleLbl="node3" presStyleIdx="7" presStyleCnt="13" custAng="0" custScaleX="80272" custScaleY="33506" custLinFactX="-6306" custLinFactY="100000" custLinFactNeighborX="-100000" custLinFactNeighborY="126504">
+    <dgm:pt modelId="{73C426B3-B224-4C66-AB77-EF2E5FC901FA}" type="pres">
+      <dgm:prSet presAssocID="{74360FB5-4773-4BD9-A0FB-10BB967DD768}" presName="rootComposite" presStyleCnt="0"/>
+      <dgm:spPr/>
+    </dgm:pt>
+    <dgm:pt modelId="{03A80895-DC0B-4FA2-BE20-CC68F956DFD4}" type="pres">
+      <dgm:prSet presAssocID="{74360FB5-4773-4BD9-A0FB-10BB967DD768}" presName="rootText" presStyleLbl="node2" presStyleIdx="3" presStyleCnt="7" custAng="0" custScaleX="70183" custScaleY="29138" custLinFactX="-7049" custLinFactY="100000" custLinFactNeighborX="-100000" custLinFactNeighborY="127557">
         <dgm:presLayoutVars>
           <dgm:chPref val="3"/>
         </dgm:presLayoutVars>
@@ -2546,40 +2226,8 @@
         </a:p>
       </dgm:t>
     </dgm:pt>
-    <dgm:pt modelId="{D98E7FE4-867E-4384-86BE-D6FE06733F0C}" type="pres">
-      <dgm:prSet presAssocID="{BDD4521C-BFD4-4005-978A-8CBB4C696881}" presName="rootConnector" presStyleLbl="node3" presStyleIdx="7" presStyleCnt="13"/>
-      <dgm:spPr/>
-    </dgm:pt>
-    <dgm:pt modelId="{651C3216-2F3F-4106-BB19-7E324DE02C9A}" type="pres">
-      <dgm:prSet presAssocID="{BDD4521C-BFD4-4005-978A-8CBB4C696881}" presName="hierChild4" presStyleCnt="0"/>
-      <dgm:spPr/>
-    </dgm:pt>
-    <dgm:pt modelId="{FFB1BC4E-86C6-4D26-92DB-7AE1CDFE830E}" type="pres">
-      <dgm:prSet presAssocID="{BDD4521C-BFD4-4005-978A-8CBB4C696881}" presName="hierChild5" presStyleCnt="0"/>
-      <dgm:spPr/>
-    </dgm:pt>
-    <dgm:pt modelId="{631CAABE-1340-4674-A3E8-E6A86F3A63F0}" type="pres">
-      <dgm:prSet presAssocID="{E6B3853E-E42E-4332-A291-90FE16889803}" presName="Name37" presStyleLbl="parChTrans1D3" presStyleIdx="8" presStyleCnt="13"/>
-      <dgm:spPr/>
-    </dgm:pt>
-    <dgm:pt modelId="{454B4FCE-2BD3-41BA-9010-FE9DC2C725F4}" type="pres">
-      <dgm:prSet presAssocID="{C4E6385B-F3F8-441A-A1DC-7AD358D1AFE9}" presName="hierRoot2" presStyleCnt="0">
-        <dgm:presLayoutVars>
-          <dgm:hierBranch val="init"/>
-        </dgm:presLayoutVars>
-      </dgm:prSet>
-      <dgm:spPr/>
-    </dgm:pt>
-    <dgm:pt modelId="{49B64595-05CF-45B1-A34C-A0B66D3AC1B6}" type="pres">
-      <dgm:prSet presAssocID="{C4E6385B-F3F8-441A-A1DC-7AD358D1AFE9}" presName="rootComposite" presStyleCnt="0"/>
-      <dgm:spPr/>
-    </dgm:pt>
-    <dgm:pt modelId="{B5B8587B-781B-4ABE-8D5D-290016A41AE8}" type="pres">
-      <dgm:prSet presAssocID="{C4E6385B-F3F8-441A-A1DC-7AD358D1AFE9}" presName="rootText" presStyleLbl="node3" presStyleIdx="8" presStyleCnt="13" custAng="0" custScaleX="80272" custScaleY="33506" custLinFactX="-6306" custLinFactY="100000" custLinFactNeighborX="-100000" custLinFactNeighborY="126504">
-        <dgm:presLayoutVars>
-          <dgm:chPref val="3"/>
-        </dgm:presLayoutVars>
-      </dgm:prSet>
+    <dgm:pt modelId="{1B652242-C67E-4B1D-80A1-A32B9C5DEF3D}" type="pres">
+      <dgm:prSet presAssocID="{74360FB5-4773-4BD9-A0FB-10BB967DD768}" presName="rootConnector" presStyleLbl="node2" presStyleIdx="3" presStyleCnt="7"/>
       <dgm:spPr/>
       <dgm:t>
         <a:bodyPr/>
@@ -2589,40 +2237,12 @@
         </a:p>
       </dgm:t>
     </dgm:pt>
-    <dgm:pt modelId="{97D15E69-2D89-4089-8802-E3EA9C4F31BE}" type="pres">
-      <dgm:prSet presAssocID="{C4E6385B-F3F8-441A-A1DC-7AD358D1AFE9}" presName="rootConnector" presStyleLbl="node3" presStyleIdx="8" presStyleCnt="13"/>
-      <dgm:spPr/>
-    </dgm:pt>
-    <dgm:pt modelId="{3E616E4F-4BE4-4B02-A814-7A5F4D2E04B9}" type="pres">
-      <dgm:prSet presAssocID="{C4E6385B-F3F8-441A-A1DC-7AD358D1AFE9}" presName="hierChild4" presStyleCnt="0"/>
-      <dgm:spPr/>
-    </dgm:pt>
-    <dgm:pt modelId="{81639837-703E-4BBA-87E1-E1B6FE6795EE}" type="pres">
-      <dgm:prSet presAssocID="{C4E6385B-F3F8-441A-A1DC-7AD358D1AFE9}" presName="hierChild5" presStyleCnt="0"/>
-      <dgm:spPr/>
-    </dgm:pt>
-    <dgm:pt modelId="{FEB064D2-EE5E-4C1A-A783-07769F682991}" type="pres">
-      <dgm:prSet presAssocID="{EF553521-C824-425F-9DDE-B67AE7768C42}" presName="Name37" presStyleLbl="parChTrans1D3" presStyleIdx="9" presStyleCnt="13"/>
-      <dgm:spPr/>
-    </dgm:pt>
-    <dgm:pt modelId="{AD5F6897-D146-4BBD-A369-68FD178B8118}" type="pres">
-      <dgm:prSet presAssocID="{D92E6F1E-218A-467F-B0F0-1591C8C2F1A7}" presName="hierRoot2" presStyleCnt="0">
-        <dgm:presLayoutVars>
-          <dgm:hierBranch val="init"/>
-        </dgm:presLayoutVars>
-      </dgm:prSet>
-      <dgm:spPr/>
-    </dgm:pt>
-    <dgm:pt modelId="{A056A3A8-1904-4A02-845C-39553B75F5B8}" type="pres">
-      <dgm:prSet presAssocID="{D92E6F1E-218A-467F-B0F0-1591C8C2F1A7}" presName="rootComposite" presStyleCnt="0"/>
-      <dgm:spPr/>
-    </dgm:pt>
-    <dgm:pt modelId="{9FEF5E06-D4BA-4E39-AC05-A6CE0C9257BA}" type="pres">
-      <dgm:prSet presAssocID="{D92E6F1E-218A-467F-B0F0-1591C8C2F1A7}" presName="rootText" presStyleLbl="node3" presStyleIdx="9" presStyleCnt="13" custAng="0" custScaleX="80272" custScaleY="33506" custLinFactX="-6306" custLinFactY="100000" custLinFactNeighborX="-100000" custLinFactNeighborY="126504">
-        <dgm:presLayoutVars>
-          <dgm:chPref val="3"/>
-        </dgm:presLayoutVars>
-      </dgm:prSet>
+    <dgm:pt modelId="{BD280FE7-B9F0-44AA-8399-22A5AFA2D16E}" type="pres">
+      <dgm:prSet presAssocID="{74360FB5-4773-4BD9-A0FB-10BB967DD768}" presName="hierChild4" presStyleCnt="0"/>
+      <dgm:spPr/>
+    </dgm:pt>
+    <dgm:pt modelId="{B00004E8-C55F-47A8-95E7-D5D7B99CF0A6}" type="pres">
+      <dgm:prSet presAssocID="{646A0E7A-A02D-4D89-A43A-88D7C1D48A70}" presName="Name37" presStyleLbl="parChTrans1D3" presStyleIdx="0" presStyleCnt="13"/>
       <dgm:spPr/>
       <dgm:t>
         <a:bodyPr/>
@@ -2632,36 +2252,20 @@
         </a:p>
       </dgm:t>
     </dgm:pt>
-    <dgm:pt modelId="{F9B3037A-1D3E-42C6-8BB7-20A486D4B3ED}" type="pres">
-      <dgm:prSet presAssocID="{D92E6F1E-218A-467F-B0F0-1591C8C2F1A7}" presName="rootConnector" presStyleLbl="node3" presStyleIdx="9" presStyleCnt="13"/>
-      <dgm:spPr/>
-    </dgm:pt>
-    <dgm:pt modelId="{06DC1B69-3C5A-48BB-BAD5-E9F96465BB06}" type="pres">
-      <dgm:prSet presAssocID="{D92E6F1E-218A-467F-B0F0-1591C8C2F1A7}" presName="hierChild4" presStyleCnt="0"/>
-      <dgm:spPr/>
-    </dgm:pt>
-    <dgm:pt modelId="{BC046F08-215A-4948-8804-3CCD67105520}" type="pres">
-      <dgm:prSet presAssocID="{D92E6F1E-218A-467F-B0F0-1591C8C2F1A7}" presName="hierChild5" presStyleCnt="0"/>
-      <dgm:spPr/>
-    </dgm:pt>
-    <dgm:pt modelId="{8033D344-ADD7-4948-9E7A-000AB1F974D5}" type="pres">
-      <dgm:prSet presAssocID="{ADE59061-9C81-4612-AF4B-75437399E468}" presName="Name37" presStyleLbl="parChTrans1D3" presStyleIdx="10" presStyleCnt="13"/>
-      <dgm:spPr/>
-    </dgm:pt>
-    <dgm:pt modelId="{35E14AA0-16FF-47E3-9E3B-91C5E679358F}" type="pres">
-      <dgm:prSet presAssocID="{48DD384A-5FEC-4BA3-BC1A-6BA8170CABEC}" presName="hierRoot2" presStyleCnt="0">
+    <dgm:pt modelId="{4869F712-DAED-46A0-BB00-8B4AFF5FF869}" type="pres">
+      <dgm:prSet presAssocID="{1CE70A20-48D4-4D0B-AF56-09B4BB7422C4}" presName="hierRoot2" presStyleCnt="0">
         <dgm:presLayoutVars>
           <dgm:hierBranch val="init"/>
         </dgm:presLayoutVars>
       </dgm:prSet>
       <dgm:spPr/>
     </dgm:pt>
-    <dgm:pt modelId="{3202C6FD-2E12-4B3E-9A7D-F8F1C654C89C}" type="pres">
-      <dgm:prSet presAssocID="{48DD384A-5FEC-4BA3-BC1A-6BA8170CABEC}" presName="rootComposite" presStyleCnt="0"/>
-      <dgm:spPr/>
-    </dgm:pt>
-    <dgm:pt modelId="{DE7246BA-40CF-418B-A6F7-A4CD0955FFCF}" type="pres">
-      <dgm:prSet presAssocID="{48DD384A-5FEC-4BA3-BC1A-6BA8170CABEC}" presName="rootText" presStyleLbl="node3" presStyleIdx="10" presStyleCnt="13" custAng="0" custScaleX="80272" custScaleY="33506" custLinFactNeighborX="30710" custLinFactNeighborY="-1277">
+    <dgm:pt modelId="{47A3FF98-02F7-4866-9C0D-4747A4DC1FA9}" type="pres">
+      <dgm:prSet presAssocID="{1CE70A20-48D4-4D0B-AF56-09B4BB7422C4}" presName="rootComposite" presStyleCnt="0"/>
+      <dgm:spPr/>
+    </dgm:pt>
+    <dgm:pt modelId="{127B2562-DF59-4AD3-B07D-7221E4EC222A}" type="pres">
+      <dgm:prSet presAssocID="{1CE70A20-48D4-4D0B-AF56-09B4BB7422C4}" presName="rootText" presStyleLbl="node3" presStyleIdx="0" presStyleCnt="13" custAng="0" custScaleX="63803" custScaleY="29138" custLinFactX="-97693" custLinFactY="100000" custLinFactNeighborX="-100000" custLinFactNeighborY="129518">
         <dgm:presLayoutVars>
           <dgm:chPref val="3"/>
         </dgm:presLayoutVars>
@@ -2675,40 +2279,8 @@
         </a:p>
       </dgm:t>
     </dgm:pt>
-    <dgm:pt modelId="{E0F72E79-CA1B-4F71-B0B0-55C96CD79578}" type="pres">
-      <dgm:prSet presAssocID="{48DD384A-5FEC-4BA3-BC1A-6BA8170CABEC}" presName="rootConnector" presStyleLbl="node3" presStyleIdx="10" presStyleCnt="13"/>
-      <dgm:spPr/>
-    </dgm:pt>
-    <dgm:pt modelId="{E8AD92F4-A2BE-4860-84FD-B036A6D0911C}" type="pres">
-      <dgm:prSet presAssocID="{48DD384A-5FEC-4BA3-BC1A-6BA8170CABEC}" presName="hierChild4" presStyleCnt="0"/>
-      <dgm:spPr/>
-    </dgm:pt>
-    <dgm:pt modelId="{7DA2F4D2-50F8-4E5A-8558-6C2CCD69288F}" type="pres">
-      <dgm:prSet presAssocID="{48DD384A-5FEC-4BA3-BC1A-6BA8170CABEC}" presName="hierChild5" presStyleCnt="0"/>
-      <dgm:spPr/>
-    </dgm:pt>
-    <dgm:pt modelId="{2624AED9-4070-4B58-AB7F-B828F4B79A9A}" type="pres">
-      <dgm:prSet presAssocID="{67138F0A-61E9-4A49-8CC4-5BBAA0573C71}" presName="Name37" presStyleLbl="parChTrans1D3" presStyleIdx="11" presStyleCnt="13"/>
-      <dgm:spPr/>
-    </dgm:pt>
-    <dgm:pt modelId="{E2409389-DDC5-4DB5-9E7B-339E980443D8}" type="pres">
-      <dgm:prSet presAssocID="{D5E64BCF-8798-4C49-9AF3-F5183595BC91}" presName="hierRoot2" presStyleCnt="0">
-        <dgm:presLayoutVars>
-          <dgm:hierBranch val="init"/>
-        </dgm:presLayoutVars>
-      </dgm:prSet>
-      <dgm:spPr/>
-    </dgm:pt>
-    <dgm:pt modelId="{2F6C3F77-F139-413C-9602-DE54323F3208}" type="pres">
-      <dgm:prSet presAssocID="{D5E64BCF-8798-4C49-9AF3-F5183595BC91}" presName="rootComposite" presStyleCnt="0"/>
-      <dgm:spPr/>
-    </dgm:pt>
-    <dgm:pt modelId="{DC66759E-447A-427D-8DFF-D9D60FAF8932}" type="pres">
-      <dgm:prSet presAssocID="{D5E64BCF-8798-4C49-9AF3-F5183595BC91}" presName="rootText" presStyleLbl="node3" presStyleIdx="11" presStyleCnt="13" custAng="0" custScaleX="80272" custScaleY="33506" custLinFactNeighborX="30710" custLinFactNeighborY="-1277">
-        <dgm:presLayoutVars>
-          <dgm:chPref val="3"/>
-        </dgm:presLayoutVars>
-      </dgm:prSet>
+    <dgm:pt modelId="{A831E537-E195-4659-8468-EE7EDBD0E0EB}" type="pres">
+      <dgm:prSet presAssocID="{1CE70A20-48D4-4D0B-AF56-09B4BB7422C4}" presName="rootConnector" presStyleLbl="node3" presStyleIdx="0" presStyleCnt="13"/>
       <dgm:spPr/>
       <dgm:t>
         <a:bodyPr/>
@@ -2718,40 +2290,16 @@
         </a:p>
       </dgm:t>
     </dgm:pt>
-    <dgm:pt modelId="{7C11FD9B-428B-47AD-9B6B-97DD0D6E5338}" type="pres">
-      <dgm:prSet presAssocID="{D5E64BCF-8798-4C49-9AF3-F5183595BC91}" presName="rootConnector" presStyleLbl="node3" presStyleIdx="11" presStyleCnt="13"/>
-      <dgm:spPr/>
-    </dgm:pt>
-    <dgm:pt modelId="{B9873AB2-88AA-4FA8-8A97-D2409605E0C2}" type="pres">
-      <dgm:prSet presAssocID="{D5E64BCF-8798-4C49-9AF3-F5183595BC91}" presName="hierChild4" presStyleCnt="0"/>
-      <dgm:spPr/>
-    </dgm:pt>
-    <dgm:pt modelId="{9A502D1F-B320-4F6C-9EC2-E52C994ABCA5}" type="pres">
-      <dgm:prSet presAssocID="{D5E64BCF-8798-4C49-9AF3-F5183595BC91}" presName="hierChild5" presStyleCnt="0"/>
-      <dgm:spPr/>
-    </dgm:pt>
-    <dgm:pt modelId="{3482B2E7-99CF-4CE1-8095-EC5196396E20}" type="pres">
-      <dgm:prSet presAssocID="{6828052D-FABF-4FE8-8843-6E77D27A9ED8}" presName="Name37" presStyleLbl="parChTrans1D3" presStyleIdx="12" presStyleCnt="13"/>
-      <dgm:spPr/>
-    </dgm:pt>
-    <dgm:pt modelId="{15A93856-ADEC-450F-ABE4-19E8EF729796}" type="pres">
-      <dgm:prSet presAssocID="{27E50C49-C508-497C-8D3E-32E4DC28A361}" presName="hierRoot2" presStyleCnt="0">
-        <dgm:presLayoutVars>
-          <dgm:hierBranch val="init"/>
-        </dgm:presLayoutVars>
-      </dgm:prSet>
-      <dgm:spPr/>
-    </dgm:pt>
-    <dgm:pt modelId="{FF6EE923-90E5-4ADD-AAE1-4606F92C504A}" type="pres">
-      <dgm:prSet presAssocID="{27E50C49-C508-497C-8D3E-32E4DC28A361}" presName="rootComposite" presStyleCnt="0"/>
-      <dgm:spPr/>
-    </dgm:pt>
-    <dgm:pt modelId="{EB926E45-D56C-4B6A-B5CA-CF98379D1459}" type="pres">
-      <dgm:prSet presAssocID="{27E50C49-C508-497C-8D3E-32E4DC28A361}" presName="rootText" presStyleLbl="node3" presStyleIdx="12" presStyleCnt="13" custAng="0" custScaleX="80272" custScaleY="33506" custLinFactNeighborX="30710" custLinFactNeighborY="-1277">
-        <dgm:presLayoutVars>
-          <dgm:chPref val="3"/>
-        </dgm:presLayoutVars>
-      </dgm:prSet>
+    <dgm:pt modelId="{7B1815A2-3324-407B-91BD-A2619DBF2129}" type="pres">
+      <dgm:prSet presAssocID="{1CE70A20-48D4-4D0B-AF56-09B4BB7422C4}" presName="hierChild4" presStyleCnt="0"/>
+      <dgm:spPr/>
+    </dgm:pt>
+    <dgm:pt modelId="{EDC151C6-CE62-4483-A861-9B370F6F18BB}" type="pres">
+      <dgm:prSet presAssocID="{1CE70A20-48D4-4D0B-AF56-09B4BB7422C4}" presName="hierChild5" presStyleCnt="0"/>
+      <dgm:spPr/>
+    </dgm:pt>
+    <dgm:pt modelId="{1F149B9E-4968-4285-9F97-488C50AFE4C3}" type="pres">
+      <dgm:prSet presAssocID="{37192E64-9A40-41EA-84D1-1D06DB5F4FB8}" presName="Name37" presStyleLbl="parChTrans1D3" presStyleIdx="1" presStyleCnt="13"/>
       <dgm:spPr/>
       <dgm:t>
         <a:bodyPr/>
@@ -2761,40 +2309,20 @@
         </a:p>
       </dgm:t>
     </dgm:pt>
-    <dgm:pt modelId="{D086FC53-2AEB-4194-A7B9-5817415641C0}" type="pres">
-      <dgm:prSet presAssocID="{27E50C49-C508-497C-8D3E-32E4DC28A361}" presName="rootConnector" presStyleLbl="node3" presStyleIdx="12" presStyleCnt="13"/>
-      <dgm:spPr/>
-    </dgm:pt>
-    <dgm:pt modelId="{CA21DC09-C87F-4040-8F7C-BB25E6A42A25}" type="pres">
-      <dgm:prSet presAssocID="{27E50C49-C508-497C-8D3E-32E4DC28A361}" presName="hierChild4" presStyleCnt="0"/>
-      <dgm:spPr/>
-    </dgm:pt>
-    <dgm:pt modelId="{EBABA746-644F-4B42-8A8E-55CD332CB1E7}" type="pres">
-      <dgm:prSet presAssocID="{27E50C49-C508-497C-8D3E-32E4DC28A361}" presName="hierChild5" presStyleCnt="0"/>
-      <dgm:spPr/>
-    </dgm:pt>
-    <dgm:pt modelId="{5425AE19-766B-4C74-B63C-1CA81BC47970}" type="pres">
-      <dgm:prSet presAssocID="{9BC30EB8-F8D3-40D0-94B0-2C1ECD08941A}" presName="hierChild5" presStyleCnt="0"/>
-      <dgm:spPr/>
-    </dgm:pt>
-    <dgm:pt modelId="{2D284FC7-477A-43A2-8EFA-CE7A91DD0B31}" type="pres">
-      <dgm:prSet presAssocID="{6FD3ED6B-E759-4E25-B82B-33A460CA8D54}" presName="Name37" presStyleLbl="parChTrans1D2" presStyleIdx="5" presStyleCnt="7"/>
-      <dgm:spPr/>
-    </dgm:pt>
-    <dgm:pt modelId="{64989FB1-FA3E-4054-BB3E-CADBD6EA1B8C}" type="pres">
-      <dgm:prSet presAssocID="{8E73C83C-CFA3-4452-8E59-A49AFFDAE446}" presName="hierRoot2" presStyleCnt="0">
+    <dgm:pt modelId="{97EFFB48-C6D3-4B91-94A4-D2BC96C061C8}" type="pres">
+      <dgm:prSet presAssocID="{D3715D86-EEF6-4FF6-88F7-E988CF21BADB}" presName="hierRoot2" presStyleCnt="0">
         <dgm:presLayoutVars>
           <dgm:hierBranch val="init"/>
         </dgm:presLayoutVars>
       </dgm:prSet>
       <dgm:spPr/>
     </dgm:pt>
-    <dgm:pt modelId="{6518666C-54BA-4D12-AB12-7114186E1D03}" type="pres">
-      <dgm:prSet presAssocID="{8E73C83C-CFA3-4452-8E59-A49AFFDAE446}" presName="rootComposite" presStyleCnt="0"/>
-      <dgm:spPr/>
-    </dgm:pt>
-    <dgm:pt modelId="{277881D0-5906-419D-9DE9-FAD3433C2B37}" type="pres">
-      <dgm:prSet presAssocID="{8E73C83C-CFA3-4452-8E59-A49AFFDAE446}" presName="rootText" presStyleLbl="node2" presStyleIdx="5" presStyleCnt="7" custAng="0" custScaleX="51790" custScaleY="28738" custLinFactX="-85501" custLinFactNeighborX="-100000" custLinFactNeighborY="79518">
+    <dgm:pt modelId="{C24556B2-93FE-45AD-BD61-774136B7185E}" type="pres">
+      <dgm:prSet presAssocID="{D3715D86-EEF6-4FF6-88F7-E988CF21BADB}" presName="rootComposite" presStyleCnt="0"/>
+      <dgm:spPr/>
+    </dgm:pt>
+    <dgm:pt modelId="{83CACE76-D1FC-4D64-9202-A10606BB53C5}" type="pres">
+      <dgm:prSet presAssocID="{D3715D86-EEF6-4FF6-88F7-E988CF21BADB}" presName="rootText" presStyleLbl="node3" presStyleIdx="1" presStyleCnt="13" custAng="0" custScaleX="63803" custScaleY="29138" custLinFactX="-97693" custLinFactY="100000" custLinFactNeighborX="-100000" custLinFactNeighborY="129518">
         <dgm:presLayoutVars>
           <dgm:chPref val="3"/>
         </dgm:presLayoutVars>
@@ -2808,40 +2336,8 @@
         </a:p>
       </dgm:t>
     </dgm:pt>
-    <dgm:pt modelId="{A4EBBDDF-F160-480B-9CE7-3C2A250E4198}" type="pres">
-      <dgm:prSet presAssocID="{8E73C83C-CFA3-4452-8E59-A49AFFDAE446}" presName="rootConnector" presStyleLbl="node2" presStyleIdx="5" presStyleCnt="7"/>
-      <dgm:spPr/>
-    </dgm:pt>
-    <dgm:pt modelId="{6AA27287-575D-43C7-8DC4-B929279A8817}" type="pres">
-      <dgm:prSet presAssocID="{8E73C83C-CFA3-4452-8E59-A49AFFDAE446}" presName="hierChild4" presStyleCnt="0"/>
-      <dgm:spPr/>
-    </dgm:pt>
-    <dgm:pt modelId="{42D81E36-9928-4504-A1AD-9F33B1FF8C1B}" type="pres">
-      <dgm:prSet presAssocID="{8E73C83C-CFA3-4452-8E59-A49AFFDAE446}" presName="hierChild5" presStyleCnt="0"/>
-      <dgm:spPr/>
-    </dgm:pt>
-    <dgm:pt modelId="{381A84ED-ACC6-4FFF-AEC0-5EAEA9581E3E}" type="pres">
-      <dgm:prSet presAssocID="{53689265-E92E-4E10-86BF-89C45731C450}" presName="Name37" presStyleLbl="parChTrans1D2" presStyleIdx="6" presStyleCnt="7"/>
-      <dgm:spPr/>
-    </dgm:pt>
-    <dgm:pt modelId="{3F945A74-F991-4496-B06D-8B91F3A0F947}" type="pres">
-      <dgm:prSet presAssocID="{06342976-E790-4621-822F-38A819D72095}" presName="hierRoot2" presStyleCnt="0">
-        <dgm:presLayoutVars>
-          <dgm:hierBranch val="init"/>
-        </dgm:presLayoutVars>
-      </dgm:prSet>
-      <dgm:spPr/>
-    </dgm:pt>
-    <dgm:pt modelId="{20696C15-FACE-4742-8FA2-D066A1934E5E}" type="pres">
-      <dgm:prSet presAssocID="{06342976-E790-4621-822F-38A819D72095}" presName="rootComposite" presStyleCnt="0"/>
-      <dgm:spPr/>
-    </dgm:pt>
-    <dgm:pt modelId="{0A965E6D-3A27-4907-AB80-F4793D81259C}" type="pres">
-      <dgm:prSet presAssocID="{06342976-E790-4621-822F-38A819D72095}" presName="rootText" presStyleLbl="node2" presStyleIdx="6" presStyleCnt="7" custScaleX="63249" custScaleY="33963" custLinFactNeighborX="-12382" custLinFactNeighborY="31524">
-        <dgm:presLayoutVars>
-          <dgm:chPref val="3"/>
-        </dgm:presLayoutVars>
-      </dgm:prSet>
+    <dgm:pt modelId="{6385E5D0-E1FD-48B5-AEBC-7ACD4BE1365A}" type="pres">
+      <dgm:prSet presAssocID="{D3715D86-EEF6-4FF6-88F7-E988CF21BADB}" presName="rootConnector" presStyleLbl="node3" presStyleIdx="1" presStyleCnt="13"/>
       <dgm:spPr/>
       <dgm:t>
         <a:bodyPr/>
@@ -2851,9 +2347,807 @@
         </a:p>
       </dgm:t>
     </dgm:pt>
+    <dgm:pt modelId="{BF5CCA68-E07E-4500-A619-5806F150A87D}" type="pres">
+      <dgm:prSet presAssocID="{D3715D86-EEF6-4FF6-88F7-E988CF21BADB}" presName="hierChild4" presStyleCnt="0"/>
+      <dgm:spPr/>
+    </dgm:pt>
+    <dgm:pt modelId="{1D2280C9-1DEF-4FD1-A0FE-A4287C68F28D}" type="pres">
+      <dgm:prSet presAssocID="{D3715D86-EEF6-4FF6-88F7-E988CF21BADB}" presName="hierChild5" presStyleCnt="0"/>
+      <dgm:spPr/>
+    </dgm:pt>
+    <dgm:pt modelId="{63CEDB58-B32B-4673-BDC5-CBCA9C544A3F}" type="pres">
+      <dgm:prSet presAssocID="{2DDE0A61-D205-43A2-97DF-750D78BD2772}" presName="Name37" presStyleLbl="parChTrans1D3" presStyleIdx="2" presStyleCnt="13"/>
+      <dgm:spPr/>
+      <dgm:t>
+        <a:bodyPr/>
+        <a:lstStyle/>
+        <a:p>
+          <a:endParaRPr lang="zh-CN" altLang="en-US"/>
+        </a:p>
+      </dgm:t>
+    </dgm:pt>
+    <dgm:pt modelId="{182809D6-093A-4FFF-911D-FD8D62AC6AF7}" type="pres">
+      <dgm:prSet presAssocID="{6C6B3393-263E-40FF-A28D-7303DE88794F}" presName="hierRoot2" presStyleCnt="0">
+        <dgm:presLayoutVars>
+          <dgm:hierBranch val="init"/>
+        </dgm:presLayoutVars>
+      </dgm:prSet>
+      <dgm:spPr/>
+    </dgm:pt>
+    <dgm:pt modelId="{41CD96B1-2678-4A77-A37D-F345376AF7AE}" type="pres">
+      <dgm:prSet presAssocID="{6C6B3393-263E-40FF-A28D-7303DE88794F}" presName="rootComposite" presStyleCnt="0"/>
+      <dgm:spPr/>
+    </dgm:pt>
+    <dgm:pt modelId="{64A78999-BE90-4902-8E60-FD6415880582}" type="pres">
+      <dgm:prSet presAssocID="{6C6B3393-263E-40FF-A28D-7303DE88794F}" presName="rootText" presStyleLbl="node3" presStyleIdx="2" presStyleCnt="13" custAng="0" custScaleX="63803" custScaleY="29138" custLinFactX="-97693" custLinFactY="100000" custLinFactNeighborX="-100000" custLinFactNeighborY="129518">
+        <dgm:presLayoutVars>
+          <dgm:chPref val="3"/>
+        </dgm:presLayoutVars>
+      </dgm:prSet>
+      <dgm:spPr/>
+      <dgm:t>
+        <a:bodyPr/>
+        <a:lstStyle/>
+        <a:p>
+          <a:endParaRPr lang="zh-CN" altLang="en-US"/>
+        </a:p>
+      </dgm:t>
+    </dgm:pt>
+    <dgm:pt modelId="{1EC20434-2E93-4D7B-807F-0AE115AA1016}" type="pres">
+      <dgm:prSet presAssocID="{6C6B3393-263E-40FF-A28D-7303DE88794F}" presName="rootConnector" presStyleLbl="node3" presStyleIdx="2" presStyleCnt="13"/>
+      <dgm:spPr/>
+      <dgm:t>
+        <a:bodyPr/>
+        <a:lstStyle/>
+        <a:p>
+          <a:endParaRPr lang="zh-CN" altLang="en-US"/>
+        </a:p>
+      </dgm:t>
+    </dgm:pt>
+    <dgm:pt modelId="{EAB78AA1-36A9-41E1-8F25-CDA4E769992C}" type="pres">
+      <dgm:prSet presAssocID="{6C6B3393-263E-40FF-A28D-7303DE88794F}" presName="hierChild4" presStyleCnt="0"/>
+      <dgm:spPr/>
+    </dgm:pt>
+    <dgm:pt modelId="{C8C9085E-1850-4F9F-9052-1A92C40614A7}" type="pres">
+      <dgm:prSet presAssocID="{6C6B3393-263E-40FF-A28D-7303DE88794F}" presName="hierChild5" presStyleCnt="0"/>
+      <dgm:spPr/>
+    </dgm:pt>
+    <dgm:pt modelId="{6DA8F7B1-F97C-44C8-9CA2-31BA83A8A423}" type="pres">
+      <dgm:prSet presAssocID="{3A91B6ED-B2A3-4991-BD7A-8B5278323DC2}" presName="Name37" presStyleLbl="parChTrans1D3" presStyleIdx="3" presStyleCnt="13"/>
+      <dgm:spPr/>
+      <dgm:t>
+        <a:bodyPr/>
+        <a:lstStyle/>
+        <a:p>
+          <a:endParaRPr lang="zh-CN" altLang="en-US"/>
+        </a:p>
+      </dgm:t>
+    </dgm:pt>
+    <dgm:pt modelId="{3AA9E84C-8C7B-42A1-A04A-A2D03819F0CF}" type="pres">
+      <dgm:prSet presAssocID="{2F07DD39-2F2F-4A65-AB1F-804CA7D6C94D}" presName="hierRoot2" presStyleCnt="0">
+        <dgm:presLayoutVars>
+          <dgm:hierBranch val="init"/>
+        </dgm:presLayoutVars>
+      </dgm:prSet>
+      <dgm:spPr/>
+    </dgm:pt>
+    <dgm:pt modelId="{24EDC9CA-29CF-4F90-AC40-9E0B0DBE98CC}" type="pres">
+      <dgm:prSet presAssocID="{2F07DD39-2F2F-4A65-AB1F-804CA7D6C94D}" presName="rootComposite" presStyleCnt="0"/>
+      <dgm:spPr/>
+    </dgm:pt>
+    <dgm:pt modelId="{28080AD2-2E2C-4B6D-916F-AB52AC5BA26E}" type="pres">
+      <dgm:prSet presAssocID="{2F07DD39-2F2F-4A65-AB1F-804CA7D6C94D}" presName="rootText" presStyleLbl="node3" presStyleIdx="3" presStyleCnt="13" custAng="0" custScaleX="63803" custScaleY="29138" custLinFactX="-97693" custLinFactY="100000" custLinFactNeighborX="-100000" custLinFactNeighborY="129518">
+        <dgm:presLayoutVars>
+          <dgm:chPref val="3"/>
+        </dgm:presLayoutVars>
+      </dgm:prSet>
+      <dgm:spPr/>
+      <dgm:t>
+        <a:bodyPr/>
+        <a:lstStyle/>
+        <a:p>
+          <a:endParaRPr lang="zh-CN" altLang="en-US"/>
+        </a:p>
+      </dgm:t>
+    </dgm:pt>
+    <dgm:pt modelId="{FFE969AB-0511-45F1-9515-558C689853A8}" type="pres">
+      <dgm:prSet presAssocID="{2F07DD39-2F2F-4A65-AB1F-804CA7D6C94D}" presName="rootConnector" presStyleLbl="node3" presStyleIdx="3" presStyleCnt="13"/>
+      <dgm:spPr/>
+      <dgm:t>
+        <a:bodyPr/>
+        <a:lstStyle/>
+        <a:p>
+          <a:endParaRPr lang="zh-CN" altLang="en-US"/>
+        </a:p>
+      </dgm:t>
+    </dgm:pt>
+    <dgm:pt modelId="{41C2F6D8-3984-47AD-900E-E2FA6E15D9EE}" type="pres">
+      <dgm:prSet presAssocID="{2F07DD39-2F2F-4A65-AB1F-804CA7D6C94D}" presName="hierChild4" presStyleCnt="0"/>
+      <dgm:spPr/>
+    </dgm:pt>
+    <dgm:pt modelId="{F56F5EC1-C225-49E4-AF21-2550BBF941AA}" type="pres">
+      <dgm:prSet presAssocID="{2F07DD39-2F2F-4A65-AB1F-804CA7D6C94D}" presName="hierChild5" presStyleCnt="0"/>
+      <dgm:spPr/>
+    </dgm:pt>
+    <dgm:pt modelId="{1ECD21C2-1E3A-4517-9FC1-860A7AC656C3}" type="pres">
+      <dgm:prSet presAssocID="{E502BCB4-C45F-423F-8FE8-F12EE843A2E5}" presName="Name37" presStyleLbl="parChTrans1D3" presStyleIdx="4" presStyleCnt="13"/>
+      <dgm:spPr/>
+      <dgm:t>
+        <a:bodyPr/>
+        <a:lstStyle/>
+        <a:p>
+          <a:endParaRPr lang="zh-CN" altLang="en-US"/>
+        </a:p>
+      </dgm:t>
+    </dgm:pt>
+    <dgm:pt modelId="{8D75E4DA-9972-4D6F-A01F-9944C2231ECA}" type="pres">
+      <dgm:prSet presAssocID="{5067963E-CB92-42B8-9603-0318A492E8B6}" presName="hierRoot2" presStyleCnt="0">
+        <dgm:presLayoutVars>
+          <dgm:hierBranch val="init"/>
+        </dgm:presLayoutVars>
+      </dgm:prSet>
+      <dgm:spPr/>
+    </dgm:pt>
+    <dgm:pt modelId="{7A489699-E385-45FE-986E-17B64A6DB549}" type="pres">
+      <dgm:prSet presAssocID="{5067963E-CB92-42B8-9603-0318A492E8B6}" presName="rootComposite" presStyleCnt="0"/>
+      <dgm:spPr/>
+    </dgm:pt>
+    <dgm:pt modelId="{52463DE4-A275-4C7F-B379-DBD69F09192F}" type="pres">
+      <dgm:prSet presAssocID="{5067963E-CB92-42B8-9603-0318A492E8B6}" presName="rootText" presStyleLbl="node3" presStyleIdx="4" presStyleCnt="13" custAng="0" custScaleX="63803" custScaleY="29138" custLinFactX="-207" custLinFactNeighborX="-100000" custLinFactNeighborY="-55166">
+        <dgm:presLayoutVars>
+          <dgm:chPref val="3"/>
+        </dgm:presLayoutVars>
+      </dgm:prSet>
+      <dgm:spPr/>
+      <dgm:t>
+        <a:bodyPr/>
+        <a:lstStyle/>
+        <a:p>
+          <a:endParaRPr lang="zh-CN" altLang="en-US"/>
+        </a:p>
+      </dgm:t>
+    </dgm:pt>
+    <dgm:pt modelId="{43B33870-49F4-478B-B27A-D9174D41D64C}" type="pres">
+      <dgm:prSet presAssocID="{5067963E-CB92-42B8-9603-0318A492E8B6}" presName="rootConnector" presStyleLbl="node3" presStyleIdx="4" presStyleCnt="13"/>
+      <dgm:spPr/>
+      <dgm:t>
+        <a:bodyPr/>
+        <a:lstStyle/>
+        <a:p>
+          <a:endParaRPr lang="zh-CN" altLang="en-US"/>
+        </a:p>
+      </dgm:t>
+    </dgm:pt>
+    <dgm:pt modelId="{ED2E7FCB-F635-4681-93A5-758723A7154C}" type="pres">
+      <dgm:prSet presAssocID="{5067963E-CB92-42B8-9603-0318A492E8B6}" presName="hierChild4" presStyleCnt="0"/>
+      <dgm:spPr/>
+    </dgm:pt>
+    <dgm:pt modelId="{4992B220-0B4B-411F-8D71-BD66549B2EFC}" type="pres">
+      <dgm:prSet presAssocID="{5067963E-CB92-42B8-9603-0318A492E8B6}" presName="hierChild5" presStyleCnt="0"/>
+      <dgm:spPr/>
+    </dgm:pt>
+    <dgm:pt modelId="{946B7EE9-9500-4486-8002-66A19C276D38}" type="pres">
+      <dgm:prSet presAssocID="{4344EE9C-98A5-45B9-8E83-1DC0CE67E399}" presName="Name37" presStyleLbl="parChTrans1D3" presStyleIdx="5" presStyleCnt="13"/>
+      <dgm:spPr/>
+      <dgm:t>
+        <a:bodyPr/>
+        <a:lstStyle/>
+        <a:p>
+          <a:endParaRPr lang="zh-CN" altLang="en-US"/>
+        </a:p>
+      </dgm:t>
+    </dgm:pt>
+    <dgm:pt modelId="{9268DE29-0E3A-4E4A-96FD-8B2A4FFC6DA5}" type="pres">
+      <dgm:prSet presAssocID="{8AC95AC5-219B-4C91-88D7-3104BD28BF8B}" presName="hierRoot2" presStyleCnt="0">
+        <dgm:presLayoutVars>
+          <dgm:hierBranch val="init"/>
+        </dgm:presLayoutVars>
+      </dgm:prSet>
+      <dgm:spPr/>
+    </dgm:pt>
+    <dgm:pt modelId="{CA00F700-2478-46B5-8A5E-0461C0A90A44}" type="pres">
+      <dgm:prSet presAssocID="{8AC95AC5-219B-4C91-88D7-3104BD28BF8B}" presName="rootComposite" presStyleCnt="0"/>
+      <dgm:spPr/>
+    </dgm:pt>
+    <dgm:pt modelId="{DFF19BAA-CA7A-4C59-8835-09E34244DEB2}" type="pres">
+      <dgm:prSet presAssocID="{8AC95AC5-219B-4C91-88D7-3104BD28BF8B}" presName="rootText" presStyleLbl="node3" presStyleIdx="5" presStyleCnt="13" custAng="0" custScaleX="63803" custScaleY="29138" custLinFactX="-207" custLinFactNeighborX="-100000" custLinFactNeighborY="-55166">
+        <dgm:presLayoutVars>
+          <dgm:chPref val="3"/>
+        </dgm:presLayoutVars>
+      </dgm:prSet>
+      <dgm:spPr/>
+      <dgm:t>
+        <a:bodyPr/>
+        <a:lstStyle/>
+        <a:p>
+          <a:endParaRPr lang="zh-CN" altLang="en-US"/>
+        </a:p>
+      </dgm:t>
+    </dgm:pt>
+    <dgm:pt modelId="{CAB84B23-5323-4B33-BB37-C789F2B8AACE}" type="pres">
+      <dgm:prSet presAssocID="{8AC95AC5-219B-4C91-88D7-3104BD28BF8B}" presName="rootConnector" presStyleLbl="node3" presStyleIdx="5" presStyleCnt="13"/>
+      <dgm:spPr/>
+      <dgm:t>
+        <a:bodyPr/>
+        <a:lstStyle/>
+        <a:p>
+          <a:endParaRPr lang="zh-CN" altLang="en-US"/>
+        </a:p>
+      </dgm:t>
+    </dgm:pt>
+    <dgm:pt modelId="{AB92BDF8-81B8-4740-A2F6-F3F1CD4497AC}" type="pres">
+      <dgm:prSet presAssocID="{8AC95AC5-219B-4C91-88D7-3104BD28BF8B}" presName="hierChild4" presStyleCnt="0"/>
+      <dgm:spPr/>
+    </dgm:pt>
+    <dgm:pt modelId="{A36740CE-51C0-49D5-BF9A-E22A4210AC3B}" type="pres">
+      <dgm:prSet presAssocID="{8AC95AC5-219B-4C91-88D7-3104BD28BF8B}" presName="hierChild5" presStyleCnt="0"/>
+      <dgm:spPr/>
+    </dgm:pt>
+    <dgm:pt modelId="{5B9613AA-BA8A-4902-A54C-86BDC09A7E18}" type="pres">
+      <dgm:prSet presAssocID="{2D59DD00-AC6E-4EC9-ABF9-36FE406A5130}" presName="Name37" presStyleLbl="parChTrans1D3" presStyleIdx="6" presStyleCnt="13"/>
+      <dgm:spPr/>
+      <dgm:t>
+        <a:bodyPr/>
+        <a:lstStyle/>
+        <a:p>
+          <a:endParaRPr lang="zh-CN" altLang="en-US"/>
+        </a:p>
+      </dgm:t>
+    </dgm:pt>
+    <dgm:pt modelId="{FCDFB270-6945-4385-A67C-7E97BC38B5F8}" type="pres">
+      <dgm:prSet presAssocID="{835E9C53-9F70-41B3-AF4B-C01AC65FB819}" presName="hierRoot2" presStyleCnt="0">
+        <dgm:presLayoutVars>
+          <dgm:hierBranch val="init"/>
+        </dgm:presLayoutVars>
+      </dgm:prSet>
+      <dgm:spPr/>
+    </dgm:pt>
+    <dgm:pt modelId="{2F160D28-2452-494E-BFC9-75799E2BC099}" type="pres">
+      <dgm:prSet presAssocID="{835E9C53-9F70-41B3-AF4B-C01AC65FB819}" presName="rootComposite" presStyleCnt="0"/>
+      <dgm:spPr/>
+    </dgm:pt>
+    <dgm:pt modelId="{FAE385AB-3F87-4A04-AC1A-A1FB407D8C96}" type="pres">
+      <dgm:prSet presAssocID="{835E9C53-9F70-41B3-AF4B-C01AC65FB819}" presName="rootText" presStyleLbl="node3" presStyleIdx="6" presStyleCnt="13" custAng="0" custScaleX="63803" custScaleY="29138" custLinFactX="-207" custLinFactNeighborX="-100000" custLinFactNeighborY="-55166">
+        <dgm:presLayoutVars>
+          <dgm:chPref val="3"/>
+        </dgm:presLayoutVars>
+      </dgm:prSet>
+      <dgm:spPr/>
+      <dgm:t>
+        <a:bodyPr/>
+        <a:lstStyle/>
+        <a:p>
+          <a:endParaRPr lang="zh-CN" altLang="en-US"/>
+        </a:p>
+      </dgm:t>
+    </dgm:pt>
+    <dgm:pt modelId="{04088332-98F9-46AF-B80E-A03A81C0313A}" type="pres">
+      <dgm:prSet presAssocID="{835E9C53-9F70-41B3-AF4B-C01AC65FB819}" presName="rootConnector" presStyleLbl="node3" presStyleIdx="6" presStyleCnt="13"/>
+      <dgm:spPr/>
+      <dgm:t>
+        <a:bodyPr/>
+        <a:lstStyle/>
+        <a:p>
+          <a:endParaRPr lang="zh-CN" altLang="en-US"/>
+        </a:p>
+      </dgm:t>
+    </dgm:pt>
+    <dgm:pt modelId="{6B17C170-209B-41E0-AFA3-91234120B397}" type="pres">
+      <dgm:prSet presAssocID="{835E9C53-9F70-41B3-AF4B-C01AC65FB819}" presName="hierChild4" presStyleCnt="0"/>
+      <dgm:spPr/>
+    </dgm:pt>
+    <dgm:pt modelId="{1AEDC670-DAC0-4576-A37D-F9D71ED90AFC}" type="pres">
+      <dgm:prSet presAssocID="{835E9C53-9F70-41B3-AF4B-C01AC65FB819}" presName="hierChild5" presStyleCnt="0"/>
+      <dgm:spPr/>
+    </dgm:pt>
+    <dgm:pt modelId="{0A018772-B03E-4C24-B884-1A7563A239C7}" type="pres">
+      <dgm:prSet presAssocID="{74360FB5-4773-4BD9-A0FB-10BB967DD768}" presName="hierChild5" presStyleCnt="0"/>
+      <dgm:spPr/>
+    </dgm:pt>
+    <dgm:pt modelId="{D3906D38-A9F8-4CC5-B703-4D4287F9DB3B}" type="pres">
+      <dgm:prSet presAssocID="{DA1BC7FE-7D53-419A-B084-E9A10C4BCE7E}" presName="Name37" presStyleLbl="parChTrans1D2" presStyleIdx="4" presStyleCnt="7"/>
+      <dgm:spPr/>
+      <dgm:t>
+        <a:bodyPr/>
+        <a:lstStyle/>
+        <a:p>
+          <a:endParaRPr lang="zh-CN" altLang="en-US"/>
+        </a:p>
+      </dgm:t>
+    </dgm:pt>
+    <dgm:pt modelId="{903FB95D-F9F4-40FE-937B-50BA3CD1FD98}" type="pres">
+      <dgm:prSet presAssocID="{9BC30EB8-F8D3-40D0-94B0-2C1ECD08941A}" presName="hierRoot2" presStyleCnt="0">
+        <dgm:presLayoutVars>
+          <dgm:hierBranch val="init"/>
+        </dgm:presLayoutVars>
+      </dgm:prSet>
+      <dgm:spPr/>
+    </dgm:pt>
+    <dgm:pt modelId="{DDCD6056-8877-440A-8111-A41045C06836}" type="pres">
+      <dgm:prSet presAssocID="{9BC30EB8-F8D3-40D0-94B0-2C1ECD08941A}" presName="rootComposite" presStyleCnt="0"/>
+      <dgm:spPr/>
+    </dgm:pt>
+    <dgm:pt modelId="{9B08FD8E-7F16-4DD2-8896-7E7642C48EBB}" type="pres">
+      <dgm:prSet presAssocID="{9BC30EB8-F8D3-40D0-94B0-2C1ECD08941A}" presName="rootText" presStyleLbl="node2" presStyleIdx="4" presStyleCnt="7" custAng="0" custScaleX="70183" custScaleY="29138" custLinFactY="100000" custLinFactNeighborX="15777" custLinFactNeighborY="127070">
+        <dgm:presLayoutVars>
+          <dgm:chPref val="3"/>
+        </dgm:presLayoutVars>
+      </dgm:prSet>
+      <dgm:spPr/>
+      <dgm:t>
+        <a:bodyPr/>
+        <a:lstStyle/>
+        <a:p>
+          <a:endParaRPr lang="zh-CN" altLang="en-US"/>
+        </a:p>
+      </dgm:t>
+    </dgm:pt>
+    <dgm:pt modelId="{3916DA2A-603E-48D9-B240-B37D5130A549}" type="pres">
+      <dgm:prSet presAssocID="{9BC30EB8-F8D3-40D0-94B0-2C1ECD08941A}" presName="rootConnector" presStyleLbl="node2" presStyleIdx="4" presStyleCnt="7"/>
+      <dgm:spPr/>
+      <dgm:t>
+        <a:bodyPr/>
+        <a:lstStyle/>
+        <a:p>
+          <a:endParaRPr lang="zh-CN" altLang="en-US"/>
+        </a:p>
+      </dgm:t>
+    </dgm:pt>
+    <dgm:pt modelId="{5B7ED3C9-0103-4F9B-B5C9-520C740922CB}" type="pres">
+      <dgm:prSet presAssocID="{9BC30EB8-F8D3-40D0-94B0-2C1ECD08941A}" presName="hierChild4" presStyleCnt="0"/>
+      <dgm:spPr/>
+    </dgm:pt>
+    <dgm:pt modelId="{F91FF1AA-A51B-4E4A-9478-29217AE430B6}" type="pres">
+      <dgm:prSet presAssocID="{FA7065A5-4C6A-4416-8D60-D215F72B2697}" presName="Name37" presStyleLbl="parChTrans1D3" presStyleIdx="7" presStyleCnt="13"/>
+      <dgm:spPr/>
+      <dgm:t>
+        <a:bodyPr/>
+        <a:lstStyle/>
+        <a:p>
+          <a:endParaRPr lang="zh-CN" altLang="en-US"/>
+        </a:p>
+      </dgm:t>
+    </dgm:pt>
+    <dgm:pt modelId="{37BBFF8E-4C31-4845-B5D8-6AA97B011061}" type="pres">
+      <dgm:prSet presAssocID="{BDD4521C-BFD4-4005-978A-8CBB4C696881}" presName="hierRoot2" presStyleCnt="0">
+        <dgm:presLayoutVars>
+          <dgm:hierBranch val="init"/>
+        </dgm:presLayoutVars>
+      </dgm:prSet>
+      <dgm:spPr/>
+    </dgm:pt>
+    <dgm:pt modelId="{93E80AFF-0349-45AB-A8D3-27F51FFC9920}" type="pres">
+      <dgm:prSet presAssocID="{BDD4521C-BFD4-4005-978A-8CBB4C696881}" presName="rootComposite" presStyleCnt="0"/>
+      <dgm:spPr/>
+    </dgm:pt>
+    <dgm:pt modelId="{152C6D8F-D0DA-4143-A0D7-49711C667288}" type="pres">
+      <dgm:prSet presAssocID="{BDD4521C-BFD4-4005-978A-8CBB4C696881}" presName="rootText" presStyleLbl="node3" presStyleIdx="7" presStyleCnt="13" custAng="0" custScaleX="80272" custScaleY="33506" custLinFactX="-6306" custLinFactY="100000" custLinFactNeighborX="-100000" custLinFactNeighborY="126504">
+        <dgm:presLayoutVars>
+          <dgm:chPref val="3"/>
+        </dgm:presLayoutVars>
+      </dgm:prSet>
+      <dgm:spPr/>
+      <dgm:t>
+        <a:bodyPr/>
+        <a:lstStyle/>
+        <a:p>
+          <a:endParaRPr lang="zh-CN" altLang="en-US"/>
+        </a:p>
+      </dgm:t>
+    </dgm:pt>
+    <dgm:pt modelId="{D98E7FE4-867E-4384-86BE-D6FE06733F0C}" type="pres">
+      <dgm:prSet presAssocID="{BDD4521C-BFD4-4005-978A-8CBB4C696881}" presName="rootConnector" presStyleLbl="node3" presStyleIdx="7" presStyleCnt="13"/>
+      <dgm:spPr/>
+      <dgm:t>
+        <a:bodyPr/>
+        <a:lstStyle/>
+        <a:p>
+          <a:endParaRPr lang="zh-CN" altLang="en-US"/>
+        </a:p>
+      </dgm:t>
+    </dgm:pt>
+    <dgm:pt modelId="{651C3216-2F3F-4106-BB19-7E324DE02C9A}" type="pres">
+      <dgm:prSet presAssocID="{BDD4521C-BFD4-4005-978A-8CBB4C696881}" presName="hierChild4" presStyleCnt="0"/>
+      <dgm:spPr/>
+    </dgm:pt>
+    <dgm:pt modelId="{FFB1BC4E-86C6-4D26-92DB-7AE1CDFE830E}" type="pres">
+      <dgm:prSet presAssocID="{BDD4521C-BFD4-4005-978A-8CBB4C696881}" presName="hierChild5" presStyleCnt="0"/>
+      <dgm:spPr/>
+    </dgm:pt>
+    <dgm:pt modelId="{631CAABE-1340-4674-A3E8-E6A86F3A63F0}" type="pres">
+      <dgm:prSet presAssocID="{E6B3853E-E42E-4332-A291-90FE16889803}" presName="Name37" presStyleLbl="parChTrans1D3" presStyleIdx="8" presStyleCnt="13"/>
+      <dgm:spPr/>
+      <dgm:t>
+        <a:bodyPr/>
+        <a:lstStyle/>
+        <a:p>
+          <a:endParaRPr lang="zh-CN" altLang="en-US"/>
+        </a:p>
+      </dgm:t>
+    </dgm:pt>
+    <dgm:pt modelId="{454B4FCE-2BD3-41BA-9010-FE9DC2C725F4}" type="pres">
+      <dgm:prSet presAssocID="{C4E6385B-F3F8-441A-A1DC-7AD358D1AFE9}" presName="hierRoot2" presStyleCnt="0">
+        <dgm:presLayoutVars>
+          <dgm:hierBranch val="init"/>
+        </dgm:presLayoutVars>
+      </dgm:prSet>
+      <dgm:spPr/>
+    </dgm:pt>
+    <dgm:pt modelId="{49B64595-05CF-45B1-A34C-A0B66D3AC1B6}" type="pres">
+      <dgm:prSet presAssocID="{C4E6385B-F3F8-441A-A1DC-7AD358D1AFE9}" presName="rootComposite" presStyleCnt="0"/>
+      <dgm:spPr/>
+    </dgm:pt>
+    <dgm:pt modelId="{B5B8587B-781B-4ABE-8D5D-290016A41AE8}" type="pres">
+      <dgm:prSet presAssocID="{C4E6385B-F3F8-441A-A1DC-7AD358D1AFE9}" presName="rootText" presStyleLbl="node3" presStyleIdx="8" presStyleCnt="13" custAng="0" custScaleX="80272" custScaleY="33506" custLinFactX="-6306" custLinFactY="100000" custLinFactNeighborX="-100000" custLinFactNeighborY="126504">
+        <dgm:presLayoutVars>
+          <dgm:chPref val="3"/>
+        </dgm:presLayoutVars>
+      </dgm:prSet>
+      <dgm:spPr/>
+      <dgm:t>
+        <a:bodyPr/>
+        <a:lstStyle/>
+        <a:p>
+          <a:endParaRPr lang="zh-CN" altLang="en-US"/>
+        </a:p>
+      </dgm:t>
+    </dgm:pt>
+    <dgm:pt modelId="{97D15E69-2D89-4089-8802-E3EA9C4F31BE}" type="pres">
+      <dgm:prSet presAssocID="{C4E6385B-F3F8-441A-A1DC-7AD358D1AFE9}" presName="rootConnector" presStyleLbl="node3" presStyleIdx="8" presStyleCnt="13"/>
+      <dgm:spPr/>
+      <dgm:t>
+        <a:bodyPr/>
+        <a:lstStyle/>
+        <a:p>
+          <a:endParaRPr lang="zh-CN" altLang="en-US"/>
+        </a:p>
+      </dgm:t>
+    </dgm:pt>
+    <dgm:pt modelId="{3E616E4F-4BE4-4B02-A814-7A5F4D2E04B9}" type="pres">
+      <dgm:prSet presAssocID="{C4E6385B-F3F8-441A-A1DC-7AD358D1AFE9}" presName="hierChild4" presStyleCnt="0"/>
+      <dgm:spPr/>
+    </dgm:pt>
+    <dgm:pt modelId="{81639837-703E-4BBA-87E1-E1B6FE6795EE}" type="pres">
+      <dgm:prSet presAssocID="{C4E6385B-F3F8-441A-A1DC-7AD358D1AFE9}" presName="hierChild5" presStyleCnt="0"/>
+      <dgm:spPr/>
+    </dgm:pt>
+    <dgm:pt modelId="{FEB064D2-EE5E-4C1A-A783-07769F682991}" type="pres">
+      <dgm:prSet presAssocID="{EF553521-C824-425F-9DDE-B67AE7768C42}" presName="Name37" presStyleLbl="parChTrans1D3" presStyleIdx="9" presStyleCnt="13"/>
+      <dgm:spPr/>
+      <dgm:t>
+        <a:bodyPr/>
+        <a:lstStyle/>
+        <a:p>
+          <a:endParaRPr lang="zh-CN" altLang="en-US"/>
+        </a:p>
+      </dgm:t>
+    </dgm:pt>
+    <dgm:pt modelId="{AD5F6897-D146-4BBD-A369-68FD178B8118}" type="pres">
+      <dgm:prSet presAssocID="{D92E6F1E-218A-467F-B0F0-1591C8C2F1A7}" presName="hierRoot2" presStyleCnt="0">
+        <dgm:presLayoutVars>
+          <dgm:hierBranch val="init"/>
+        </dgm:presLayoutVars>
+      </dgm:prSet>
+      <dgm:spPr/>
+    </dgm:pt>
+    <dgm:pt modelId="{A056A3A8-1904-4A02-845C-39553B75F5B8}" type="pres">
+      <dgm:prSet presAssocID="{D92E6F1E-218A-467F-B0F0-1591C8C2F1A7}" presName="rootComposite" presStyleCnt="0"/>
+      <dgm:spPr/>
+    </dgm:pt>
+    <dgm:pt modelId="{9FEF5E06-D4BA-4E39-AC05-A6CE0C9257BA}" type="pres">
+      <dgm:prSet presAssocID="{D92E6F1E-218A-467F-B0F0-1591C8C2F1A7}" presName="rootText" presStyleLbl="node3" presStyleIdx="9" presStyleCnt="13" custAng="0" custScaleX="80272" custScaleY="33506" custLinFactX="-6306" custLinFactY="100000" custLinFactNeighborX="-100000" custLinFactNeighborY="126504">
+        <dgm:presLayoutVars>
+          <dgm:chPref val="3"/>
+        </dgm:presLayoutVars>
+      </dgm:prSet>
+      <dgm:spPr/>
+      <dgm:t>
+        <a:bodyPr/>
+        <a:lstStyle/>
+        <a:p>
+          <a:endParaRPr lang="zh-CN" altLang="en-US"/>
+        </a:p>
+      </dgm:t>
+    </dgm:pt>
+    <dgm:pt modelId="{F9B3037A-1D3E-42C6-8BB7-20A486D4B3ED}" type="pres">
+      <dgm:prSet presAssocID="{D92E6F1E-218A-467F-B0F0-1591C8C2F1A7}" presName="rootConnector" presStyleLbl="node3" presStyleIdx="9" presStyleCnt="13"/>
+      <dgm:spPr/>
+      <dgm:t>
+        <a:bodyPr/>
+        <a:lstStyle/>
+        <a:p>
+          <a:endParaRPr lang="zh-CN" altLang="en-US"/>
+        </a:p>
+      </dgm:t>
+    </dgm:pt>
+    <dgm:pt modelId="{06DC1B69-3C5A-48BB-BAD5-E9F96465BB06}" type="pres">
+      <dgm:prSet presAssocID="{D92E6F1E-218A-467F-B0F0-1591C8C2F1A7}" presName="hierChild4" presStyleCnt="0"/>
+      <dgm:spPr/>
+    </dgm:pt>
+    <dgm:pt modelId="{BC046F08-215A-4948-8804-3CCD67105520}" type="pres">
+      <dgm:prSet presAssocID="{D92E6F1E-218A-467F-B0F0-1591C8C2F1A7}" presName="hierChild5" presStyleCnt="0"/>
+      <dgm:spPr/>
+    </dgm:pt>
+    <dgm:pt modelId="{8033D344-ADD7-4948-9E7A-000AB1F974D5}" type="pres">
+      <dgm:prSet presAssocID="{ADE59061-9C81-4612-AF4B-75437399E468}" presName="Name37" presStyleLbl="parChTrans1D3" presStyleIdx="10" presStyleCnt="13"/>
+      <dgm:spPr/>
+      <dgm:t>
+        <a:bodyPr/>
+        <a:lstStyle/>
+        <a:p>
+          <a:endParaRPr lang="zh-CN" altLang="en-US"/>
+        </a:p>
+      </dgm:t>
+    </dgm:pt>
+    <dgm:pt modelId="{35E14AA0-16FF-47E3-9E3B-91C5E679358F}" type="pres">
+      <dgm:prSet presAssocID="{48DD384A-5FEC-4BA3-BC1A-6BA8170CABEC}" presName="hierRoot2" presStyleCnt="0">
+        <dgm:presLayoutVars>
+          <dgm:hierBranch val="init"/>
+        </dgm:presLayoutVars>
+      </dgm:prSet>
+      <dgm:spPr/>
+    </dgm:pt>
+    <dgm:pt modelId="{3202C6FD-2E12-4B3E-9A7D-F8F1C654C89C}" type="pres">
+      <dgm:prSet presAssocID="{48DD384A-5FEC-4BA3-BC1A-6BA8170CABEC}" presName="rootComposite" presStyleCnt="0"/>
+      <dgm:spPr/>
+    </dgm:pt>
+    <dgm:pt modelId="{DE7246BA-40CF-418B-A6F7-A4CD0955FFCF}" type="pres">
+      <dgm:prSet presAssocID="{48DD384A-5FEC-4BA3-BC1A-6BA8170CABEC}" presName="rootText" presStyleLbl="node3" presStyleIdx="10" presStyleCnt="13" custAng="0" custScaleX="80272" custScaleY="33506" custLinFactNeighborX="30710" custLinFactNeighborY="-1277">
+        <dgm:presLayoutVars>
+          <dgm:chPref val="3"/>
+        </dgm:presLayoutVars>
+      </dgm:prSet>
+      <dgm:spPr/>
+      <dgm:t>
+        <a:bodyPr/>
+        <a:lstStyle/>
+        <a:p>
+          <a:endParaRPr lang="zh-CN" altLang="en-US"/>
+        </a:p>
+      </dgm:t>
+    </dgm:pt>
+    <dgm:pt modelId="{E0F72E79-CA1B-4F71-B0B0-55C96CD79578}" type="pres">
+      <dgm:prSet presAssocID="{48DD384A-5FEC-4BA3-BC1A-6BA8170CABEC}" presName="rootConnector" presStyleLbl="node3" presStyleIdx="10" presStyleCnt="13"/>
+      <dgm:spPr/>
+      <dgm:t>
+        <a:bodyPr/>
+        <a:lstStyle/>
+        <a:p>
+          <a:endParaRPr lang="zh-CN" altLang="en-US"/>
+        </a:p>
+      </dgm:t>
+    </dgm:pt>
+    <dgm:pt modelId="{E8AD92F4-A2BE-4860-84FD-B036A6D0911C}" type="pres">
+      <dgm:prSet presAssocID="{48DD384A-5FEC-4BA3-BC1A-6BA8170CABEC}" presName="hierChild4" presStyleCnt="0"/>
+      <dgm:spPr/>
+    </dgm:pt>
+    <dgm:pt modelId="{7DA2F4D2-50F8-4E5A-8558-6C2CCD69288F}" type="pres">
+      <dgm:prSet presAssocID="{48DD384A-5FEC-4BA3-BC1A-6BA8170CABEC}" presName="hierChild5" presStyleCnt="0"/>
+      <dgm:spPr/>
+    </dgm:pt>
+    <dgm:pt modelId="{2624AED9-4070-4B58-AB7F-B828F4B79A9A}" type="pres">
+      <dgm:prSet presAssocID="{67138F0A-61E9-4A49-8CC4-5BBAA0573C71}" presName="Name37" presStyleLbl="parChTrans1D3" presStyleIdx="11" presStyleCnt="13"/>
+      <dgm:spPr/>
+      <dgm:t>
+        <a:bodyPr/>
+        <a:lstStyle/>
+        <a:p>
+          <a:endParaRPr lang="zh-CN" altLang="en-US"/>
+        </a:p>
+      </dgm:t>
+    </dgm:pt>
+    <dgm:pt modelId="{E2409389-DDC5-4DB5-9E7B-339E980443D8}" type="pres">
+      <dgm:prSet presAssocID="{D5E64BCF-8798-4C49-9AF3-F5183595BC91}" presName="hierRoot2" presStyleCnt="0">
+        <dgm:presLayoutVars>
+          <dgm:hierBranch val="init"/>
+        </dgm:presLayoutVars>
+      </dgm:prSet>
+      <dgm:spPr/>
+    </dgm:pt>
+    <dgm:pt modelId="{2F6C3F77-F139-413C-9602-DE54323F3208}" type="pres">
+      <dgm:prSet presAssocID="{D5E64BCF-8798-4C49-9AF3-F5183595BC91}" presName="rootComposite" presStyleCnt="0"/>
+      <dgm:spPr/>
+    </dgm:pt>
+    <dgm:pt modelId="{DC66759E-447A-427D-8DFF-D9D60FAF8932}" type="pres">
+      <dgm:prSet presAssocID="{D5E64BCF-8798-4C49-9AF3-F5183595BC91}" presName="rootText" presStyleLbl="node3" presStyleIdx="11" presStyleCnt="13" custAng="0" custScaleX="80272" custScaleY="33506" custLinFactNeighborX="30710" custLinFactNeighborY="-1277">
+        <dgm:presLayoutVars>
+          <dgm:chPref val="3"/>
+        </dgm:presLayoutVars>
+      </dgm:prSet>
+      <dgm:spPr/>
+      <dgm:t>
+        <a:bodyPr/>
+        <a:lstStyle/>
+        <a:p>
+          <a:endParaRPr lang="zh-CN" altLang="en-US"/>
+        </a:p>
+      </dgm:t>
+    </dgm:pt>
+    <dgm:pt modelId="{7C11FD9B-428B-47AD-9B6B-97DD0D6E5338}" type="pres">
+      <dgm:prSet presAssocID="{D5E64BCF-8798-4C49-9AF3-F5183595BC91}" presName="rootConnector" presStyleLbl="node3" presStyleIdx="11" presStyleCnt="13"/>
+      <dgm:spPr/>
+      <dgm:t>
+        <a:bodyPr/>
+        <a:lstStyle/>
+        <a:p>
+          <a:endParaRPr lang="zh-CN" altLang="en-US"/>
+        </a:p>
+      </dgm:t>
+    </dgm:pt>
+    <dgm:pt modelId="{B9873AB2-88AA-4FA8-8A97-D2409605E0C2}" type="pres">
+      <dgm:prSet presAssocID="{D5E64BCF-8798-4C49-9AF3-F5183595BC91}" presName="hierChild4" presStyleCnt="0"/>
+      <dgm:spPr/>
+    </dgm:pt>
+    <dgm:pt modelId="{9A502D1F-B320-4F6C-9EC2-E52C994ABCA5}" type="pres">
+      <dgm:prSet presAssocID="{D5E64BCF-8798-4C49-9AF3-F5183595BC91}" presName="hierChild5" presStyleCnt="0"/>
+      <dgm:spPr/>
+    </dgm:pt>
+    <dgm:pt modelId="{3482B2E7-99CF-4CE1-8095-EC5196396E20}" type="pres">
+      <dgm:prSet presAssocID="{6828052D-FABF-4FE8-8843-6E77D27A9ED8}" presName="Name37" presStyleLbl="parChTrans1D3" presStyleIdx="12" presStyleCnt="13"/>
+      <dgm:spPr/>
+      <dgm:t>
+        <a:bodyPr/>
+        <a:lstStyle/>
+        <a:p>
+          <a:endParaRPr lang="zh-CN" altLang="en-US"/>
+        </a:p>
+      </dgm:t>
+    </dgm:pt>
+    <dgm:pt modelId="{15A93856-ADEC-450F-ABE4-19E8EF729796}" type="pres">
+      <dgm:prSet presAssocID="{27E50C49-C508-497C-8D3E-32E4DC28A361}" presName="hierRoot2" presStyleCnt="0">
+        <dgm:presLayoutVars>
+          <dgm:hierBranch val="init"/>
+        </dgm:presLayoutVars>
+      </dgm:prSet>
+      <dgm:spPr/>
+    </dgm:pt>
+    <dgm:pt modelId="{FF6EE923-90E5-4ADD-AAE1-4606F92C504A}" type="pres">
+      <dgm:prSet presAssocID="{27E50C49-C508-497C-8D3E-32E4DC28A361}" presName="rootComposite" presStyleCnt="0"/>
+      <dgm:spPr/>
+    </dgm:pt>
+    <dgm:pt modelId="{EB926E45-D56C-4B6A-B5CA-CF98379D1459}" type="pres">
+      <dgm:prSet presAssocID="{27E50C49-C508-497C-8D3E-32E4DC28A361}" presName="rootText" presStyleLbl="node3" presStyleIdx="12" presStyleCnt="13" custAng="0" custScaleX="80272" custScaleY="33506" custLinFactNeighborX="30710" custLinFactNeighborY="-1277">
+        <dgm:presLayoutVars>
+          <dgm:chPref val="3"/>
+        </dgm:presLayoutVars>
+      </dgm:prSet>
+      <dgm:spPr/>
+      <dgm:t>
+        <a:bodyPr/>
+        <a:lstStyle/>
+        <a:p>
+          <a:endParaRPr lang="zh-CN" altLang="en-US"/>
+        </a:p>
+      </dgm:t>
+    </dgm:pt>
+    <dgm:pt modelId="{D086FC53-2AEB-4194-A7B9-5817415641C0}" type="pres">
+      <dgm:prSet presAssocID="{27E50C49-C508-497C-8D3E-32E4DC28A361}" presName="rootConnector" presStyleLbl="node3" presStyleIdx="12" presStyleCnt="13"/>
+      <dgm:spPr/>
+      <dgm:t>
+        <a:bodyPr/>
+        <a:lstStyle/>
+        <a:p>
+          <a:endParaRPr lang="zh-CN" altLang="en-US"/>
+        </a:p>
+      </dgm:t>
+    </dgm:pt>
+    <dgm:pt modelId="{CA21DC09-C87F-4040-8F7C-BB25E6A42A25}" type="pres">
+      <dgm:prSet presAssocID="{27E50C49-C508-497C-8D3E-32E4DC28A361}" presName="hierChild4" presStyleCnt="0"/>
+      <dgm:spPr/>
+    </dgm:pt>
+    <dgm:pt modelId="{EBABA746-644F-4B42-8A8E-55CD332CB1E7}" type="pres">
+      <dgm:prSet presAssocID="{27E50C49-C508-497C-8D3E-32E4DC28A361}" presName="hierChild5" presStyleCnt="0"/>
+      <dgm:spPr/>
+    </dgm:pt>
+    <dgm:pt modelId="{5425AE19-766B-4C74-B63C-1CA81BC47970}" type="pres">
+      <dgm:prSet presAssocID="{9BC30EB8-F8D3-40D0-94B0-2C1ECD08941A}" presName="hierChild5" presStyleCnt="0"/>
+      <dgm:spPr/>
+    </dgm:pt>
+    <dgm:pt modelId="{2D284FC7-477A-43A2-8EFA-CE7A91DD0B31}" type="pres">
+      <dgm:prSet presAssocID="{6FD3ED6B-E759-4E25-B82B-33A460CA8D54}" presName="Name37" presStyleLbl="parChTrans1D2" presStyleIdx="5" presStyleCnt="7"/>
+      <dgm:spPr/>
+      <dgm:t>
+        <a:bodyPr/>
+        <a:lstStyle/>
+        <a:p>
+          <a:endParaRPr lang="zh-CN" altLang="en-US"/>
+        </a:p>
+      </dgm:t>
+    </dgm:pt>
+    <dgm:pt modelId="{64989FB1-FA3E-4054-BB3E-CADBD6EA1B8C}" type="pres">
+      <dgm:prSet presAssocID="{8E73C83C-CFA3-4452-8E59-A49AFFDAE446}" presName="hierRoot2" presStyleCnt="0">
+        <dgm:presLayoutVars>
+          <dgm:hierBranch val="init"/>
+        </dgm:presLayoutVars>
+      </dgm:prSet>
+      <dgm:spPr/>
+    </dgm:pt>
+    <dgm:pt modelId="{6518666C-54BA-4D12-AB12-7114186E1D03}" type="pres">
+      <dgm:prSet presAssocID="{8E73C83C-CFA3-4452-8E59-A49AFFDAE446}" presName="rootComposite" presStyleCnt="0"/>
+      <dgm:spPr/>
+    </dgm:pt>
+    <dgm:pt modelId="{277881D0-5906-419D-9DE9-FAD3433C2B37}" type="pres">
+      <dgm:prSet presAssocID="{8E73C83C-CFA3-4452-8E59-A49AFFDAE446}" presName="rootText" presStyleLbl="node2" presStyleIdx="5" presStyleCnt="7" custAng="0" custScaleX="51790" custScaleY="28738" custLinFactX="-85501" custLinFactNeighborX="-100000" custLinFactNeighborY="79518">
+        <dgm:presLayoutVars>
+          <dgm:chPref val="3"/>
+        </dgm:presLayoutVars>
+      </dgm:prSet>
+      <dgm:spPr/>
+      <dgm:t>
+        <a:bodyPr/>
+        <a:lstStyle/>
+        <a:p>
+          <a:endParaRPr lang="zh-CN" altLang="en-US"/>
+        </a:p>
+      </dgm:t>
+    </dgm:pt>
+    <dgm:pt modelId="{A4EBBDDF-F160-480B-9CE7-3C2A250E4198}" type="pres">
+      <dgm:prSet presAssocID="{8E73C83C-CFA3-4452-8E59-A49AFFDAE446}" presName="rootConnector" presStyleLbl="node2" presStyleIdx="5" presStyleCnt="7"/>
+      <dgm:spPr/>
+      <dgm:t>
+        <a:bodyPr/>
+        <a:lstStyle/>
+        <a:p>
+          <a:endParaRPr lang="zh-CN" altLang="en-US"/>
+        </a:p>
+      </dgm:t>
+    </dgm:pt>
+    <dgm:pt modelId="{6AA27287-575D-43C7-8DC4-B929279A8817}" type="pres">
+      <dgm:prSet presAssocID="{8E73C83C-CFA3-4452-8E59-A49AFFDAE446}" presName="hierChild4" presStyleCnt="0"/>
+      <dgm:spPr/>
+    </dgm:pt>
+    <dgm:pt modelId="{42D81E36-9928-4504-A1AD-9F33B1FF8C1B}" type="pres">
+      <dgm:prSet presAssocID="{8E73C83C-CFA3-4452-8E59-A49AFFDAE446}" presName="hierChild5" presStyleCnt="0"/>
+      <dgm:spPr/>
+    </dgm:pt>
+    <dgm:pt modelId="{381A84ED-ACC6-4FFF-AEC0-5EAEA9581E3E}" type="pres">
+      <dgm:prSet presAssocID="{53689265-E92E-4E10-86BF-89C45731C450}" presName="Name37" presStyleLbl="parChTrans1D2" presStyleIdx="6" presStyleCnt="7"/>
+      <dgm:spPr/>
+      <dgm:t>
+        <a:bodyPr/>
+        <a:lstStyle/>
+        <a:p>
+          <a:endParaRPr lang="zh-CN" altLang="en-US"/>
+        </a:p>
+      </dgm:t>
+    </dgm:pt>
+    <dgm:pt modelId="{3F945A74-F991-4496-B06D-8B91F3A0F947}" type="pres">
+      <dgm:prSet presAssocID="{06342976-E790-4621-822F-38A819D72095}" presName="hierRoot2" presStyleCnt="0">
+        <dgm:presLayoutVars>
+          <dgm:hierBranch val="init"/>
+        </dgm:presLayoutVars>
+      </dgm:prSet>
+      <dgm:spPr/>
+    </dgm:pt>
+    <dgm:pt modelId="{20696C15-FACE-4742-8FA2-D066A1934E5E}" type="pres">
+      <dgm:prSet presAssocID="{06342976-E790-4621-822F-38A819D72095}" presName="rootComposite" presStyleCnt="0"/>
+      <dgm:spPr/>
+    </dgm:pt>
+    <dgm:pt modelId="{0A965E6D-3A27-4907-AB80-F4793D81259C}" type="pres">
+      <dgm:prSet presAssocID="{06342976-E790-4621-822F-38A819D72095}" presName="rootText" presStyleLbl="node2" presStyleIdx="6" presStyleCnt="7" custScaleX="63249" custScaleY="33963" custLinFactNeighborX="-12382" custLinFactNeighborY="31524">
+        <dgm:presLayoutVars>
+          <dgm:chPref val="3"/>
+        </dgm:presLayoutVars>
+      </dgm:prSet>
+      <dgm:spPr/>
+      <dgm:t>
+        <a:bodyPr/>
+        <a:lstStyle/>
+        <a:p>
+          <a:endParaRPr lang="zh-CN" altLang="en-US"/>
+        </a:p>
+      </dgm:t>
+    </dgm:pt>
     <dgm:pt modelId="{6B23BDC9-8F4E-4AF9-AF0C-AFDB6413F9B3}" type="pres">
       <dgm:prSet presAssocID="{06342976-E790-4621-822F-38A819D72095}" presName="rootConnector" presStyleLbl="node2" presStyleIdx="6" presStyleCnt="7"/>
       <dgm:spPr/>
+      <dgm:t>
+        <a:bodyPr/>
+        <a:lstStyle/>
+        <a:p>
+          <a:endParaRPr lang="zh-CN" altLang="en-US"/>
+        </a:p>
+      </dgm:t>
     </dgm:pt>
     <dgm:pt modelId="{C626F735-FC25-42BA-9D0E-FEE3AC8E8961}" type="pres">
       <dgm:prSet presAssocID="{06342976-E790-4621-822F-38A819D72095}" presName="hierChild4" presStyleCnt="0"/>
@@ -2869,90 +3163,90 @@
     </dgm:pt>
   </dgm:ptLst>
   <dgm:cxnLst>
+    <dgm:cxn modelId="{A99ED5C2-C596-4A65-8491-E80B49BF1E92}" srcId="{1E4625CA-8582-4C3E-92AC-63EA9AA992A5}" destId="{74360FB5-4773-4BD9-A0FB-10BB967DD768}" srcOrd="3" destOrd="0" parTransId="{67AA71B3-F7EE-41C9-8D21-C300E0ADE57C}" sibTransId="{2C0E7275-CA57-4A84-9630-3DC88F5A6500}"/>
+    <dgm:cxn modelId="{13867F99-171A-4BD8-9948-63257DE06D9F}" srcId="{74360FB5-4773-4BD9-A0FB-10BB967DD768}" destId="{D3715D86-EEF6-4FF6-88F7-E988CF21BADB}" srcOrd="1" destOrd="0" parTransId="{37192E64-9A40-41EA-84D1-1D06DB5F4FB8}" sibTransId="{A40CAC29-4A48-45C3-B5FE-1D9CEDAA3537}"/>
+    <dgm:cxn modelId="{7D648C0D-AB2C-4014-842C-6C1D138267B9}" srcId="{74360FB5-4773-4BD9-A0FB-10BB967DD768}" destId="{6C6B3393-263E-40FF-A28D-7303DE88794F}" srcOrd="2" destOrd="0" parTransId="{2DDE0A61-D205-43A2-97DF-750D78BD2772}" sibTransId="{FE2C945A-2CDC-47F1-AF02-54C09CF5153F}"/>
+    <dgm:cxn modelId="{E914EFF0-154F-4CD8-A4AC-62CC43A08CE1}" type="presOf" srcId="{646A0E7A-A02D-4D89-A43A-88D7C1D48A70}" destId="{B00004E8-C55F-47A8-95E7-D5D7B99CF0A6}" srcOrd="0" destOrd="0" presId="urn:microsoft.com/office/officeart/2005/8/layout/orgChart1"/>
+    <dgm:cxn modelId="{F6A6C9CD-C7D0-4774-B033-7DB0D6B0A32B}" type="presOf" srcId="{835E9C53-9F70-41B3-AF4B-C01AC65FB819}" destId="{FAE385AB-3F87-4A04-AC1A-A1FB407D8C96}" srcOrd="0" destOrd="0" presId="urn:microsoft.com/office/officeart/2005/8/layout/orgChart1"/>
+    <dgm:cxn modelId="{290F297A-25CF-41F6-A2A1-153CF7487814}" type="presOf" srcId="{06342976-E790-4621-822F-38A819D72095}" destId="{0A965E6D-3A27-4907-AB80-F4793D81259C}" srcOrd="0" destOrd="0" presId="urn:microsoft.com/office/officeart/2005/8/layout/orgChart1"/>
+    <dgm:cxn modelId="{67966C43-E519-45DF-8E8D-E301E14140D4}" type="presOf" srcId="{03D3A266-BB3E-4C2B-980D-EB3D7D82D8E5}" destId="{1B435DB9-CA65-403A-9786-CB17BBE96B77}" srcOrd="1" destOrd="0" presId="urn:microsoft.com/office/officeart/2005/8/layout/orgChart1"/>
+    <dgm:cxn modelId="{3D99FFA7-C653-4ADA-877B-31B7DA43434F}" type="presOf" srcId="{D3715D86-EEF6-4FF6-88F7-E988CF21BADB}" destId="{6385E5D0-E1FD-48B5-AEBC-7ACD4BE1365A}" srcOrd="1" destOrd="0" presId="urn:microsoft.com/office/officeart/2005/8/layout/orgChart1"/>
+    <dgm:cxn modelId="{0FB897B3-3E83-40E8-94DF-21BF25B3AA54}" srcId="{74360FB5-4773-4BD9-A0FB-10BB967DD768}" destId="{5067963E-CB92-42B8-9603-0318A492E8B6}" srcOrd="4" destOrd="0" parTransId="{E502BCB4-C45F-423F-8FE8-F12EE843A2E5}" sibTransId="{068E54DD-4D79-41D3-9B9A-DE1B4E6AA336}"/>
+    <dgm:cxn modelId="{E2A28BA7-CD26-434E-AF61-D0E25BFC4817}" type="presOf" srcId="{0CD36FCF-C680-4AAB-B709-3F3BFFC29904}" destId="{2921FDDD-4EB8-4DF7-B2C9-85BBA734A942}" srcOrd="1" destOrd="0" presId="urn:microsoft.com/office/officeart/2005/8/layout/orgChart1"/>
+    <dgm:cxn modelId="{E47F375B-67E6-4132-854A-884DACB7F47F}" srcId="{1E4625CA-8582-4C3E-92AC-63EA9AA992A5}" destId="{06342976-E790-4621-822F-38A819D72095}" srcOrd="6" destOrd="0" parTransId="{53689265-E92E-4E10-86BF-89C45731C450}" sibTransId="{CD7D2034-25BF-40DB-876F-BF6E2823C940}"/>
+    <dgm:cxn modelId="{4559D59F-5C95-4F1A-8AFB-A7DC0CA750B1}" type="presOf" srcId="{1E4625CA-8582-4C3E-92AC-63EA9AA992A5}" destId="{D9EF6378-BADA-4854-B36D-E710FE91E1CD}" srcOrd="1" destOrd="0" presId="urn:microsoft.com/office/officeart/2005/8/layout/orgChart1"/>
+    <dgm:cxn modelId="{BD83349B-A6B5-40C7-9721-B178BA09F54E}" type="presOf" srcId="{74360FB5-4773-4BD9-A0FB-10BB967DD768}" destId="{03A80895-DC0B-4FA2-BE20-CC68F956DFD4}" srcOrd="0" destOrd="0" presId="urn:microsoft.com/office/officeart/2005/8/layout/orgChart1"/>
+    <dgm:cxn modelId="{A729EA62-AFEE-4623-ABDB-406334EB6559}" type="presOf" srcId="{D5E64BCF-8798-4C49-9AF3-F5183595BC91}" destId="{DC66759E-447A-427D-8DFF-D9D60FAF8932}" srcOrd="0" destOrd="0" presId="urn:microsoft.com/office/officeart/2005/8/layout/orgChart1"/>
+    <dgm:cxn modelId="{A32E753A-41B1-4A5C-83A2-FAD0F1104BBB}" type="presOf" srcId="{2CF1BB8D-3595-442D-BDEA-2D46315DD6A5}" destId="{DDD2A77C-1553-4744-BAA1-8378D5553BAE}" srcOrd="0" destOrd="0" presId="urn:microsoft.com/office/officeart/2005/8/layout/orgChart1"/>
+    <dgm:cxn modelId="{533A0D45-8C74-4E8F-ACE8-9669A7D269F4}" type="presOf" srcId="{5067963E-CB92-42B8-9603-0318A492E8B6}" destId="{43B33870-49F4-478B-B27A-D9174D41D64C}" srcOrd="1" destOrd="0" presId="urn:microsoft.com/office/officeart/2005/8/layout/orgChart1"/>
+    <dgm:cxn modelId="{6C955B7D-19A1-4FA8-89C3-92493A0F1085}" type="presOf" srcId="{2DDE0A61-D205-43A2-97DF-750D78BD2772}" destId="{63CEDB58-B32B-4673-BDC5-CBCA9C544A3F}" srcOrd="0" destOrd="0" presId="urn:microsoft.com/office/officeart/2005/8/layout/orgChart1"/>
+    <dgm:cxn modelId="{F1BE4D83-63A5-40B2-9323-BC44D520B460}" srcId="{9BC30EB8-F8D3-40D0-94B0-2C1ECD08941A}" destId="{27E50C49-C508-497C-8D3E-32E4DC28A361}" srcOrd="5" destOrd="0" parTransId="{6828052D-FABF-4FE8-8843-6E77D27A9ED8}" sibTransId="{12DBE0C1-3F80-4F99-BD84-C1FE5A512239}"/>
+    <dgm:cxn modelId="{F82AA0E7-309E-4610-8702-16C888EE459F}" srcId="{9BC30EB8-F8D3-40D0-94B0-2C1ECD08941A}" destId="{C4E6385B-F3F8-441A-A1DC-7AD358D1AFE9}" srcOrd="1" destOrd="0" parTransId="{E6B3853E-E42E-4332-A291-90FE16889803}" sibTransId="{5100A189-A818-429A-891B-F1201B76048A}"/>
+    <dgm:cxn modelId="{82BFBA66-47CA-468D-8866-5EF963570CFA}" srcId="{74360FB5-4773-4BD9-A0FB-10BB967DD768}" destId="{1CE70A20-48D4-4D0B-AF56-09B4BB7422C4}" srcOrd="0" destOrd="0" parTransId="{646A0E7A-A02D-4D89-A43A-88D7C1D48A70}" sibTransId="{D30BACC5-690D-499C-BBED-79AB5E72A7F1}"/>
+    <dgm:cxn modelId="{43894C09-515E-4DAD-BBAD-B72A9497BA4E}" type="presOf" srcId="{0CD36FCF-C680-4AAB-B709-3F3BFFC29904}" destId="{57E3AC1A-EF6D-4CDC-983F-6A85BDB21A59}" srcOrd="0" destOrd="0" presId="urn:microsoft.com/office/officeart/2005/8/layout/orgChart1"/>
+    <dgm:cxn modelId="{5603E44B-9D69-4E01-B329-A67EC70EA0B9}" type="presOf" srcId="{48DD384A-5FEC-4BA3-BC1A-6BA8170CABEC}" destId="{DE7246BA-40CF-418B-A6F7-A4CD0955FFCF}" srcOrd="0" destOrd="0" presId="urn:microsoft.com/office/officeart/2005/8/layout/orgChart1"/>
+    <dgm:cxn modelId="{5F30A695-8E0E-4589-9E92-9F1D18D01AEA}" type="presOf" srcId="{6828052D-FABF-4FE8-8843-6E77D27A9ED8}" destId="{3482B2E7-99CF-4CE1-8095-EC5196396E20}" srcOrd="0" destOrd="0" presId="urn:microsoft.com/office/officeart/2005/8/layout/orgChart1"/>
+    <dgm:cxn modelId="{A023A06B-7666-4417-92B2-A51841A2D045}" type="presOf" srcId="{27E50C49-C508-497C-8D3E-32E4DC28A361}" destId="{D086FC53-2AEB-4194-A7B9-5817415641C0}" srcOrd="1" destOrd="0" presId="urn:microsoft.com/office/officeart/2005/8/layout/orgChart1"/>
+    <dgm:cxn modelId="{D43F9FA8-786D-44AF-9C04-585A41727A61}" type="presOf" srcId="{EF553521-C824-425F-9DDE-B67AE7768C42}" destId="{FEB064D2-EE5E-4C1A-A783-07769F682991}" srcOrd="0" destOrd="0" presId="urn:microsoft.com/office/officeart/2005/8/layout/orgChart1"/>
+    <dgm:cxn modelId="{216EF749-3F24-4F44-8787-E9C045005E96}" type="presOf" srcId="{8E73C83C-CFA3-4452-8E59-A49AFFDAE446}" destId="{A4EBBDDF-F160-480B-9CE7-3C2A250E4198}" srcOrd="1" destOrd="0" presId="urn:microsoft.com/office/officeart/2005/8/layout/orgChart1"/>
+    <dgm:cxn modelId="{110D3DE6-41F0-4BB5-94A3-0570C6120DE6}" type="presOf" srcId="{2F07DD39-2F2F-4A65-AB1F-804CA7D6C94D}" destId="{28080AD2-2E2C-4B6D-916F-AB52AC5BA26E}" srcOrd="0" destOrd="0" presId="urn:microsoft.com/office/officeart/2005/8/layout/orgChart1"/>
+    <dgm:cxn modelId="{3985DD35-A8DE-4860-A393-753477594370}" srcId="{1E4625CA-8582-4C3E-92AC-63EA9AA992A5}" destId="{03D3A266-BB3E-4C2B-980D-EB3D7D82D8E5}" srcOrd="0" destOrd="0" parTransId="{2CF1BB8D-3595-442D-BDEA-2D46315DD6A5}" sibTransId="{E1E79A99-64F9-4379-9363-17FA9C0CA5F8}"/>
+    <dgm:cxn modelId="{7E3B3DBE-8F9E-4871-96E8-6409354CD7E2}" srcId="{74360FB5-4773-4BD9-A0FB-10BB967DD768}" destId="{835E9C53-9F70-41B3-AF4B-C01AC65FB819}" srcOrd="6" destOrd="0" parTransId="{2D59DD00-AC6E-4EC9-ABF9-36FE406A5130}" sibTransId="{3CB2C966-03B9-40A3-9961-6019AB2EA52A}"/>
+    <dgm:cxn modelId="{ABB8666C-C98A-453A-BD1A-D3BDA0E257FF}" type="presOf" srcId="{6FD3ED6B-E759-4E25-B82B-33A460CA8D54}" destId="{2D284FC7-477A-43A2-8EFA-CE7A91DD0B31}" srcOrd="0" destOrd="0" presId="urn:microsoft.com/office/officeart/2005/8/layout/orgChart1"/>
+    <dgm:cxn modelId="{3E9097F6-B5EE-4CCA-8ECE-0B6EDD50EDED}" srcId="{9BC30EB8-F8D3-40D0-94B0-2C1ECD08941A}" destId="{BDD4521C-BFD4-4005-978A-8CBB4C696881}" srcOrd="0" destOrd="0" parTransId="{FA7065A5-4C6A-4416-8D60-D215F72B2697}" sibTransId="{8DF1F1A7-0772-4980-9998-120344002D1F}"/>
+    <dgm:cxn modelId="{14F22E75-9370-4D7F-AD0D-48E4A172863E}" type="presOf" srcId="{FA7065A5-4C6A-4416-8D60-D215F72B2697}" destId="{F91FF1AA-A51B-4E4A-9478-29217AE430B6}" srcOrd="0" destOrd="0" presId="urn:microsoft.com/office/officeart/2005/8/layout/orgChart1"/>
+    <dgm:cxn modelId="{7DFFDA11-539E-47DC-ADAA-343953FF3DA5}" srcId="{9BC30EB8-F8D3-40D0-94B0-2C1ECD08941A}" destId="{D92E6F1E-218A-467F-B0F0-1591C8C2F1A7}" srcOrd="2" destOrd="0" parTransId="{EF553521-C824-425F-9DDE-B67AE7768C42}" sibTransId="{C9047DDF-416E-4A95-AEFB-D9AF34898BD2}"/>
+    <dgm:cxn modelId="{CDBCC1B5-10B9-49A9-A733-53E094B7D81F}" srcId="{1E4625CA-8582-4C3E-92AC-63EA9AA992A5}" destId="{0CD36FCF-C680-4AAB-B709-3F3BFFC29904}" srcOrd="1" destOrd="0" parTransId="{81CBA596-DEEB-45F1-91BB-0997F0426C04}" sibTransId="{6E3A4A17-F8CB-479B-9CCB-F35CA9F0505B}"/>
+    <dgm:cxn modelId="{72D9F33F-3E61-40B5-8F7A-8A6BD7206048}" type="presOf" srcId="{E502BCB4-C45F-423F-8FE8-F12EE843A2E5}" destId="{1ECD21C2-1E3A-4517-9FC1-860A7AC656C3}" srcOrd="0" destOrd="0" presId="urn:microsoft.com/office/officeart/2005/8/layout/orgChart1"/>
+    <dgm:cxn modelId="{AA0E42BB-4E38-45DA-809D-C5B5CAB72AF1}" type="presOf" srcId="{D3715D86-EEF6-4FF6-88F7-E988CF21BADB}" destId="{83CACE76-D1FC-4D64-9202-A10606BB53C5}" srcOrd="0" destOrd="0" presId="urn:microsoft.com/office/officeart/2005/8/layout/orgChart1"/>
+    <dgm:cxn modelId="{87BB8290-FF76-4A02-B1DF-C539FB175B3A}" type="presOf" srcId="{ADE59061-9C81-4612-AF4B-75437399E468}" destId="{8033D344-ADD7-4948-9E7A-000AB1F974D5}" srcOrd="0" destOrd="0" presId="urn:microsoft.com/office/officeart/2005/8/layout/orgChart1"/>
+    <dgm:cxn modelId="{F99DFD22-B38C-4916-AF6A-2F1C60DC59FA}" type="presOf" srcId="{D92E6F1E-218A-467F-B0F0-1591C8C2F1A7}" destId="{F9B3037A-1D3E-42C6-8BB7-20A486D4B3ED}" srcOrd="1" destOrd="0" presId="urn:microsoft.com/office/officeart/2005/8/layout/orgChart1"/>
+    <dgm:cxn modelId="{6654FCA4-E76D-4057-B410-8319243CB94E}" type="presOf" srcId="{4344EE9C-98A5-45B9-8E83-1DC0CE67E399}" destId="{946B7EE9-9500-4486-8002-66A19C276D38}" srcOrd="0" destOrd="0" presId="urn:microsoft.com/office/officeart/2005/8/layout/orgChart1"/>
+    <dgm:cxn modelId="{C35A7925-76EF-4CC1-81EE-A61438122A2E}" type="presOf" srcId="{27E50C49-C508-497C-8D3E-32E4DC28A361}" destId="{EB926E45-D56C-4B6A-B5CA-CF98379D1459}" srcOrd="0" destOrd="0" presId="urn:microsoft.com/office/officeart/2005/8/layout/orgChart1"/>
+    <dgm:cxn modelId="{4F25169C-3F63-4366-AB22-C92F55A2034B}" type="presOf" srcId="{8AC95AC5-219B-4C91-88D7-3104BD28BF8B}" destId="{DFF19BAA-CA7A-4C59-8835-09E34244DEB2}" srcOrd="0" destOrd="0" presId="urn:microsoft.com/office/officeart/2005/8/layout/orgChart1"/>
+    <dgm:cxn modelId="{7D62BFFD-4974-46FF-BF97-934094716BA2}" type="presOf" srcId="{D92E6F1E-218A-467F-B0F0-1591C8C2F1A7}" destId="{9FEF5E06-D4BA-4E39-AC05-A6CE0C9257BA}" srcOrd="0" destOrd="0" presId="urn:microsoft.com/office/officeart/2005/8/layout/orgChart1"/>
+    <dgm:cxn modelId="{C0584536-19EB-4A02-B890-BFD31961E144}" type="presOf" srcId="{C4E6385B-F3F8-441A-A1DC-7AD358D1AFE9}" destId="{B5B8587B-781B-4ABE-8D5D-290016A41AE8}" srcOrd="0" destOrd="0" presId="urn:microsoft.com/office/officeart/2005/8/layout/orgChart1"/>
+    <dgm:cxn modelId="{66587419-3DFC-4864-A15D-D3378663CB70}" type="presOf" srcId="{C2A809D4-E46D-4B25-B458-0533CC8A9651}" destId="{D31BC8E0-E1D5-489C-882D-0D92529DFCF2}" srcOrd="0" destOrd="0" presId="urn:microsoft.com/office/officeart/2005/8/layout/orgChart1"/>
+    <dgm:cxn modelId="{90DBB5D9-0CAB-4886-9FF7-80966B286EE3}" type="presOf" srcId="{5541708B-341F-43DC-873E-23891DD3C60C}" destId="{033B222F-E495-427A-9B5B-B3B37DEB170E}" srcOrd="0" destOrd="0" presId="urn:microsoft.com/office/officeart/2005/8/layout/orgChart1"/>
+    <dgm:cxn modelId="{4647F120-9CB4-4612-BBBF-4E8686008373}" type="presOf" srcId="{E6B3853E-E42E-4332-A291-90FE16889803}" destId="{631CAABE-1340-4674-A3E8-E6A86F3A63F0}" srcOrd="0" destOrd="0" presId="urn:microsoft.com/office/officeart/2005/8/layout/orgChart1"/>
+    <dgm:cxn modelId="{51DCC918-C571-40C8-BD15-B948F9D9B3FD}" srcId="{5541708B-341F-43DC-873E-23891DD3C60C}" destId="{1E4625CA-8582-4C3E-92AC-63EA9AA992A5}" srcOrd="0" destOrd="0" parTransId="{DDE71933-9271-4005-9902-CFAA52885E64}" sibTransId="{6EE01EE3-4C42-4CCF-B3CD-3C4404B27AD2}"/>
+    <dgm:cxn modelId="{4ADC5A13-9EDE-4971-B66E-760C931D5809}" srcId="{9BC30EB8-F8D3-40D0-94B0-2C1ECD08941A}" destId="{48DD384A-5FEC-4BA3-BC1A-6BA8170CABEC}" srcOrd="3" destOrd="0" parTransId="{ADE59061-9C81-4612-AF4B-75437399E468}" sibTransId="{59669F1F-95FC-4276-B4C6-7CFCEB6A44B5}"/>
+    <dgm:cxn modelId="{6ACCEF3A-3876-4C93-81E4-51A7C2436ED2}" type="presOf" srcId="{8AC95AC5-219B-4C91-88D7-3104BD28BF8B}" destId="{CAB84B23-5323-4B33-BB37-C789F2B8AACE}" srcOrd="1" destOrd="0" presId="urn:microsoft.com/office/officeart/2005/8/layout/orgChart1"/>
+    <dgm:cxn modelId="{5A850322-26E5-4BBA-A985-DAE86393E9B0}" type="presOf" srcId="{9BC30EB8-F8D3-40D0-94B0-2C1ECD08941A}" destId="{9B08FD8E-7F16-4DD2-8896-7E7642C48EBB}" srcOrd="0" destOrd="0" presId="urn:microsoft.com/office/officeart/2005/8/layout/orgChart1"/>
+    <dgm:cxn modelId="{F1007400-6E97-40DE-A23C-58B732A0B7A6}" type="presOf" srcId="{67138F0A-61E9-4A49-8CC4-5BBAA0573C71}" destId="{2624AED9-4070-4B58-AB7F-B828F4B79A9A}" srcOrd="0" destOrd="0" presId="urn:microsoft.com/office/officeart/2005/8/layout/orgChart1"/>
+    <dgm:cxn modelId="{329B5007-0D4C-4AA5-A3C1-B42898AA742F}" srcId="{74360FB5-4773-4BD9-A0FB-10BB967DD768}" destId="{2F07DD39-2F2F-4A65-AB1F-804CA7D6C94D}" srcOrd="3" destOrd="0" parTransId="{3A91B6ED-B2A3-4991-BD7A-8B5278323DC2}" sibTransId="{C616A42F-2FA7-4D05-A7E6-2AD4045C54F9}"/>
+    <dgm:cxn modelId="{C53D2B42-1CDA-477B-B8B7-F19A712083B5}" type="presOf" srcId="{BDD4521C-BFD4-4005-978A-8CBB4C696881}" destId="{D98E7FE4-867E-4384-86BE-D6FE06733F0C}" srcOrd="1" destOrd="0" presId="urn:microsoft.com/office/officeart/2005/8/layout/orgChart1"/>
+    <dgm:cxn modelId="{62D95395-8289-4F82-BAEF-5BE30FF41B8E}" type="presOf" srcId="{8DAF1BC3-2547-46E1-B7F8-8E2E0A3486ED}" destId="{E9A8E5B9-947A-4FB1-8D1D-46BEC79A3E7D}" srcOrd="1" destOrd="0" presId="urn:microsoft.com/office/officeart/2005/8/layout/orgChart1"/>
+    <dgm:cxn modelId="{AAEC27A6-531F-4B1C-B4F1-B5E0F370C379}" type="presOf" srcId="{835E9C53-9F70-41B3-AF4B-C01AC65FB819}" destId="{04088332-98F9-46AF-B80E-A03A81C0313A}" srcOrd="1" destOrd="0" presId="urn:microsoft.com/office/officeart/2005/8/layout/orgChart1"/>
+    <dgm:cxn modelId="{C64F18CF-7682-4820-B253-87320B46BE85}" type="presOf" srcId="{6C6B3393-263E-40FF-A28D-7303DE88794F}" destId="{1EC20434-2E93-4D7B-807F-0AE115AA1016}" srcOrd="1" destOrd="0" presId="urn:microsoft.com/office/officeart/2005/8/layout/orgChart1"/>
+    <dgm:cxn modelId="{416A0B15-12B7-4AD8-96D1-5DEDFC0EEE57}" type="presOf" srcId="{BDD4521C-BFD4-4005-978A-8CBB4C696881}" destId="{152C6D8F-D0DA-4143-A0D7-49711C667288}" srcOrd="0" destOrd="0" presId="urn:microsoft.com/office/officeart/2005/8/layout/orgChart1"/>
+    <dgm:cxn modelId="{0444F0D7-00CF-4204-89CB-75C4D66DF9AF}" srcId="{74360FB5-4773-4BD9-A0FB-10BB967DD768}" destId="{8AC95AC5-219B-4C91-88D7-3104BD28BF8B}" srcOrd="5" destOrd="0" parTransId="{4344EE9C-98A5-45B9-8E83-1DC0CE67E399}" sibTransId="{99A405BF-FE62-479E-B387-881EACE8D0C2}"/>
+    <dgm:cxn modelId="{31CE271F-1E9F-4E53-9EA1-F3D6FFCE36F5}" srcId="{9BC30EB8-F8D3-40D0-94B0-2C1ECD08941A}" destId="{D5E64BCF-8798-4C49-9AF3-F5183595BC91}" srcOrd="4" destOrd="0" parTransId="{67138F0A-61E9-4A49-8CC4-5BBAA0573C71}" sibTransId="{873FE874-1DE9-49DA-A2F0-AA11A6BA4BC4}"/>
+    <dgm:cxn modelId="{B8939B2A-BD3D-453E-B4CD-F2F29B6C6960}" type="presOf" srcId="{06342976-E790-4621-822F-38A819D72095}" destId="{6B23BDC9-8F4E-4AF9-AF0C-AFDB6413F9B3}" srcOrd="1" destOrd="0" presId="urn:microsoft.com/office/officeart/2005/8/layout/orgChart1"/>
+    <dgm:cxn modelId="{C1F56A9A-2E87-4469-A863-1C932B98EACB}" srcId="{1E4625CA-8582-4C3E-92AC-63EA9AA992A5}" destId="{8DAF1BC3-2547-46E1-B7F8-8E2E0A3486ED}" srcOrd="2" destOrd="0" parTransId="{C2A809D4-E46D-4B25-B458-0533CC8A9651}" sibTransId="{C8398741-9D7B-49B1-A376-A535931DE954}"/>
+    <dgm:cxn modelId="{E28A5DF0-6E4C-4031-AE03-EBE816671191}" type="presOf" srcId="{67AA71B3-F7EE-41C9-8D21-C300E0ADE57C}" destId="{BF66CF3B-CDB8-47BE-B04E-45F26A5A152C}" srcOrd="0" destOrd="0" presId="urn:microsoft.com/office/officeart/2005/8/layout/orgChart1"/>
+    <dgm:cxn modelId="{FD6381AC-81A7-42D2-8253-7A84C0AA76F2}" type="presOf" srcId="{2F07DD39-2F2F-4A65-AB1F-804CA7D6C94D}" destId="{FFE969AB-0511-45F1-9515-558C689853A8}" srcOrd="1" destOrd="0" presId="urn:microsoft.com/office/officeart/2005/8/layout/orgChart1"/>
+    <dgm:cxn modelId="{04D8817F-3D72-4BC6-990B-5F5A631264BB}" type="presOf" srcId="{48DD384A-5FEC-4BA3-BC1A-6BA8170CABEC}" destId="{E0F72E79-CA1B-4F71-B0B0-55C96CD79578}" srcOrd="1" destOrd="0" presId="urn:microsoft.com/office/officeart/2005/8/layout/orgChart1"/>
+    <dgm:cxn modelId="{745B6A99-F911-4EF4-966A-1FDF4A8B420E}" type="presOf" srcId="{1E4625CA-8582-4C3E-92AC-63EA9AA992A5}" destId="{8C603A93-800E-4381-AD59-31B84854CB62}" srcOrd="0" destOrd="0" presId="urn:microsoft.com/office/officeart/2005/8/layout/orgChart1"/>
+    <dgm:cxn modelId="{F5959E1B-DF18-429E-B172-6CB449CE58DB}" type="presOf" srcId="{03D3A266-BB3E-4C2B-980D-EB3D7D82D8E5}" destId="{620FA32C-BB24-40FA-BD78-3461E59B2AB5}" srcOrd="0" destOrd="0" presId="urn:microsoft.com/office/officeart/2005/8/layout/orgChart1"/>
+    <dgm:cxn modelId="{E38638C8-EF1D-4ACC-B5C7-9B2EABDF7EC4}" type="presOf" srcId="{1CE70A20-48D4-4D0B-AF56-09B4BB7422C4}" destId="{127B2562-DF59-4AD3-B07D-7221E4EC222A}" srcOrd="0" destOrd="0" presId="urn:microsoft.com/office/officeart/2005/8/layout/orgChart1"/>
+    <dgm:cxn modelId="{F13EFC8E-A884-4C74-89D6-0AD6067BBD33}" type="presOf" srcId="{5067963E-CB92-42B8-9603-0318A492E8B6}" destId="{52463DE4-A275-4C7F-B379-DBD69F09192F}" srcOrd="0" destOrd="0" presId="urn:microsoft.com/office/officeart/2005/8/layout/orgChart1"/>
     <dgm:cxn modelId="{CF0E13A2-D48D-4749-B04A-5D30CF32B368}" srcId="{1E4625CA-8582-4C3E-92AC-63EA9AA992A5}" destId="{9BC30EB8-F8D3-40D0-94B0-2C1ECD08941A}" srcOrd="4" destOrd="0" parTransId="{DA1BC7FE-7D53-419A-B084-E9A10C4BCE7E}" sibTransId="{A484FE90-54F3-4F8C-AECB-EBA4640AA9A7}"/>
-    <dgm:cxn modelId="{B8939B2A-BD3D-453E-B4CD-F2F29B6C6960}" type="presOf" srcId="{06342976-E790-4621-822F-38A819D72095}" destId="{6B23BDC9-8F4E-4AF9-AF0C-AFDB6413F9B3}" srcOrd="1" destOrd="0" presId="urn:microsoft.com/office/officeart/2005/8/layout/orgChart1"/>
-    <dgm:cxn modelId="{4647F120-9CB4-4612-BBBF-4E8686008373}" type="presOf" srcId="{E6B3853E-E42E-4332-A291-90FE16889803}" destId="{631CAABE-1340-4674-A3E8-E6A86F3A63F0}" srcOrd="0" destOrd="0" presId="urn:microsoft.com/office/officeart/2005/8/layout/orgChart1"/>
-    <dgm:cxn modelId="{C53D2B42-1CDA-477B-B8B7-F19A712083B5}" type="presOf" srcId="{BDD4521C-BFD4-4005-978A-8CBB4C696881}" destId="{D98E7FE4-867E-4384-86BE-D6FE06733F0C}" srcOrd="1" destOrd="0" presId="urn:microsoft.com/office/officeart/2005/8/layout/orgChart1"/>
-    <dgm:cxn modelId="{5603E44B-9D69-4E01-B329-A67EC70EA0B9}" type="presOf" srcId="{48DD384A-5FEC-4BA3-BC1A-6BA8170CABEC}" destId="{DE7246BA-40CF-418B-A6F7-A4CD0955FFCF}" srcOrd="0" destOrd="0" presId="urn:microsoft.com/office/officeart/2005/8/layout/orgChart1"/>
-    <dgm:cxn modelId="{216EF749-3F24-4F44-8787-E9C045005E96}" type="presOf" srcId="{8E73C83C-CFA3-4452-8E59-A49AFFDAE446}" destId="{A4EBBDDF-F160-480B-9CE7-3C2A250E4198}" srcOrd="1" destOrd="0" presId="urn:microsoft.com/office/officeart/2005/8/layout/orgChart1"/>
+    <dgm:cxn modelId="{660E661A-D50A-4549-BF3D-61EAE439774B}" type="presOf" srcId="{37192E64-9A40-41EA-84D1-1D06DB5F4FB8}" destId="{1F149B9E-4968-4285-9F97-488C50AFE4C3}" srcOrd="0" destOrd="0" presId="urn:microsoft.com/office/officeart/2005/8/layout/orgChart1"/>
+    <dgm:cxn modelId="{B8CD8550-C65F-41C7-9879-B045A43EAA4B}" type="presOf" srcId="{DA1BC7FE-7D53-419A-B084-E9A10C4BCE7E}" destId="{D3906D38-A9F8-4CC5-B703-4D4287F9DB3B}" srcOrd="0" destOrd="0" presId="urn:microsoft.com/office/officeart/2005/8/layout/orgChart1"/>
+    <dgm:cxn modelId="{0E32294F-119A-4AEB-ACD1-D66B3876FBBB}" type="presOf" srcId="{8E73C83C-CFA3-4452-8E59-A49AFFDAE446}" destId="{277881D0-5906-419D-9DE9-FAD3433C2B37}" srcOrd="0" destOrd="0" presId="urn:microsoft.com/office/officeart/2005/8/layout/orgChart1"/>
+    <dgm:cxn modelId="{6CF5AD6C-8B3E-48D1-AE2C-FB0F4F23EE61}" type="presOf" srcId="{8DAF1BC3-2547-46E1-B7F8-8E2E0A3486ED}" destId="{4A9B8A1E-A219-4B6E-BC29-6055D5BB2DFD}" srcOrd="0" destOrd="0" presId="urn:microsoft.com/office/officeart/2005/8/layout/orgChart1"/>
+    <dgm:cxn modelId="{8D9B7F26-3E55-4B0A-ABC2-89B19986CF7D}" type="presOf" srcId="{C4E6385B-F3F8-441A-A1DC-7AD358D1AFE9}" destId="{97D15E69-2D89-4089-8802-E3EA9C4F31BE}" srcOrd="1" destOrd="0" presId="urn:microsoft.com/office/officeart/2005/8/layout/orgChart1"/>
     <dgm:cxn modelId="{CC61AB71-C488-420B-ABC2-AE4962053F69}" type="presOf" srcId="{3A91B6ED-B2A3-4991-BD7A-8B5278323DC2}" destId="{6DA8F7B1-F97C-44C8-9CA2-31BA83A8A423}" srcOrd="0" destOrd="0" presId="urn:microsoft.com/office/officeart/2005/8/layout/orgChart1"/>
-    <dgm:cxn modelId="{F1BE4D83-63A5-40B2-9323-BC44D520B460}" srcId="{9BC30EB8-F8D3-40D0-94B0-2C1ECD08941A}" destId="{27E50C49-C508-497C-8D3E-32E4DC28A361}" srcOrd="5" destOrd="0" parTransId="{6828052D-FABF-4FE8-8843-6E77D27A9ED8}" sibTransId="{12DBE0C1-3F80-4F99-BD84-C1FE5A512239}"/>
-    <dgm:cxn modelId="{7E3B3DBE-8F9E-4871-96E8-6409354CD7E2}" srcId="{74360FB5-4773-4BD9-A0FB-10BB967DD768}" destId="{835E9C53-9F70-41B3-AF4B-C01AC65FB819}" srcOrd="6" destOrd="0" parTransId="{2D59DD00-AC6E-4EC9-ABF9-36FE406A5130}" sibTransId="{3CB2C966-03B9-40A3-9961-6019AB2EA52A}"/>
-    <dgm:cxn modelId="{0FB897B3-3E83-40E8-94DF-21BF25B3AA54}" srcId="{74360FB5-4773-4BD9-A0FB-10BB967DD768}" destId="{5067963E-CB92-42B8-9603-0318A492E8B6}" srcOrd="4" destOrd="0" parTransId="{E502BCB4-C45F-423F-8FE8-F12EE843A2E5}" sibTransId="{068E54DD-4D79-41D3-9B9A-DE1B4E6AA336}"/>
-    <dgm:cxn modelId="{67966C43-E519-45DF-8E8D-E301E14140D4}" type="presOf" srcId="{03D3A266-BB3E-4C2B-980D-EB3D7D82D8E5}" destId="{1B435DB9-CA65-403A-9786-CB17BBE96B77}" srcOrd="1" destOrd="0" presId="urn:microsoft.com/office/officeart/2005/8/layout/orgChart1"/>
+    <dgm:cxn modelId="{84217DC3-B706-47CE-BEFA-BDEC0B0A7C08}" type="presOf" srcId="{2D59DD00-AC6E-4EC9-ABF9-36FE406A5130}" destId="{5B9613AA-BA8A-4902-A54C-86BDC09A7E18}" srcOrd="0" destOrd="0" presId="urn:microsoft.com/office/officeart/2005/8/layout/orgChart1"/>
+    <dgm:cxn modelId="{CD2C6D40-3FFB-4F1D-9F52-0733F721E4BC}" type="presOf" srcId="{1CE70A20-48D4-4D0B-AF56-09B4BB7422C4}" destId="{A831E537-E195-4659-8468-EE7EDBD0E0EB}" srcOrd="1" destOrd="0" presId="urn:microsoft.com/office/officeart/2005/8/layout/orgChart1"/>
     <dgm:cxn modelId="{FD69941F-529C-49FE-A494-26C85AD8AD08}" srcId="{1E4625CA-8582-4C3E-92AC-63EA9AA992A5}" destId="{8E73C83C-CFA3-4452-8E59-A49AFFDAE446}" srcOrd="5" destOrd="0" parTransId="{6FD3ED6B-E759-4E25-B82B-33A460CA8D54}" sibTransId="{59C418A7-C1E6-482A-AF07-9C46F029F0A2}"/>
-    <dgm:cxn modelId="{C64F18CF-7682-4820-B253-87320B46BE85}" type="presOf" srcId="{6C6B3393-263E-40FF-A28D-7303DE88794F}" destId="{1EC20434-2E93-4D7B-807F-0AE115AA1016}" srcOrd="1" destOrd="0" presId="urn:microsoft.com/office/officeart/2005/8/layout/orgChart1"/>
-    <dgm:cxn modelId="{66587419-3DFC-4864-A15D-D3378663CB70}" type="presOf" srcId="{C2A809D4-E46D-4B25-B458-0533CC8A9651}" destId="{D31BC8E0-E1D5-489C-882D-0D92529DFCF2}" srcOrd="0" destOrd="0" presId="urn:microsoft.com/office/officeart/2005/8/layout/orgChart1"/>
-    <dgm:cxn modelId="{660E661A-D50A-4549-BF3D-61EAE439774B}" type="presOf" srcId="{37192E64-9A40-41EA-84D1-1D06DB5F4FB8}" destId="{1F149B9E-4968-4285-9F97-488C50AFE4C3}" srcOrd="0" destOrd="0" presId="urn:microsoft.com/office/officeart/2005/8/layout/orgChart1"/>
-    <dgm:cxn modelId="{F6A6C9CD-C7D0-4774-B033-7DB0D6B0A32B}" type="presOf" srcId="{835E9C53-9F70-41B3-AF4B-C01AC65FB819}" destId="{FAE385AB-3F87-4A04-AC1A-A1FB407D8C96}" srcOrd="0" destOrd="0" presId="urn:microsoft.com/office/officeart/2005/8/layout/orgChart1"/>
-    <dgm:cxn modelId="{6ACCEF3A-3876-4C93-81E4-51A7C2436ED2}" type="presOf" srcId="{8AC95AC5-219B-4C91-88D7-3104BD28BF8B}" destId="{CAB84B23-5323-4B33-BB37-C789F2B8AACE}" srcOrd="1" destOrd="0" presId="urn:microsoft.com/office/officeart/2005/8/layout/orgChart1"/>
-    <dgm:cxn modelId="{AAEC27A6-531F-4B1C-B4F1-B5E0F370C379}" type="presOf" srcId="{835E9C53-9F70-41B3-AF4B-C01AC65FB819}" destId="{04088332-98F9-46AF-B80E-A03A81C0313A}" srcOrd="1" destOrd="0" presId="urn:microsoft.com/office/officeart/2005/8/layout/orgChart1"/>
-    <dgm:cxn modelId="{3E9097F6-B5EE-4CCA-8ECE-0B6EDD50EDED}" srcId="{9BC30EB8-F8D3-40D0-94B0-2C1ECD08941A}" destId="{BDD4521C-BFD4-4005-978A-8CBB4C696881}" srcOrd="0" destOrd="0" parTransId="{FA7065A5-4C6A-4416-8D60-D215F72B2697}" sibTransId="{8DF1F1A7-0772-4980-9998-120344002D1F}"/>
-    <dgm:cxn modelId="{ABB8666C-C98A-453A-BD1A-D3BDA0E257FF}" type="presOf" srcId="{6FD3ED6B-E759-4E25-B82B-33A460CA8D54}" destId="{2D284FC7-477A-43A2-8EFA-CE7A91DD0B31}" srcOrd="0" destOrd="0" presId="urn:microsoft.com/office/officeart/2005/8/layout/orgChart1"/>
-    <dgm:cxn modelId="{5A850322-26E5-4BBA-A985-DAE86393E9B0}" type="presOf" srcId="{9BC30EB8-F8D3-40D0-94B0-2C1ECD08941A}" destId="{9B08FD8E-7F16-4DD2-8896-7E7642C48EBB}" srcOrd="0" destOrd="0" presId="urn:microsoft.com/office/officeart/2005/8/layout/orgChart1"/>
-    <dgm:cxn modelId="{CD2C6D40-3FFB-4F1D-9F52-0733F721E4BC}" type="presOf" srcId="{1CE70A20-48D4-4D0B-AF56-09B4BB7422C4}" destId="{A831E537-E195-4659-8468-EE7EDBD0E0EB}" srcOrd="1" destOrd="0" presId="urn:microsoft.com/office/officeart/2005/8/layout/orgChart1"/>
-    <dgm:cxn modelId="{C0584536-19EB-4A02-B890-BFD31961E144}" type="presOf" srcId="{C4E6385B-F3F8-441A-A1DC-7AD358D1AFE9}" destId="{B5B8587B-781B-4ABE-8D5D-290016A41AE8}" srcOrd="0" destOrd="0" presId="urn:microsoft.com/office/officeart/2005/8/layout/orgChart1"/>
-    <dgm:cxn modelId="{82BFBA66-47CA-468D-8866-5EF963570CFA}" srcId="{74360FB5-4773-4BD9-A0FB-10BB967DD768}" destId="{1CE70A20-48D4-4D0B-AF56-09B4BB7422C4}" srcOrd="0" destOrd="0" parTransId="{646A0E7A-A02D-4D89-A43A-88D7C1D48A70}" sibTransId="{D30BACC5-690D-499C-BBED-79AB5E72A7F1}"/>
-    <dgm:cxn modelId="{BD83349B-A6B5-40C7-9721-B178BA09F54E}" type="presOf" srcId="{74360FB5-4773-4BD9-A0FB-10BB967DD768}" destId="{03A80895-DC0B-4FA2-BE20-CC68F956DFD4}" srcOrd="0" destOrd="0" presId="urn:microsoft.com/office/officeart/2005/8/layout/orgChart1"/>
-    <dgm:cxn modelId="{329B5007-0D4C-4AA5-A3C1-B42898AA742F}" srcId="{74360FB5-4773-4BD9-A0FB-10BB967DD768}" destId="{2F07DD39-2F2F-4A65-AB1F-804CA7D6C94D}" srcOrd="3" destOrd="0" parTransId="{3A91B6ED-B2A3-4991-BD7A-8B5278323DC2}" sibTransId="{C616A42F-2FA7-4D05-A7E6-2AD4045C54F9}"/>
-    <dgm:cxn modelId="{84217DC3-B706-47CE-BEFA-BDEC0B0A7C08}" type="presOf" srcId="{2D59DD00-AC6E-4EC9-ABF9-36FE406A5130}" destId="{5B9613AA-BA8A-4902-A54C-86BDC09A7E18}" srcOrd="0" destOrd="0" presId="urn:microsoft.com/office/officeart/2005/8/layout/orgChart1"/>
-    <dgm:cxn modelId="{F82AA0E7-309E-4610-8702-16C888EE459F}" srcId="{9BC30EB8-F8D3-40D0-94B0-2C1ECD08941A}" destId="{C4E6385B-F3F8-441A-A1DC-7AD358D1AFE9}" srcOrd="1" destOrd="0" parTransId="{E6B3853E-E42E-4332-A291-90FE16889803}" sibTransId="{5100A189-A818-429A-891B-F1201B76048A}"/>
-    <dgm:cxn modelId="{C35A7925-76EF-4CC1-81EE-A61438122A2E}" type="presOf" srcId="{27E50C49-C508-497C-8D3E-32E4DC28A361}" destId="{EB926E45-D56C-4B6A-B5CA-CF98379D1459}" srcOrd="0" destOrd="0" presId="urn:microsoft.com/office/officeart/2005/8/layout/orgChart1"/>
-    <dgm:cxn modelId="{F99DFD22-B38C-4916-AF6A-2F1C60DC59FA}" type="presOf" srcId="{D92E6F1E-218A-467F-B0F0-1591C8C2F1A7}" destId="{F9B3037A-1D3E-42C6-8BB7-20A486D4B3ED}" srcOrd="1" destOrd="0" presId="urn:microsoft.com/office/officeart/2005/8/layout/orgChart1"/>
-    <dgm:cxn modelId="{7DFFDA11-539E-47DC-ADAA-343953FF3DA5}" srcId="{9BC30EB8-F8D3-40D0-94B0-2C1ECD08941A}" destId="{D92E6F1E-218A-467F-B0F0-1591C8C2F1A7}" srcOrd="2" destOrd="0" parTransId="{EF553521-C824-425F-9DDE-B67AE7768C42}" sibTransId="{C9047DDF-416E-4A95-AEFB-D9AF34898BD2}"/>
-    <dgm:cxn modelId="{4F25169C-3F63-4366-AB22-C92F55A2034B}" type="presOf" srcId="{8AC95AC5-219B-4C91-88D7-3104BD28BF8B}" destId="{DFF19BAA-CA7A-4C59-8835-09E34244DEB2}" srcOrd="0" destOrd="0" presId="urn:microsoft.com/office/officeart/2005/8/layout/orgChart1"/>
-    <dgm:cxn modelId="{A023A06B-7666-4417-92B2-A51841A2D045}" type="presOf" srcId="{27E50C49-C508-497C-8D3E-32E4DC28A361}" destId="{D086FC53-2AEB-4194-A7B9-5817415641C0}" srcOrd="1" destOrd="0" presId="urn:microsoft.com/office/officeart/2005/8/layout/orgChart1"/>
-    <dgm:cxn modelId="{290F297A-25CF-41F6-A2A1-153CF7487814}" type="presOf" srcId="{06342976-E790-4621-822F-38A819D72095}" destId="{0A965E6D-3A27-4907-AB80-F4793D81259C}" srcOrd="0" destOrd="0" presId="urn:microsoft.com/office/officeart/2005/8/layout/orgChart1"/>
-    <dgm:cxn modelId="{A32E753A-41B1-4A5C-83A2-FAD0F1104BBB}" type="presOf" srcId="{2CF1BB8D-3595-442D-BDEA-2D46315DD6A5}" destId="{DDD2A77C-1553-4744-BAA1-8378D5553BAE}" srcOrd="0" destOrd="0" presId="urn:microsoft.com/office/officeart/2005/8/layout/orgChart1"/>
-    <dgm:cxn modelId="{6C955B7D-19A1-4FA8-89C3-92493A0F1085}" type="presOf" srcId="{2DDE0A61-D205-43A2-97DF-750D78BD2772}" destId="{63CEDB58-B32B-4673-BDC5-CBCA9C544A3F}" srcOrd="0" destOrd="0" presId="urn:microsoft.com/office/officeart/2005/8/layout/orgChart1"/>
-    <dgm:cxn modelId="{87BB8290-FF76-4A02-B1DF-C539FB175B3A}" type="presOf" srcId="{ADE59061-9C81-4612-AF4B-75437399E468}" destId="{8033D344-ADD7-4948-9E7A-000AB1F974D5}" srcOrd="0" destOrd="0" presId="urn:microsoft.com/office/officeart/2005/8/layout/orgChart1"/>
+    <dgm:cxn modelId="{65651BAC-20ED-4EF8-9B1C-2B0DDD29A460}" type="presOf" srcId="{74360FB5-4773-4BD9-A0FB-10BB967DD768}" destId="{1B652242-C67E-4B1D-80A1-A32B9C5DEF3D}" srcOrd="1" destOrd="0" presId="urn:microsoft.com/office/officeart/2005/8/layout/orgChart1"/>
+    <dgm:cxn modelId="{8C37B099-3FFF-49B8-A35B-B8C94CBDD384}" type="presOf" srcId="{6C6B3393-263E-40FF-A28D-7303DE88794F}" destId="{64A78999-BE90-4902-8E60-FD6415880582}" srcOrd="0" destOrd="0" presId="urn:microsoft.com/office/officeart/2005/8/layout/orgChart1"/>
+    <dgm:cxn modelId="{95EEF09A-E909-419E-A5C4-CD4147D4A51A}" type="presOf" srcId="{53689265-E92E-4E10-86BF-89C45731C450}" destId="{381A84ED-ACC6-4FFF-AEC0-5EAEA9581E3E}" srcOrd="0" destOrd="0" presId="urn:microsoft.com/office/officeart/2005/8/layout/orgChart1"/>
+    <dgm:cxn modelId="{6D98034C-D405-47B4-B8DE-5B336307BEBA}" type="presOf" srcId="{81CBA596-DEEB-45F1-91BB-0997F0426C04}" destId="{8D57520E-8596-4BB1-AC85-1C1EDB0D583B}" srcOrd="0" destOrd="0" presId="urn:microsoft.com/office/officeart/2005/8/layout/orgChart1"/>
+    <dgm:cxn modelId="{1A826958-1D2A-4ADB-8F21-A295EADEF6E4}" type="presOf" srcId="{9BC30EB8-F8D3-40D0-94B0-2C1ECD08941A}" destId="{3916DA2A-603E-48D9-B240-B37D5130A549}" srcOrd="1" destOrd="0" presId="urn:microsoft.com/office/officeart/2005/8/layout/orgChart1"/>
     <dgm:cxn modelId="{8256DD9C-2E2C-4FF0-A18C-19324BEF21B5}" type="presOf" srcId="{D5E64BCF-8798-4C49-9AF3-F5183595BC91}" destId="{7C11FD9B-428B-47AD-9B6B-97DD0D6E5338}" srcOrd="1" destOrd="0" presId="urn:microsoft.com/office/officeart/2005/8/layout/orgChart1"/>
-    <dgm:cxn modelId="{F5959E1B-DF18-429E-B172-6CB449CE58DB}" type="presOf" srcId="{03D3A266-BB3E-4C2B-980D-EB3D7D82D8E5}" destId="{620FA32C-BB24-40FA-BD78-3461E59B2AB5}" srcOrd="0" destOrd="0" presId="urn:microsoft.com/office/officeart/2005/8/layout/orgChart1"/>
-    <dgm:cxn modelId="{0E32294F-119A-4AEB-ACD1-D66B3876FBBB}" type="presOf" srcId="{8E73C83C-CFA3-4452-8E59-A49AFFDAE446}" destId="{277881D0-5906-419D-9DE9-FAD3433C2B37}" srcOrd="0" destOrd="0" presId="urn:microsoft.com/office/officeart/2005/8/layout/orgChart1"/>
-    <dgm:cxn modelId="{72D9F33F-3E61-40B5-8F7A-8A6BD7206048}" type="presOf" srcId="{E502BCB4-C45F-423F-8FE8-F12EE843A2E5}" destId="{1ECD21C2-1E3A-4517-9FC1-860A7AC656C3}" srcOrd="0" destOrd="0" presId="urn:microsoft.com/office/officeart/2005/8/layout/orgChart1"/>
-    <dgm:cxn modelId="{6D98034C-D405-47B4-B8DE-5B336307BEBA}" type="presOf" srcId="{81CBA596-DEEB-45F1-91BB-0997F0426C04}" destId="{8D57520E-8596-4BB1-AC85-1C1EDB0D583B}" srcOrd="0" destOrd="0" presId="urn:microsoft.com/office/officeart/2005/8/layout/orgChart1"/>
-    <dgm:cxn modelId="{8C37B099-3FFF-49B8-A35B-B8C94CBDD384}" type="presOf" srcId="{6C6B3393-263E-40FF-A28D-7303DE88794F}" destId="{64A78999-BE90-4902-8E60-FD6415880582}" srcOrd="0" destOrd="0" presId="urn:microsoft.com/office/officeart/2005/8/layout/orgChart1"/>
-    <dgm:cxn modelId="{5F30A695-8E0E-4589-9E92-9F1D18D01AEA}" type="presOf" srcId="{6828052D-FABF-4FE8-8843-6E77D27A9ED8}" destId="{3482B2E7-99CF-4CE1-8095-EC5196396E20}" srcOrd="0" destOrd="0" presId="urn:microsoft.com/office/officeart/2005/8/layout/orgChart1"/>
-    <dgm:cxn modelId="{65651BAC-20ED-4EF8-9B1C-2B0DDD29A460}" type="presOf" srcId="{74360FB5-4773-4BD9-A0FB-10BB967DD768}" destId="{1B652242-C67E-4B1D-80A1-A32B9C5DEF3D}" srcOrd="1" destOrd="0" presId="urn:microsoft.com/office/officeart/2005/8/layout/orgChart1"/>
-    <dgm:cxn modelId="{6CF5AD6C-8B3E-48D1-AE2C-FB0F4F23EE61}" type="presOf" srcId="{8DAF1BC3-2547-46E1-B7F8-8E2E0A3486ED}" destId="{4A9B8A1E-A219-4B6E-BC29-6055D5BB2DFD}" srcOrd="0" destOrd="0" presId="urn:microsoft.com/office/officeart/2005/8/layout/orgChart1"/>
-    <dgm:cxn modelId="{95EEF09A-E909-419E-A5C4-CD4147D4A51A}" type="presOf" srcId="{53689265-E92E-4E10-86BF-89C45731C450}" destId="{381A84ED-ACC6-4FFF-AEC0-5EAEA9581E3E}" srcOrd="0" destOrd="0" presId="urn:microsoft.com/office/officeart/2005/8/layout/orgChart1"/>
-    <dgm:cxn modelId="{51DCC918-C571-40C8-BD15-B948F9D9B3FD}" srcId="{5541708B-341F-43DC-873E-23891DD3C60C}" destId="{1E4625CA-8582-4C3E-92AC-63EA9AA992A5}" srcOrd="0" destOrd="0" parTransId="{DDE71933-9271-4005-9902-CFAA52885E64}" sibTransId="{6EE01EE3-4C42-4CCF-B3CD-3C4404B27AD2}"/>
-    <dgm:cxn modelId="{745B6A99-F911-4EF4-966A-1FDF4A8B420E}" type="presOf" srcId="{1E4625CA-8582-4C3E-92AC-63EA9AA992A5}" destId="{8C603A93-800E-4381-AD59-31B84854CB62}" srcOrd="0" destOrd="0" presId="urn:microsoft.com/office/officeart/2005/8/layout/orgChart1"/>
-    <dgm:cxn modelId="{C1F56A9A-2E87-4469-A863-1C932B98EACB}" srcId="{1E4625CA-8582-4C3E-92AC-63EA9AA992A5}" destId="{8DAF1BC3-2547-46E1-B7F8-8E2E0A3486ED}" srcOrd="2" destOrd="0" parTransId="{C2A809D4-E46D-4B25-B458-0533CC8A9651}" sibTransId="{C8398741-9D7B-49B1-A376-A535931DE954}"/>
-    <dgm:cxn modelId="{E38638C8-EF1D-4ACC-B5C7-9B2EABDF7EC4}" type="presOf" srcId="{1CE70A20-48D4-4D0B-AF56-09B4BB7422C4}" destId="{127B2562-DF59-4AD3-B07D-7221E4EC222A}" srcOrd="0" destOrd="0" presId="urn:microsoft.com/office/officeart/2005/8/layout/orgChart1"/>
-    <dgm:cxn modelId="{AA0E42BB-4E38-45DA-809D-C5B5CAB72AF1}" type="presOf" srcId="{D3715D86-EEF6-4FF6-88F7-E988CF21BADB}" destId="{83CACE76-D1FC-4D64-9202-A10606BB53C5}" srcOrd="0" destOrd="0" presId="urn:microsoft.com/office/officeart/2005/8/layout/orgChart1"/>
-    <dgm:cxn modelId="{E28A5DF0-6E4C-4031-AE03-EBE816671191}" type="presOf" srcId="{67AA71B3-F7EE-41C9-8D21-C300E0ADE57C}" destId="{BF66CF3B-CDB8-47BE-B04E-45F26A5A152C}" srcOrd="0" destOrd="0" presId="urn:microsoft.com/office/officeart/2005/8/layout/orgChart1"/>
-    <dgm:cxn modelId="{8D9B7F26-3E55-4B0A-ABC2-89B19986CF7D}" type="presOf" srcId="{C4E6385B-F3F8-441A-A1DC-7AD358D1AFE9}" destId="{97D15E69-2D89-4089-8802-E3EA9C4F31BE}" srcOrd="1" destOrd="0" presId="urn:microsoft.com/office/officeart/2005/8/layout/orgChart1"/>
-    <dgm:cxn modelId="{0444F0D7-00CF-4204-89CB-75C4D66DF9AF}" srcId="{74360FB5-4773-4BD9-A0FB-10BB967DD768}" destId="{8AC95AC5-219B-4C91-88D7-3104BD28BF8B}" srcOrd="5" destOrd="0" parTransId="{4344EE9C-98A5-45B9-8E83-1DC0CE67E399}" sibTransId="{99A405BF-FE62-479E-B387-881EACE8D0C2}"/>
-    <dgm:cxn modelId="{1A826958-1D2A-4ADB-8F21-A295EADEF6E4}" type="presOf" srcId="{9BC30EB8-F8D3-40D0-94B0-2C1ECD08941A}" destId="{3916DA2A-603E-48D9-B240-B37D5130A549}" srcOrd="1" destOrd="0" presId="urn:microsoft.com/office/officeart/2005/8/layout/orgChart1"/>
-    <dgm:cxn modelId="{3985DD35-A8DE-4860-A393-753477594370}" srcId="{1E4625CA-8582-4C3E-92AC-63EA9AA992A5}" destId="{03D3A266-BB3E-4C2B-980D-EB3D7D82D8E5}" srcOrd="0" destOrd="0" parTransId="{2CF1BB8D-3595-442D-BDEA-2D46315DD6A5}" sibTransId="{E1E79A99-64F9-4379-9363-17FA9C0CA5F8}"/>
-    <dgm:cxn modelId="{E2A28BA7-CD26-434E-AF61-D0E25BFC4817}" type="presOf" srcId="{0CD36FCF-C680-4AAB-B709-3F3BFFC29904}" destId="{2921FDDD-4EB8-4DF7-B2C9-85BBA734A942}" srcOrd="1" destOrd="0" presId="urn:microsoft.com/office/officeart/2005/8/layout/orgChart1"/>
-    <dgm:cxn modelId="{31CE271F-1E9F-4E53-9EA1-F3D6FFCE36F5}" srcId="{9BC30EB8-F8D3-40D0-94B0-2C1ECD08941A}" destId="{D5E64BCF-8798-4C49-9AF3-F5183595BC91}" srcOrd="4" destOrd="0" parTransId="{67138F0A-61E9-4A49-8CC4-5BBAA0573C71}" sibTransId="{873FE874-1DE9-49DA-A2F0-AA11A6BA4BC4}"/>
-    <dgm:cxn modelId="{4ADC5A13-9EDE-4971-B66E-760C931D5809}" srcId="{9BC30EB8-F8D3-40D0-94B0-2C1ECD08941A}" destId="{48DD384A-5FEC-4BA3-BC1A-6BA8170CABEC}" srcOrd="3" destOrd="0" parTransId="{ADE59061-9C81-4612-AF4B-75437399E468}" sibTransId="{59669F1F-95FC-4276-B4C6-7CFCEB6A44B5}"/>
-    <dgm:cxn modelId="{E914EFF0-154F-4CD8-A4AC-62CC43A08CE1}" type="presOf" srcId="{646A0E7A-A02D-4D89-A43A-88D7C1D48A70}" destId="{B00004E8-C55F-47A8-95E7-D5D7B99CF0A6}" srcOrd="0" destOrd="0" presId="urn:microsoft.com/office/officeart/2005/8/layout/orgChart1"/>
-    <dgm:cxn modelId="{3D99FFA7-C653-4ADA-877B-31B7DA43434F}" type="presOf" srcId="{D3715D86-EEF6-4FF6-88F7-E988CF21BADB}" destId="{6385E5D0-E1FD-48B5-AEBC-7ACD4BE1365A}" srcOrd="1" destOrd="0" presId="urn:microsoft.com/office/officeart/2005/8/layout/orgChart1"/>
-    <dgm:cxn modelId="{6654FCA4-E76D-4057-B410-8319243CB94E}" type="presOf" srcId="{4344EE9C-98A5-45B9-8E83-1DC0CE67E399}" destId="{946B7EE9-9500-4486-8002-66A19C276D38}" srcOrd="0" destOrd="0" presId="urn:microsoft.com/office/officeart/2005/8/layout/orgChart1"/>
-    <dgm:cxn modelId="{14F22E75-9370-4D7F-AD0D-48E4A172863E}" type="presOf" srcId="{FA7065A5-4C6A-4416-8D60-D215F72B2697}" destId="{F91FF1AA-A51B-4E4A-9478-29217AE430B6}" srcOrd="0" destOrd="0" presId="urn:microsoft.com/office/officeart/2005/8/layout/orgChart1"/>
-    <dgm:cxn modelId="{A99ED5C2-C596-4A65-8491-E80B49BF1E92}" srcId="{1E4625CA-8582-4C3E-92AC-63EA9AA992A5}" destId="{74360FB5-4773-4BD9-A0FB-10BB967DD768}" srcOrd="3" destOrd="0" parTransId="{67AA71B3-F7EE-41C9-8D21-C300E0ADE57C}" sibTransId="{2C0E7275-CA57-4A84-9630-3DC88F5A6500}"/>
-    <dgm:cxn modelId="{E47F375B-67E6-4132-854A-884DACB7F47F}" srcId="{1E4625CA-8582-4C3E-92AC-63EA9AA992A5}" destId="{06342976-E790-4621-822F-38A819D72095}" srcOrd="6" destOrd="0" parTransId="{53689265-E92E-4E10-86BF-89C45731C450}" sibTransId="{CD7D2034-25BF-40DB-876F-BF6E2823C940}"/>
-    <dgm:cxn modelId="{43894C09-515E-4DAD-BBAD-B72A9497BA4E}" type="presOf" srcId="{0CD36FCF-C680-4AAB-B709-3F3BFFC29904}" destId="{57E3AC1A-EF6D-4CDC-983F-6A85BDB21A59}" srcOrd="0" destOrd="0" presId="urn:microsoft.com/office/officeart/2005/8/layout/orgChart1"/>
-    <dgm:cxn modelId="{533A0D45-8C74-4E8F-ACE8-9669A7D269F4}" type="presOf" srcId="{5067963E-CB92-42B8-9603-0318A492E8B6}" destId="{43B33870-49F4-478B-B27A-D9174D41D64C}" srcOrd="1" destOrd="0" presId="urn:microsoft.com/office/officeart/2005/8/layout/orgChart1"/>
-    <dgm:cxn modelId="{90DBB5D9-0CAB-4886-9FF7-80966B286EE3}" type="presOf" srcId="{5541708B-341F-43DC-873E-23891DD3C60C}" destId="{033B222F-E495-427A-9B5B-B3B37DEB170E}" srcOrd="0" destOrd="0" presId="urn:microsoft.com/office/officeart/2005/8/layout/orgChart1"/>
-    <dgm:cxn modelId="{CDBCC1B5-10B9-49A9-A733-53E094B7D81F}" srcId="{1E4625CA-8582-4C3E-92AC-63EA9AA992A5}" destId="{0CD36FCF-C680-4AAB-B709-3F3BFFC29904}" srcOrd="1" destOrd="0" parTransId="{81CBA596-DEEB-45F1-91BB-0997F0426C04}" sibTransId="{6E3A4A17-F8CB-479B-9CCB-F35CA9F0505B}"/>
-    <dgm:cxn modelId="{04D8817F-3D72-4BC6-990B-5F5A631264BB}" type="presOf" srcId="{48DD384A-5FEC-4BA3-BC1A-6BA8170CABEC}" destId="{E0F72E79-CA1B-4F71-B0B0-55C96CD79578}" srcOrd="1" destOrd="0" presId="urn:microsoft.com/office/officeart/2005/8/layout/orgChart1"/>
-    <dgm:cxn modelId="{A729EA62-AFEE-4623-ABDB-406334EB6559}" type="presOf" srcId="{D5E64BCF-8798-4C49-9AF3-F5183595BC91}" destId="{DC66759E-447A-427D-8DFF-D9D60FAF8932}" srcOrd="0" destOrd="0" presId="urn:microsoft.com/office/officeart/2005/8/layout/orgChart1"/>
-    <dgm:cxn modelId="{D43F9FA8-786D-44AF-9C04-585A41727A61}" type="presOf" srcId="{EF553521-C824-425F-9DDE-B67AE7768C42}" destId="{FEB064D2-EE5E-4C1A-A783-07769F682991}" srcOrd="0" destOrd="0" presId="urn:microsoft.com/office/officeart/2005/8/layout/orgChart1"/>
-    <dgm:cxn modelId="{110D3DE6-41F0-4BB5-94A3-0570C6120DE6}" type="presOf" srcId="{2F07DD39-2F2F-4A65-AB1F-804CA7D6C94D}" destId="{28080AD2-2E2C-4B6D-916F-AB52AC5BA26E}" srcOrd="0" destOrd="0" presId="urn:microsoft.com/office/officeart/2005/8/layout/orgChart1"/>
-    <dgm:cxn modelId="{13867F99-171A-4BD8-9948-63257DE06D9F}" srcId="{74360FB5-4773-4BD9-A0FB-10BB967DD768}" destId="{D3715D86-EEF6-4FF6-88F7-E988CF21BADB}" srcOrd="1" destOrd="0" parTransId="{37192E64-9A40-41EA-84D1-1D06DB5F4FB8}" sibTransId="{A40CAC29-4A48-45C3-B5FE-1D9CEDAA3537}"/>
-    <dgm:cxn modelId="{B8CD8550-C65F-41C7-9879-B045A43EAA4B}" type="presOf" srcId="{DA1BC7FE-7D53-419A-B084-E9A10C4BCE7E}" destId="{D3906D38-A9F8-4CC5-B703-4D4287F9DB3B}" srcOrd="0" destOrd="0" presId="urn:microsoft.com/office/officeart/2005/8/layout/orgChart1"/>
-    <dgm:cxn modelId="{416A0B15-12B7-4AD8-96D1-5DEDFC0EEE57}" type="presOf" srcId="{BDD4521C-BFD4-4005-978A-8CBB4C696881}" destId="{152C6D8F-D0DA-4143-A0D7-49711C667288}" srcOrd="0" destOrd="0" presId="urn:microsoft.com/office/officeart/2005/8/layout/orgChart1"/>
-    <dgm:cxn modelId="{FD6381AC-81A7-42D2-8253-7A84C0AA76F2}" type="presOf" srcId="{2F07DD39-2F2F-4A65-AB1F-804CA7D6C94D}" destId="{FFE969AB-0511-45F1-9515-558C689853A8}" srcOrd="1" destOrd="0" presId="urn:microsoft.com/office/officeart/2005/8/layout/orgChart1"/>
-    <dgm:cxn modelId="{F13EFC8E-A884-4C74-89D6-0AD6067BBD33}" type="presOf" srcId="{5067963E-CB92-42B8-9603-0318A492E8B6}" destId="{52463DE4-A275-4C7F-B379-DBD69F09192F}" srcOrd="0" destOrd="0" presId="urn:microsoft.com/office/officeart/2005/8/layout/orgChart1"/>
-    <dgm:cxn modelId="{7D648C0D-AB2C-4014-842C-6C1D138267B9}" srcId="{74360FB5-4773-4BD9-A0FB-10BB967DD768}" destId="{6C6B3393-263E-40FF-A28D-7303DE88794F}" srcOrd="2" destOrd="0" parTransId="{2DDE0A61-D205-43A2-97DF-750D78BD2772}" sibTransId="{FE2C945A-2CDC-47F1-AF02-54C09CF5153F}"/>
-    <dgm:cxn modelId="{4559D59F-5C95-4F1A-8AFB-A7DC0CA750B1}" type="presOf" srcId="{1E4625CA-8582-4C3E-92AC-63EA9AA992A5}" destId="{D9EF6378-BADA-4854-B36D-E710FE91E1CD}" srcOrd="1" destOrd="0" presId="urn:microsoft.com/office/officeart/2005/8/layout/orgChart1"/>
-    <dgm:cxn modelId="{F1007400-6E97-40DE-A23C-58B732A0B7A6}" type="presOf" srcId="{67138F0A-61E9-4A49-8CC4-5BBAA0573C71}" destId="{2624AED9-4070-4B58-AB7F-B828F4B79A9A}" srcOrd="0" destOrd="0" presId="urn:microsoft.com/office/officeart/2005/8/layout/orgChart1"/>
-    <dgm:cxn modelId="{62D95395-8289-4F82-BAEF-5BE30FF41B8E}" type="presOf" srcId="{8DAF1BC3-2547-46E1-B7F8-8E2E0A3486ED}" destId="{E9A8E5B9-947A-4FB1-8D1D-46BEC79A3E7D}" srcOrd="1" destOrd="0" presId="urn:microsoft.com/office/officeart/2005/8/layout/orgChart1"/>
-    <dgm:cxn modelId="{7D62BFFD-4974-46FF-BF97-934094716BA2}" type="presOf" srcId="{D92E6F1E-218A-467F-B0F0-1591C8C2F1A7}" destId="{9FEF5E06-D4BA-4E39-AC05-A6CE0C9257BA}" srcOrd="0" destOrd="0" presId="urn:microsoft.com/office/officeart/2005/8/layout/orgChart1"/>
     <dgm:cxn modelId="{B11AD9E7-A5B1-4EBC-A586-45101055A1F3}" type="presParOf" srcId="{033B222F-E495-427A-9B5B-B3B37DEB170E}" destId="{32FCDE67-5DCF-4E9D-AFCD-52BB1E38F8AA}" srcOrd="0" destOrd="0" presId="urn:microsoft.com/office/officeart/2005/8/layout/orgChart1"/>
     <dgm:cxn modelId="{E76616F8-0B5B-4872-808A-E9F3DC8D0463}" type="presParOf" srcId="{32FCDE67-5DCF-4E9D-AFCD-52BB1E38F8AA}" destId="{67849BAB-9348-4DD9-B1C8-4708754F529B}" srcOrd="0" destOrd="0" presId="urn:microsoft.com/office/officeart/2005/8/layout/orgChart1"/>
     <dgm:cxn modelId="{C312CB45-CE0C-4667-915E-2915A1DF1D35}" type="presParOf" srcId="{67849BAB-9348-4DD9-B1C8-4708754F529B}" destId="{8C603A93-800E-4381-AD59-31B84854CB62}" srcOrd="0" destOrd="0" presId="urn:microsoft.com/office/officeart/2005/8/layout/orgChart1"/>
@@ -9354,7 +9648,7 @@
           <a:p>
             <a:fld id="{530820CF-B880-4189-942D-D702A7CBA730}" type="datetimeFigureOut">
               <a:rPr lang="zh-CN" altLang="en-US" smtClean="0"/>
-              <a:t>2019/7/28</a:t>
+              <a:t>2019/8/9</a:t>
             </a:fld>
             <a:endParaRPr lang="zh-CN" altLang="en-US"/>
           </a:p>
@@ -9581,6 +9875,13 @@
   <p:clrMapOvr>
     <a:masterClrMapping/>
   </p:clrMapOvr>
+  <p:timing>
+    <p:tnLst>
+      <p:par>
+        <p:cTn id="1" dur="indefinite" restart="never" nodeType="tmRoot"/>
+      </p:par>
+    </p:tnLst>
+  </p:timing>
 </p:sldLayout>
 </file>
 
@@ -9734,7 +10035,7 @@
           <a:p>
             <a:fld id="{530820CF-B880-4189-942D-D702A7CBA730}" type="datetimeFigureOut">
               <a:rPr lang="zh-CN" altLang="en-US" smtClean="0"/>
-              <a:t>2019/7/28</a:t>
+              <a:t>2019/8/9</a:t>
             </a:fld>
             <a:endParaRPr lang="zh-CN" altLang="en-US"/>
           </a:p>
@@ -9940,7 +10241,7 @@
           </a:lstStyle>
           <a:p>
             <a:r>
-              <a:rPr lang="zh-CN" altLang="en-US" smtClean="0"/>
+              <a:rPr lang="zh-CN" altLang="en-US" dirty="0" smtClean="0"/>
               <a:t>单击此处编辑母版标题样式</a:t>
             </a:r>
             <a:endParaRPr lang="en-US" dirty="0"/>
@@ -9964,7 +10265,7 @@
           <a:p>
             <a:fld id="{530820CF-B880-4189-942D-D702A7CBA730}" type="datetimeFigureOut">
               <a:rPr lang="zh-CN" altLang="en-US" smtClean="0"/>
-              <a:t>2019/7/28</a:t>
+              <a:t>2019/8/9</a:t>
             </a:fld>
             <a:endParaRPr lang="zh-CN" altLang="en-US"/>
           </a:p>
@@ -10924,7 +11225,7 @@
           <a:p>
             <a:fld id="{530820CF-B880-4189-942D-D702A7CBA730}" type="datetimeFigureOut">
               <a:rPr lang="zh-CN" altLang="en-US" smtClean="0"/>
-              <a:t>2019/7/28</a:t>
+              <a:t>2019/8/9</a:t>
             </a:fld>
             <a:endParaRPr lang="zh-CN" altLang="en-US"/>
           </a:p>
@@ -11023,6 +11324,13 @@
       <p:transition spd="slow"/>
     </mc:Fallback>
   </mc:AlternateContent>
+  <p:timing>
+    <p:tnLst>
+      <p:par>
+        <p:cTn id="1" dur="indefinite" restart="never" nodeType="tmRoot"/>
+      </p:par>
+    </p:tnLst>
+  </p:timing>
 </p:sldLayout>
 </file>
 
@@ -11060,7 +11368,7 @@
           <a:p>
             <a:fld id="{530820CF-B880-4189-942D-D702A7CBA730}" type="datetimeFigureOut">
               <a:rPr lang="zh-CN" altLang="en-US" smtClean="0"/>
-              <a:t>2019/7/28</a:t>
+              <a:t>2019/8/9</a:t>
             </a:fld>
             <a:endParaRPr lang="zh-CN" altLang="en-US"/>
           </a:p>
@@ -11113,6 +11421,13 @@
   <p:clrMapOvr>
     <a:masterClrMapping/>
   </p:clrMapOvr>
+  <p:timing>
+    <p:tnLst>
+      <p:par>
+        <p:cTn id="1" dur="indefinite" restart="never" nodeType="tmRoot"/>
+      </p:par>
+    </p:tnLst>
+  </p:timing>
 </p:sldLayout>
 </file>
 
@@ -12118,7 +12433,7 @@
           <a:p>
             <a:fld id="{530820CF-B880-4189-942D-D702A7CBA730}" type="datetimeFigureOut">
               <a:rPr lang="zh-CN" altLang="en-US" smtClean="0"/>
-              <a:t>2019/7/28</a:t>
+              <a:t>2019/8/9</a:t>
             </a:fld>
             <a:endParaRPr lang="zh-CN" altLang="en-US"/>
           </a:p>
@@ -12175,6 +12490,13 @@
   <p:clrMapOvr>
     <a:masterClrMapping/>
   </p:clrMapOvr>
+  <p:timing>
+    <p:tnLst>
+      <p:par>
+        <p:cTn id="1" dur="indefinite" restart="never" nodeType="tmRoot"/>
+      </p:par>
+    </p:tnLst>
+  </p:timing>
 </p:sldLayout>
 </file>
 
@@ -12297,7 +12619,7 @@
           <a:p>
             <a:fld id="{530820CF-B880-4189-942D-D702A7CBA730}" type="datetimeFigureOut">
               <a:rPr lang="zh-CN" altLang="en-US" smtClean="0"/>
-              <a:t>2019/7/28</a:t>
+              <a:t>2019/8/9</a:t>
             </a:fld>
             <a:endParaRPr lang="zh-CN" altLang="en-US"/>
           </a:p>
@@ -12350,6 +12672,13 @@
   <p:clrMapOvr>
     <a:masterClrMapping/>
   </p:clrMapOvr>
+  <p:timing>
+    <p:tnLst>
+      <p:par>
+        <p:cTn id="1" dur="indefinite" restart="never" nodeType="tmRoot"/>
+      </p:par>
+    </p:tnLst>
+  </p:timing>
 </p:sldLayout>
 </file>
 
@@ -12389,7 +12718,7 @@
           <a:p>
             <a:fld id="{530820CF-B880-4189-942D-D702A7CBA730}" type="datetimeFigureOut">
               <a:rPr lang="zh-CN" altLang="en-US" smtClean="0"/>
-              <a:t>2019/7/28</a:t>
+              <a:t>2019/8/9</a:t>
             </a:fld>
             <a:endParaRPr lang="zh-CN" altLang="en-US"/>
           </a:p>
@@ -12474,176 +12803,13 @@
   <p:clrMapOvr>
     <a:masterClrMapping/>
   </p:clrMapOvr>
-</p:sldLayout>
-</file>
-
-<file path=ppt/slideLayouts/slideLayout9.xml><?xml version="1.0" encoding="utf-8"?>
-<p:sldLayout xmlns:a="http://schemas.openxmlformats.org/drawingml/2006/main" xmlns:r="http://schemas.openxmlformats.org/officeDocument/2006/relationships" xmlns:p="http://schemas.openxmlformats.org/presentationml/2006/main" type="tx">
-  <p:cSld name="标题和文本">
-    <p:spTree>
-      <p:nvGrpSpPr>
-        <p:cNvPr id="1" name=""/>
-        <p:cNvGrpSpPr/>
-        <p:nvPr/>
-      </p:nvGrpSpPr>
-      <p:grpSpPr>
-        <a:xfrm>
-          <a:off x="0" y="0"/>
-          <a:ext cx="0" cy="0"/>
-          <a:chOff x="0" y="0"/>
-          <a:chExt cx="0" cy="0"/>
-        </a:xfrm>
-      </p:grpSpPr>
-      <p:sp>
-        <p:nvSpPr>
-          <p:cNvPr id="2" name="标题 1"/>
-          <p:cNvSpPr>
-            <a:spLocks noGrp="1"/>
-          </p:cNvSpPr>
-          <p:nvPr>
-            <p:ph type="title"/>
-          </p:nvPr>
-        </p:nvSpPr>
-        <p:spPr/>
-        <p:txBody>
-          <a:bodyPr/>
-          <a:lstStyle/>
-          <a:p>
-            <a:r>
-              <a:rPr lang="zh-CN" altLang="en-US" smtClean="0"/>
-              <a:t>单击此处编辑母版标题样式</a:t>
-            </a:r>
-            <a:endParaRPr lang="zh-CN" altLang="en-US"/>
-          </a:p>
-        </p:txBody>
-      </p:sp>
-      <p:sp>
-        <p:nvSpPr>
-          <p:cNvPr id="3" name="文本占位符 2"/>
-          <p:cNvSpPr>
-            <a:spLocks noGrp="1"/>
-          </p:cNvSpPr>
-          <p:nvPr>
-            <p:ph type="body" idx="1"/>
-          </p:nvPr>
-        </p:nvSpPr>
-        <p:spPr/>
-        <p:txBody>
-          <a:bodyPr/>
-          <a:lstStyle/>
-          <a:p>
-            <a:pPr lvl="0"/>
-            <a:r>
-              <a:rPr lang="zh-CN" altLang="en-US" smtClean="0"/>
-              <a:t>单击此处编辑母版文本样式</a:t>
-            </a:r>
-          </a:p>
-          <a:p>
-            <a:pPr lvl="1"/>
-            <a:r>
-              <a:rPr lang="zh-CN" altLang="en-US" smtClean="0"/>
-              <a:t>第二级</a:t>
-            </a:r>
-          </a:p>
-          <a:p>
-            <a:pPr lvl="2"/>
-            <a:r>
-              <a:rPr lang="zh-CN" altLang="en-US" smtClean="0"/>
-              <a:t>第三级</a:t>
-            </a:r>
-          </a:p>
-          <a:p>
-            <a:pPr lvl="3"/>
-            <a:r>
-              <a:rPr lang="zh-CN" altLang="en-US" smtClean="0"/>
-              <a:t>第四级</a:t>
-            </a:r>
-          </a:p>
-          <a:p>
-            <a:pPr lvl="4"/>
-            <a:r>
-              <a:rPr lang="zh-CN" altLang="en-US" smtClean="0"/>
-              <a:t>第五级</a:t>
-            </a:r>
-            <a:endParaRPr lang="zh-CN" altLang="en-US"/>
-          </a:p>
-        </p:txBody>
-      </p:sp>
-      <p:sp>
-        <p:nvSpPr>
-          <p:cNvPr id="4" name="日期占位符 3"/>
-          <p:cNvSpPr>
-            <a:spLocks noGrp="1"/>
-          </p:cNvSpPr>
-          <p:nvPr>
-            <p:ph type="dt" sz="half" idx="10"/>
-          </p:nvPr>
-        </p:nvSpPr>
-        <p:spPr/>
-        <p:txBody>
-          <a:bodyPr/>
-          <a:lstStyle/>
-          <a:p>
-            <a:fld id="{530820CF-B880-4189-942D-D702A7CBA730}" type="datetimeFigureOut">
-              <a:rPr lang="zh-CN" altLang="en-US" smtClean="0"/>
-              <a:t>2019/7/28</a:t>
-            </a:fld>
-            <a:endParaRPr lang="zh-CN" altLang="en-US"/>
-          </a:p>
-        </p:txBody>
-      </p:sp>
-      <p:sp>
-        <p:nvSpPr>
-          <p:cNvPr id="5" name="页脚占位符 4"/>
-          <p:cNvSpPr>
-            <a:spLocks noGrp="1"/>
-          </p:cNvSpPr>
-          <p:nvPr>
-            <p:ph type="ftr" sz="quarter" idx="11"/>
-          </p:nvPr>
-        </p:nvSpPr>
-        <p:spPr/>
-        <p:txBody>
-          <a:bodyPr/>
-          <a:lstStyle/>
-          <a:p>
-            <a:endParaRPr lang="zh-CN" altLang="en-US"/>
-          </a:p>
-        </p:txBody>
-      </p:sp>
-      <p:sp>
-        <p:nvSpPr>
-          <p:cNvPr id="6" name="灯片编号占位符 5"/>
-          <p:cNvSpPr>
-            <a:spLocks noGrp="1"/>
-          </p:cNvSpPr>
-          <p:nvPr>
-            <p:ph type="sldNum" sz="quarter" idx="12"/>
-          </p:nvPr>
-        </p:nvSpPr>
-        <p:spPr/>
-        <p:txBody>
-          <a:bodyPr/>
-          <a:lstStyle/>
-          <a:p>
-            <a:fld id="{0C913308-F349-4B6D-A68A-DD1791B4A57B}" type="slidenum">
-              <a:rPr lang="zh-CN" altLang="en-US" smtClean="0"/>
-              <a:t>‹#›</a:t>
-            </a:fld>
-            <a:endParaRPr lang="zh-CN" altLang="en-US"/>
-          </a:p>
-        </p:txBody>
-      </p:sp>
-    </p:spTree>
-    <p:extLst>
-      <p:ext uri="{BB962C8B-B14F-4D97-AF65-F5344CB8AC3E}">
-        <p14:creationId xmlns:p14="http://schemas.microsoft.com/office/powerpoint/2010/main" val="1710949644"/>
-      </p:ext>
-    </p:extLst>
-  </p:cSld>
-  <p:clrMapOvr>
-    <a:masterClrMapping/>
-  </p:clrMapOvr>
+  <p:timing>
+    <p:tnLst>
+      <p:par>
+        <p:cTn id="1" dur="indefinite" restart="never" nodeType="tmRoot"/>
+      </p:par>
+    </p:tnLst>
+  </p:timing>
 </p:sldLayout>
 </file>
 
@@ -12653,7 +12819,7 @@
     <p:bg>
       <p:bgPr>
         <a:blipFill dpi="0" rotWithShape="1">
-          <a:blip r:embed="rId13">
+          <a:blip r:embed="rId12">
             <a:lum/>
           </a:blip>
           <a:srcRect/>
@@ -12687,7 +12853,7 @@
           <p:nvPr>
             <p:ph type="title"/>
             <p:custDataLst>
-              <p:tags r:id="rId11"/>
+              <p:tags r:id="rId10"/>
             </p:custDataLst>
           </p:nvPr>
         </p:nvSpPr>
@@ -12723,7 +12889,7 @@
           <p:nvPr>
             <p:ph type="body" idx="1"/>
             <p:custDataLst>
-              <p:tags r:id="rId12"/>
+              <p:tags r:id="rId11"/>
             </p:custDataLst>
           </p:nvPr>
         </p:nvSpPr>
@@ -12816,9 +12982,9 @@
           <a:p>
             <a:fld id="{530820CF-B880-4189-942D-D702A7CBA730}" type="datetimeFigureOut">
               <a:rPr lang="zh-CN" altLang="en-US" smtClean="0"/>
-              <a:t>2019/7/28</a:t>
+              <a:t>2019/8/9</a:t>
             </a:fld>
-            <a:endParaRPr lang="zh-CN" altLang="en-US"/>
+            <a:endParaRPr lang="zh-CN" altLang="en-US" dirty="0"/>
           </a:p>
         </p:txBody>
       </p:sp>
@@ -12904,36 +13070,6 @@
           </a:p>
         </p:txBody>
       </p:sp>
-      <p:pic>
-        <p:nvPicPr>
-          <p:cNvPr id="7" name="图片 6"/>
-          <p:cNvPicPr>
-            <a:picLocks noChangeAspect="1"/>
-          </p:cNvPicPr>
-          <p:nvPr userDrawn="1"/>
-        </p:nvPicPr>
-        <p:blipFill>
-          <a:blip r:embed="rId14">
-            <a:extLst>
-              <a:ext uri="{28A0092B-C50C-407E-A947-70E740481C1C}">
-                <a14:useLocalDpi xmlns:a14="http://schemas.microsoft.com/office/drawing/2010/main" val="0"/>
-              </a:ext>
-            </a:extLst>
-          </a:blip>
-          <a:stretch>
-            <a:fillRect/>
-          </a:stretch>
-        </p:blipFill>
-        <p:spPr>
-          <a:xfrm>
-            <a:off x="5004048" y="188640"/>
-            <a:ext cx="3960439" cy="1157667"/>
-          </a:xfrm>
-          <a:prstGeom prst="rect">
-            <a:avLst/>
-          </a:prstGeom>
-        </p:spPr>
-      </p:pic>
     </p:spTree>
   </p:cSld>
   <p:clrMap bg1="lt1" tx1="dk1" bg2="lt2" tx2="dk2" accent1="accent1" accent2="accent2" accent3="accent3" accent4="accent4" accent5="accent5" accent6="accent6" hlink="hlink" folHlink="folHlink"/>
@@ -12946,7 +13082,6 @@
     <p:sldLayoutId id="2147483668" r:id="rId6"/>
     <p:sldLayoutId id="2147483669" r:id="rId7"/>
     <p:sldLayoutId id="2147483671" r:id="rId8"/>
-    <p:sldLayoutId id="2147483672" r:id="rId9"/>
   </p:sldLayoutIdLst>
   <p:timing>
     <p:tnLst>
@@ -13312,6 +13447,36 @@
           </a:p>
         </p:txBody>
       </p:sp>
+      <p:pic>
+        <p:nvPicPr>
+          <p:cNvPr id="4" name="图片 3"/>
+          <p:cNvPicPr>
+            <a:picLocks noChangeAspect="1"/>
+          </p:cNvPicPr>
+          <p:nvPr/>
+        </p:nvPicPr>
+        <p:blipFill>
+          <a:blip r:embed="rId2">
+            <a:extLst>
+              <a:ext uri="{28A0092B-C50C-407E-A947-70E740481C1C}">
+                <a14:useLocalDpi xmlns:a14="http://schemas.microsoft.com/office/drawing/2010/main" val="0"/>
+              </a:ext>
+            </a:extLst>
+          </a:blip>
+          <a:stretch>
+            <a:fillRect/>
+          </a:stretch>
+        </p:blipFill>
+        <p:spPr>
+          <a:xfrm>
+            <a:off x="5006490" y="188640"/>
+            <a:ext cx="3960439" cy="1157667"/>
+          </a:xfrm>
+          <a:prstGeom prst="rect">
+            <a:avLst/>
+          </a:prstGeom>
+        </p:spPr>
+      </p:pic>
     </p:spTree>
     <p:extLst>
       <p:ext uri="{BB962C8B-B14F-4D97-AF65-F5344CB8AC3E}">
@@ -13694,6 +13859,36 @@
           </a:extLst>
         </p:spPr>
       </p:pic>
+      <p:pic>
+        <p:nvPicPr>
+          <p:cNvPr id="6" name="图片 5"/>
+          <p:cNvPicPr>
+            <a:picLocks noChangeAspect="1"/>
+          </p:cNvPicPr>
+          <p:nvPr/>
+        </p:nvPicPr>
+        <p:blipFill>
+          <a:blip r:embed="rId6">
+            <a:extLst>
+              <a:ext uri="{28A0092B-C50C-407E-A947-70E740481C1C}">
+                <a14:useLocalDpi xmlns:a14="http://schemas.microsoft.com/office/drawing/2010/main" val="0"/>
+              </a:ext>
+            </a:extLst>
+          </a:blip>
+          <a:stretch>
+            <a:fillRect/>
+          </a:stretch>
+        </p:blipFill>
+        <p:spPr>
+          <a:xfrm>
+            <a:off x="5006490" y="188640"/>
+            <a:ext cx="3960439" cy="1157667"/>
+          </a:xfrm>
+          <a:prstGeom prst="rect">
+            <a:avLst/>
+          </a:prstGeom>
+        </p:spPr>
+      </p:pic>
     </p:spTree>
     <p:extLst>
       <p:ext uri="{BB962C8B-B14F-4D97-AF65-F5344CB8AC3E}">
@@ -13901,6 +14096,36 @@
               </a14:hiddenFill>
             </a:ext>
           </a:extLst>
+        </p:spPr>
+      </p:pic>
+      <p:pic>
+        <p:nvPicPr>
+          <p:cNvPr id="6" name="图片 5"/>
+          <p:cNvPicPr>
+            <a:picLocks noChangeAspect="1"/>
+          </p:cNvPicPr>
+          <p:nvPr/>
+        </p:nvPicPr>
+        <p:blipFill>
+          <a:blip r:embed="rId6">
+            <a:extLst>
+              <a:ext uri="{28A0092B-C50C-407E-A947-70E740481C1C}">
+                <a14:useLocalDpi xmlns:a14="http://schemas.microsoft.com/office/drawing/2010/main" val="0"/>
+              </a:ext>
+            </a:extLst>
+          </a:blip>
+          <a:stretch>
+            <a:fillRect/>
+          </a:stretch>
+        </p:blipFill>
+        <p:spPr>
+          <a:xfrm>
+            <a:off x="5006490" y="188640"/>
+            <a:ext cx="3960439" cy="1157667"/>
+          </a:xfrm>
+          <a:prstGeom prst="rect">
+            <a:avLst/>
+          </a:prstGeom>
         </p:spPr>
       </p:pic>
     </p:spTree>
@@ -14112,6 +14337,36 @@
           </a:extLst>
         </p:spPr>
       </p:pic>
+      <p:pic>
+        <p:nvPicPr>
+          <p:cNvPr id="6" name="图片 5"/>
+          <p:cNvPicPr>
+            <a:picLocks noChangeAspect="1"/>
+          </p:cNvPicPr>
+          <p:nvPr/>
+        </p:nvPicPr>
+        <p:blipFill>
+          <a:blip r:embed="rId6">
+            <a:extLst>
+              <a:ext uri="{28A0092B-C50C-407E-A947-70E740481C1C}">
+                <a14:useLocalDpi xmlns:a14="http://schemas.microsoft.com/office/drawing/2010/main" val="0"/>
+              </a:ext>
+            </a:extLst>
+          </a:blip>
+          <a:stretch>
+            <a:fillRect/>
+          </a:stretch>
+        </p:blipFill>
+        <p:spPr>
+          <a:xfrm>
+            <a:off x="5006490" y="188640"/>
+            <a:ext cx="3960439" cy="1157667"/>
+          </a:xfrm>
+          <a:prstGeom prst="rect">
+            <a:avLst/>
+          </a:prstGeom>
+        </p:spPr>
+      </p:pic>
     </p:spTree>
     <p:extLst>
       <p:ext uri="{BB962C8B-B14F-4D97-AF65-F5344CB8AC3E}">
@@ -14157,6 +14412,36 @@
           <a:chExt cx="0" cy="0"/>
         </a:xfrm>
       </p:grpSpPr>
+      <p:pic>
+        <p:nvPicPr>
+          <p:cNvPr id="5" name="图片 4"/>
+          <p:cNvPicPr>
+            <a:picLocks noChangeAspect="1"/>
+          </p:cNvPicPr>
+          <p:nvPr/>
+        </p:nvPicPr>
+        <p:blipFill>
+          <a:blip r:embed="rId2">
+            <a:extLst>
+              <a:ext uri="{28A0092B-C50C-407E-A947-70E740481C1C}">
+                <a14:useLocalDpi xmlns:a14="http://schemas.microsoft.com/office/drawing/2010/main" val="0"/>
+              </a:ext>
+            </a:extLst>
+          </a:blip>
+          <a:stretch>
+            <a:fillRect/>
+          </a:stretch>
+        </p:blipFill>
+        <p:spPr>
+          <a:xfrm>
+            <a:off x="5006490" y="188640"/>
+            <a:ext cx="3960439" cy="1157667"/>
+          </a:xfrm>
+          <a:prstGeom prst="rect">
+            <a:avLst/>
+          </a:prstGeom>
+        </p:spPr>
+      </p:pic>
       <p:sp>
         <p:nvSpPr>
           <p:cNvPr id="2" name="标题 1"/>
@@ -14196,24 +14481,16 @@
           <a:p>
             <a:r>
               <a:rPr lang="zh-CN" altLang="en-US" dirty="0"/>
-              <a:t>名师</a:t>
+              <a:t>名师风采</a:t>
             </a:r>
-            <a:r>
-              <a:rPr lang="zh-CN" altLang="en-US" dirty="0" smtClean="0"/>
-              <a:t>风采</a:t>
-            </a:r>
-            <a:endParaRPr lang="en-US" altLang="zh-CN" dirty="0" smtClean="0"/>
+            <a:endParaRPr lang="en-US" altLang="zh-CN" dirty="0"/>
           </a:p>
           <a:p>
             <a:r>
               <a:rPr lang="zh-CN" altLang="en-US" dirty="0"/>
-              <a:t>面授</a:t>
+              <a:t>面授培训</a:t>
             </a:r>
-            <a:r>
-              <a:rPr lang="zh-CN" altLang="en-US" dirty="0" smtClean="0"/>
-              <a:t>培训</a:t>
-            </a:r>
-            <a:endParaRPr lang="en-US" altLang="zh-CN" dirty="0" smtClean="0"/>
+            <a:endParaRPr lang="en-US" altLang="zh-CN" dirty="0"/>
           </a:p>
           <a:p>
             <a:r>
@@ -14223,36 +14500,6 @@
           </a:p>
         </p:txBody>
       </p:sp>
-      <p:pic>
-        <p:nvPicPr>
-          <p:cNvPr id="4" name="图片 3"/>
-          <p:cNvPicPr>
-            <a:picLocks noChangeAspect="1"/>
-          </p:cNvPicPr>
-          <p:nvPr/>
-        </p:nvPicPr>
-        <p:blipFill>
-          <a:blip r:embed="rId2">
-            <a:extLst>
-              <a:ext uri="{28A0092B-C50C-407E-A947-70E740481C1C}">
-                <a14:useLocalDpi xmlns:a14="http://schemas.microsoft.com/office/drawing/2010/main" val="0"/>
-              </a:ext>
-            </a:extLst>
-          </a:blip>
-          <a:stretch>
-            <a:fillRect/>
-          </a:stretch>
-        </p:blipFill>
-        <p:spPr>
-          <a:xfrm>
-            <a:off x="5004048" y="188640"/>
-            <a:ext cx="3960439" cy="1157667"/>
-          </a:xfrm>
-          <a:prstGeom prst="rect">
-            <a:avLst/>
-          </a:prstGeom>
-        </p:spPr>
-      </p:pic>
     </p:spTree>
     <p:extLst>
       <p:ext uri="{BB962C8B-B14F-4D97-AF65-F5344CB8AC3E}">
@@ -14324,6 +14571,36 @@
           </a:p>
         </p:txBody>
       </p:sp>
+      <p:pic>
+        <p:nvPicPr>
+          <p:cNvPr id="3" name="图片 2"/>
+          <p:cNvPicPr>
+            <a:picLocks noChangeAspect="1"/>
+          </p:cNvPicPr>
+          <p:nvPr/>
+        </p:nvPicPr>
+        <p:blipFill>
+          <a:blip r:embed="rId2">
+            <a:extLst>
+              <a:ext uri="{28A0092B-C50C-407E-A947-70E740481C1C}">
+                <a14:useLocalDpi xmlns:a14="http://schemas.microsoft.com/office/drawing/2010/main" val="0"/>
+              </a:ext>
+            </a:extLst>
+          </a:blip>
+          <a:stretch>
+            <a:fillRect/>
+          </a:stretch>
+        </p:blipFill>
+        <p:spPr>
+          <a:xfrm>
+            <a:off x="5006490" y="188640"/>
+            <a:ext cx="3960439" cy="1157667"/>
+          </a:xfrm>
+          <a:prstGeom prst="rect">
+            <a:avLst/>
+          </a:prstGeom>
+        </p:spPr>
+      </p:pic>
     </p:spTree>
     <p:extLst>
       <p:ext uri="{BB962C8B-B14F-4D97-AF65-F5344CB8AC3E}">
@@ -14535,7 +14812,7 @@
       </p:sp>
       <p:pic>
         <p:nvPicPr>
-          <p:cNvPr id="4" name="图片 3"/>
+          <p:cNvPr id="7" name="图片 6"/>
           <p:cNvPicPr>
             <a:picLocks noChangeAspect="1"/>
           </p:cNvPicPr>
@@ -14555,7 +14832,7 @@
         </p:blipFill>
         <p:spPr>
           <a:xfrm>
-            <a:off x="5004048" y="188640"/>
+            <a:off x="5006490" y="188640"/>
             <a:ext cx="3960439" cy="1157667"/>
           </a:xfrm>
           <a:prstGeom prst="rect">
@@ -14612,6 +14889,36 @@
           <a:chExt cx="0" cy="0"/>
         </a:xfrm>
       </p:grpSpPr>
+      <p:pic>
+        <p:nvPicPr>
+          <p:cNvPr id="4" name="图片 3"/>
+          <p:cNvPicPr>
+            <a:picLocks noChangeAspect="1"/>
+          </p:cNvPicPr>
+          <p:nvPr/>
+        </p:nvPicPr>
+        <p:blipFill>
+          <a:blip r:embed="rId2">
+            <a:extLst>
+              <a:ext uri="{28A0092B-C50C-407E-A947-70E740481C1C}">
+                <a14:useLocalDpi xmlns:a14="http://schemas.microsoft.com/office/drawing/2010/main" val="0"/>
+              </a:ext>
+            </a:extLst>
+          </a:blip>
+          <a:stretch>
+            <a:fillRect/>
+          </a:stretch>
+        </p:blipFill>
+        <p:spPr>
+          <a:xfrm>
+            <a:off x="5006490" y="188640"/>
+            <a:ext cx="3960439" cy="1157667"/>
+          </a:xfrm>
+          <a:prstGeom prst="rect">
+            <a:avLst/>
+          </a:prstGeom>
+        </p:spPr>
+      </p:pic>
       <p:sp>
         <p:nvSpPr>
           <p:cNvPr id="2" name="标题 1"/>
@@ -14657,18 +14964,18 @@
           <a:p>
             <a:pPr algn="ctr" fontAlgn="ctr"/>
             <a:r>
-              <a:rPr lang="zh-CN" altLang="en-US" dirty="0" smtClean="0">
-                <a:hlinkClick r:id="rId2" action="ppaction://hlinksldjump"/>
+              <a:rPr lang="zh-CN" altLang="en-US" dirty="0">
+                <a:hlinkClick r:id="rId3" action="ppaction://hlinksldjump"/>
               </a:rPr>
               <a:t>一、协会概况</a:t>
             </a:r>
-            <a:endParaRPr lang="en-US" altLang="zh-CN" dirty="0" smtClean="0"/>
+            <a:endParaRPr lang="en-US" altLang="zh-CN" dirty="0"/>
           </a:p>
           <a:p>
             <a:pPr algn="ctr" fontAlgn="ctr"/>
             <a:r>
               <a:rPr lang="zh-CN" altLang="en-US" dirty="0" smtClean="0">
-                <a:hlinkClick r:id="rId3" action="ppaction://hlinksldjump"/>
+                <a:hlinkClick r:id="rId4" action="ppaction://hlinksldjump"/>
               </a:rPr>
               <a:t>二、协会服务</a:t>
             </a:r>
@@ -14678,7 +14985,7 @@
             <a:pPr algn="ctr" fontAlgn="ctr"/>
             <a:r>
               <a:rPr lang="zh-CN" altLang="en-US" dirty="0" smtClean="0">
-                <a:hlinkClick r:id="rId4" action="ppaction://hlinksldjump"/>
+                <a:hlinkClick r:id="rId5" action="ppaction://hlinksldjump"/>
               </a:rPr>
               <a:t>三、教育培训</a:t>
             </a:r>
@@ -14688,7 +14995,7 @@
             <a:pPr algn="ctr" fontAlgn="ctr"/>
             <a:r>
               <a:rPr lang="zh-CN" altLang="en-US" dirty="0" smtClean="0">
-                <a:hlinkClick r:id="rId5" action="ppaction://hlinksldjump"/>
+                <a:hlinkClick r:id="rId6" action="ppaction://hlinksldjump"/>
               </a:rPr>
               <a:t>四、党建统战</a:t>
             </a:r>
@@ -14698,7 +15005,7 @@
             <a:pPr algn="ctr" fontAlgn="ctr"/>
             <a:r>
               <a:rPr lang="zh-CN" altLang="en-US" dirty="0" smtClean="0">
-                <a:hlinkClick r:id="rId6" action="ppaction://hlinksldjump"/>
+                <a:hlinkClick r:id="rId7" action="ppaction://hlinksldjump"/>
               </a:rPr>
               <a:t>五、联系我们</a:t>
             </a:r>
@@ -14706,36 +15013,6 @@
           </a:p>
         </p:txBody>
       </p:sp>
-      <p:pic>
-        <p:nvPicPr>
-          <p:cNvPr id="4" name="图片 3"/>
-          <p:cNvPicPr>
-            <a:picLocks noChangeAspect="1"/>
-          </p:cNvPicPr>
-          <p:nvPr/>
-        </p:nvPicPr>
-        <p:blipFill>
-          <a:blip r:embed="rId7">
-            <a:extLst>
-              <a:ext uri="{28A0092B-C50C-407E-A947-70E740481C1C}">
-                <a14:useLocalDpi xmlns:a14="http://schemas.microsoft.com/office/drawing/2010/main" val="0"/>
-              </a:ext>
-            </a:extLst>
-          </a:blip>
-          <a:stretch>
-            <a:fillRect/>
-          </a:stretch>
-        </p:blipFill>
-        <p:spPr>
-          <a:xfrm>
-            <a:off x="5006490" y="188640"/>
-            <a:ext cx="3960439" cy="1157667"/>
-          </a:xfrm>
-          <a:prstGeom prst="rect">
-            <a:avLst/>
-          </a:prstGeom>
-        </p:spPr>
-      </p:pic>
     </p:spTree>
     <p:extLst>
       <p:ext uri="{BB962C8B-B14F-4D97-AF65-F5344CB8AC3E}">
@@ -14831,8 +15108,12 @@
           <a:p>
             <a:pPr lvl="1"/>
             <a:r>
+              <a:rPr lang="zh-CN" altLang="en-US" dirty="0" smtClean="0"/>
+              <a:t>协会</a:t>
+            </a:r>
+            <a:r>
               <a:rPr lang="zh-CN" altLang="en-US" dirty="0"/>
-              <a:t>协会基本情况</a:t>
+              <a:t>基本情况</a:t>
             </a:r>
             <a:endParaRPr lang="en-US" altLang="zh-CN" dirty="0"/>
           </a:p>
@@ -14870,6 +15151,36 @@
           </a:p>
         </p:txBody>
       </p:sp>
+      <p:pic>
+        <p:nvPicPr>
+          <p:cNvPr id="4" name="图片 3"/>
+          <p:cNvPicPr>
+            <a:picLocks noChangeAspect="1"/>
+          </p:cNvPicPr>
+          <p:nvPr/>
+        </p:nvPicPr>
+        <p:blipFill>
+          <a:blip r:embed="rId2">
+            <a:extLst>
+              <a:ext uri="{28A0092B-C50C-407E-A947-70E740481C1C}">
+                <a14:useLocalDpi xmlns:a14="http://schemas.microsoft.com/office/drawing/2010/main" val="0"/>
+              </a:ext>
+            </a:extLst>
+          </a:blip>
+          <a:stretch>
+            <a:fillRect/>
+          </a:stretch>
+        </p:blipFill>
+        <p:spPr>
+          <a:xfrm>
+            <a:off x="5006490" y="188640"/>
+            <a:ext cx="3960439" cy="1157667"/>
+          </a:xfrm>
+          <a:prstGeom prst="rect">
+            <a:avLst/>
+          </a:prstGeom>
+        </p:spPr>
+      </p:pic>
     </p:spTree>
     <p:extLst>
       <p:ext uri="{BB962C8B-B14F-4D97-AF65-F5344CB8AC3E}">
@@ -14943,102 +15254,139 @@
         <p:spPr/>
         <p:txBody>
           <a:bodyPr>
-            <a:normAutofit fontScale="92500" lnSpcReduction="20000"/>
+            <a:normAutofit fontScale="32500" lnSpcReduction="20000"/>
           </a:bodyPr>
           <a:lstStyle/>
           <a:p>
+            <a:pPr>
+              <a:lnSpc>
+                <a:spcPct val="120000"/>
+              </a:lnSpc>
+            </a:pPr>
             <a:r>
-              <a:rPr lang="zh-CN" altLang="en-US" dirty="0"/>
+              <a:rPr lang="zh-CN" altLang="en-US" sz="4400" dirty="0"/>
               <a:t>中国注册税务师协会（前身为中国税务咨询协会），成立于</a:t>
             </a:r>
             <a:r>
-              <a:rPr lang="en-US" altLang="zh-CN" dirty="0"/>
+              <a:rPr lang="en-US" altLang="zh-CN" sz="4400" dirty="0"/>
               <a:t>1995</a:t>
             </a:r>
             <a:r>
-              <a:rPr lang="zh-CN" altLang="en-US" dirty="0"/>
+              <a:rPr lang="zh-CN" altLang="en-US" sz="4400" dirty="0"/>
               <a:t>年</a:t>
             </a:r>
             <a:r>
-              <a:rPr lang="en-US" altLang="zh-CN" dirty="0"/>
+              <a:rPr lang="en-US" altLang="zh-CN" sz="4400" dirty="0"/>
               <a:t>2</a:t>
             </a:r>
             <a:r>
-              <a:rPr lang="zh-CN" altLang="en-US" dirty="0"/>
+              <a:rPr lang="zh-CN" altLang="en-US" sz="4400" dirty="0"/>
               <a:t>月</a:t>
             </a:r>
             <a:r>
-              <a:rPr lang="en-US" altLang="zh-CN" dirty="0"/>
+              <a:rPr lang="en-US" altLang="zh-CN" sz="4400" dirty="0"/>
               <a:t>28</a:t>
             </a:r>
             <a:r>
-              <a:rPr lang="zh-CN" altLang="en-US" dirty="0"/>
+              <a:rPr lang="zh-CN" altLang="en-US" sz="4400" dirty="0"/>
               <a:t>日，是经中华人民共和国民政部批准的全国一级社团组织，是由中国注册税务师和税务师事务所组成的行业民间自律管理组织，受民政部和国家税务总局的业务指导和监督管理。英文缩写为</a:t>
             </a:r>
             <a:r>
-              <a:rPr lang="en-US" altLang="zh-CN" dirty="0"/>
+              <a:rPr lang="en-US" altLang="zh-CN" sz="4400" dirty="0"/>
               <a:t>CCTAA</a:t>
             </a:r>
             <a:r>
-              <a:rPr lang="zh-CN" altLang="en-US" dirty="0"/>
+              <a:rPr lang="zh-CN" altLang="en-US" sz="4400" dirty="0"/>
               <a:t>。协会与多个国际同行业组织建立了友好合作关系，并于</a:t>
             </a:r>
             <a:r>
-              <a:rPr lang="en-US" altLang="zh-CN" dirty="0"/>
+              <a:rPr lang="en-US" altLang="zh-CN" sz="4400" dirty="0"/>
               <a:t>2004</a:t>
             </a:r>
             <a:r>
-              <a:rPr lang="zh-CN" altLang="en-US" dirty="0"/>
+              <a:rPr lang="zh-CN" altLang="en-US" sz="4400" dirty="0"/>
               <a:t>年</a:t>
             </a:r>
             <a:r>
-              <a:rPr lang="en-US" altLang="zh-CN" dirty="0"/>
+              <a:rPr lang="en-US" altLang="zh-CN" sz="4400" dirty="0"/>
               <a:t>11</a:t>
             </a:r>
             <a:r>
-              <a:rPr lang="zh-CN" altLang="en-US" dirty="0"/>
+              <a:rPr lang="zh-CN" altLang="en-US" sz="4400" dirty="0"/>
               <a:t>月加入亚洲一大洋洲税务师协会（</a:t>
             </a:r>
             <a:r>
-              <a:rPr lang="en-US" altLang="zh-CN" dirty="0"/>
+              <a:rPr lang="en-US" altLang="zh-CN" sz="4400" dirty="0"/>
               <a:t>AOTCA</a:t>
             </a:r>
             <a:r>
-              <a:rPr lang="zh-CN" altLang="en-US" dirty="0"/>
-              <a:t>），成为其正式会员</a:t>
+              <a:rPr lang="zh-CN" altLang="en-US" sz="4400" dirty="0"/>
+              <a:t>），成为其正式会员。</a:t>
             </a:r>
-            <a:r>
-              <a:rPr lang="zh-CN" altLang="en-US" dirty="0" smtClean="0"/>
-              <a:t>。</a:t>
-            </a:r>
-            <a:endParaRPr lang="en-US" altLang="zh-CN" dirty="0" smtClean="0"/>
+            <a:endParaRPr lang="en-US" altLang="zh-CN" sz="4400" dirty="0"/>
           </a:p>
           <a:p>
+            <a:pPr>
+              <a:lnSpc>
+                <a:spcPct val="120000"/>
+              </a:lnSpc>
+            </a:pPr>
             <a:r>
-              <a:rPr lang="zh-CN" altLang="en-US" dirty="0" smtClean="0"/>
+              <a:rPr lang="zh-CN" altLang="en-US" sz="4400" dirty="0"/>
               <a:t>协会宗旨</a:t>
             </a:r>
-            <a:endParaRPr lang="en-US" altLang="zh-CN" dirty="0"/>
+            <a:endParaRPr lang="en-US" altLang="zh-CN" sz="4400" dirty="0"/>
           </a:p>
           <a:p>
-            <a:pPr lvl="1"/>
+            <a:pPr lvl="1">
+              <a:lnSpc>
+                <a:spcPct val="120000"/>
+              </a:lnSpc>
+              <a:buClr>
+                <a:schemeClr val="accent3">
+                  <a:lumMod val="75000"/>
+                </a:schemeClr>
+              </a:buClr>
+            </a:pPr>
             <a:r>
-              <a:rPr lang="zh-CN" altLang="en-US" dirty="0"/>
+              <a:rPr lang="zh-CN" altLang="en-US" sz="5000" dirty="0"/>
               <a:t>遵守国家法律法规和政策，团结、教育和引导注册税务师及其执业人员，以经济建设为中心，促进社会主义市场经济的发展，维护税收法律法规及规章制度的严肃性，做到正确实施，遵守职业道德，认真履行义务，维护国家利益和会员及被代理人的合法权益，加强会员的联系与合作，协调税务师事务所及其执业人员与委托代理人之间的关系，在政府及有关部门与会员之间起到桥梁和纽带作用，实施注册税务师行业自律管理，促进行业健康发展，为改革开放和繁荣社会主义市场经济服务。</a:t>
             </a:r>
-            <a:endParaRPr lang="en-US" altLang="zh-CN" dirty="0" smtClean="0"/>
+            <a:endParaRPr lang="en-US" altLang="zh-CN" sz="5000" dirty="0"/>
           </a:p>
           <a:p>
+            <a:pPr marL="0" lvl="1">
+              <a:lnSpc>
+                <a:spcPct val="120000"/>
+              </a:lnSpc>
+              <a:spcBef>
+                <a:spcPts val="1000"/>
+              </a:spcBef>
+              <a:buClr>
+                <a:schemeClr val="accent3">
+                  <a:lumMod val="75000"/>
+                </a:schemeClr>
+              </a:buClr>
+            </a:pPr>
             <a:r>
-              <a:rPr lang="zh-CN" altLang="en-US" dirty="0" smtClean="0"/>
+              <a:rPr lang="zh-CN" altLang="en-US" sz="4500" dirty="0"/>
               <a:t>协会主要职能</a:t>
             </a:r>
-            <a:endParaRPr lang="en-US" altLang="zh-CN" dirty="0" smtClean="0"/>
+            <a:endParaRPr lang="en-US" altLang="zh-CN" sz="4500" dirty="0"/>
           </a:p>
           <a:p>
-            <a:pPr lvl="1"/>
+            <a:pPr lvl="1">
+              <a:lnSpc>
+                <a:spcPct val="120000"/>
+              </a:lnSpc>
+              <a:buClr>
+                <a:schemeClr val="accent3">
+                  <a:lumMod val="75000"/>
+                </a:schemeClr>
+              </a:buClr>
+            </a:pPr>
             <a:r>
-              <a:rPr lang="zh-CN" altLang="en-US" dirty="0"/>
+              <a:rPr lang="zh-CN" altLang="en-US" sz="4900" dirty="0"/>
               <a:t>“服务、监督、管理、协调”是中国注册税务师协会的主要职能。</a:t>
             </a:r>
           </a:p>
@@ -15046,7 +15394,7 @@
       </p:sp>
       <p:pic>
         <p:nvPicPr>
-          <p:cNvPr id="4" name="图片 3"/>
+          <p:cNvPr id="5" name="图片 4"/>
           <p:cNvPicPr>
             <a:picLocks noChangeAspect="1"/>
           </p:cNvPicPr>
@@ -15066,7 +15414,7 @@
         </p:blipFill>
         <p:spPr>
           <a:xfrm>
-            <a:off x="5004048" y="188640"/>
+            <a:off x="5006490" y="188640"/>
             <a:ext cx="3960439" cy="1157667"/>
           </a:xfrm>
           <a:prstGeom prst="rect">
@@ -15163,6 +15511,11 @@
           </a:bodyPr>
           <a:lstStyle/>
           <a:p>
+            <a:pPr>
+              <a:lnSpc>
+                <a:spcPct val="100000"/>
+              </a:lnSpc>
+            </a:pPr>
             <a:r>
               <a:rPr lang="zh-CN" altLang="en-US" dirty="0"/>
               <a:t>至</a:t>
@@ -15205,15 +15558,16 @@
             </a:r>
             <a:r>
               <a:rPr lang="zh-CN" altLang="en-US" dirty="0"/>
-              <a:t>多亿元</a:t>
+              <a:t>多亿元。</a:t>
             </a:r>
-            <a:r>
-              <a:rPr lang="zh-CN" altLang="en-US" dirty="0" smtClean="0"/>
-              <a:t>。</a:t>
-            </a:r>
-            <a:endParaRPr lang="en-US" altLang="zh-CN" dirty="0" smtClean="0"/>
+            <a:endParaRPr lang="en-US" altLang="zh-CN" dirty="0"/>
           </a:p>
           <a:p>
+            <a:pPr>
+              <a:lnSpc>
+                <a:spcPct val="100000"/>
+              </a:lnSpc>
+            </a:pPr>
             <a:r>
               <a:rPr lang="zh-CN" altLang="en-US" dirty="0"/>
               <a:t>行业初创：起步于</a:t>
@@ -15232,15 +15586,16 @@
             </a:r>
             <a:r>
               <a:rPr lang="zh-CN" altLang="en-US" dirty="0"/>
-              <a:t>年代</a:t>
+              <a:t>年代中期</a:t>
             </a:r>
-            <a:r>
-              <a:rPr lang="zh-CN" altLang="en-US" dirty="0" smtClean="0"/>
-              <a:t>中期</a:t>
-            </a:r>
-            <a:endParaRPr lang="en-US" altLang="zh-CN" dirty="0" smtClean="0"/>
+            <a:endParaRPr lang="en-US" altLang="zh-CN" dirty="0"/>
           </a:p>
           <a:p>
+            <a:pPr>
+              <a:lnSpc>
+                <a:spcPct val="100000"/>
+              </a:lnSpc>
+            </a:pPr>
             <a:r>
               <a:rPr lang="zh-CN" altLang="en-US" dirty="0"/>
               <a:t>脱钩改制：</a:t>
@@ -15250,12 +15605,17 @@
               <a:t>1999~2000</a:t>
             </a:r>
             <a:r>
-              <a:rPr lang="zh-CN" altLang="en-US" dirty="0" smtClean="0"/>
+              <a:rPr lang="zh-CN" altLang="en-US" dirty="0"/>
               <a:t>年底</a:t>
             </a:r>
-            <a:endParaRPr lang="en-US" altLang="zh-CN" dirty="0" smtClean="0"/>
+            <a:endParaRPr lang="en-US" altLang="zh-CN" dirty="0"/>
           </a:p>
           <a:p>
+            <a:pPr>
+              <a:lnSpc>
+                <a:spcPct val="100000"/>
+              </a:lnSpc>
+            </a:pPr>
             <a:r>
               <a:rPr lang="zh-CN" altLang="en-US" dirty="0"/>
               <a:t>规范发展：</a:t>
@@ -15297,7 +15657,7 @@
       </p:sp>
       <p:pic>
         <p:nvPicPr>
-          <p:cNvPr id="4" name="图片 3"/>
+          <p:cNvPr id="5" name="图片 4"/>
           <p:cNvPicPr>
             <a:picLocks noChangeAspect="1"/>
           </p:cNvPicPr>
@@ -15317,7 +15677,7 @@
         </p:blipFill>
         <p:spPr>
           <a:xfrm>
-            <a:off x="5004048" y="188640"/>
+            <a:off x="5006490" y="188640"/>
             <a:ext cx="3960439" cy="1157667"/>
           </a:xfrm>
           <a:prstGeom prst="rect">
@@ -15376,6 +15736,149 @@
       </p:grpSpPr>
       <p:sp>
         <p:nvSpPr>
+          <p:cNvPr id="3" name="内容占位符 2"/>
+          <p:cNvSpPr>
+            <a:spLocks noGrp="1"/>
+          </p:cNvSpPr>
+          <p:nvPr>
+            <p:ph idx="1"/>
+          </p:nvPr>
+        </p:nvSpPr>
+        <p:spPr/>
+        <p:txBody>
+          <a:bodyPr>
+            <a:normAutofit fontScale="85000" lnSpcReduction="10000"/>
+          </a:bodyPr>
+          <a:lstStyle/>
+          <a:p>
+            <a:pPr>
+              <a:lnSpc>
+                <a:spcPct val="110000"/>
+              </a:lnSpc>
+            </a:pPr>
+            <a:r>
+              <a:rPr lang="en-US" altLang="zh-CN" sz="2800" dirty="0"/>
+              <a:t>2014</a:t>
+            </a:r>
+            <a:r>
+              <a:rPr lang="zh-CN" altLang="en-US" sz="2800" dirty="0"/>
+              <a:t>年，制定</a:t>
+            </a:r>
+            <a:r>
+              <a:rPr lang="en-US" altLang="zh-CN" sz="2800" dirty="0"/>
+              <a:t>《</a:t>
+            </a:r>
+            <a:r>
+              <a:rPr lang="zh-CN" altLang="en-US" sz="2800" dirty="0"/>
+              <a:t>中国注册税务师行业发展规划（</a:t>
+            </a:r>
+            <a:r>
+              <a:rPr lang="en-US" altLang="zh-CN" sz="2800" dirty="0"/>
+              <a:t>2014</a:t>
+            </a:r>
+            <a:r>
+              <a:rPr lang="zh-CN" altLang="en-US" sz="2800" dirty="0"/>
+              <a:t>年</a:t>
+            </a:r>
+            <a:r>
+              <a:rPr lang="en-US" altLang="zh-CN" sz="2800" dirty="0"/>
+              <a:t>——2017</a:t>
+            </a:r>
+            <a:r>
+              <a:rPr lang="zh-CN" altLang="en-US" sz="2800" dirty="0"/>
+              <a:t>年）</a:t>
+            </a:r>
+            <a:r>
+              <a:rPr lang="en-US" altLang="zh-CN" sz="2800" dirty="0"/>
+              <a:t>》</a:t>
+            </a:r>
+            <a:r>
+              <a:rPr lang="zh-CN" altLang="en-US" sz="2800" dirty="0"/>
+              <a:t>。明确行业发展战略、发展目标。</a:t>
+            </a:r>
+            <a:endParaRPr lang="en-US" altLang="zh-CN" sz="2800" dirty="0"/>
+          </a:p>
+          <a:p>
+            <a:pPr>
+              <a:lnSpc>
+                <a:spcPct val="110000"/>
+              </a:lnSpc>
+            </a:pPr>
+            <a:r>
+              <a:rPr lang="zh-CN" altLang="en-US" sz="2800" dirty="0"/>
+              <a:t>发展战略</a:t>
+            </a:r>
+            <a:endParaRPr lang="en-US" altLang="zh-CN" sz="2800" dirty="0"/>
+          </a:p>
+          <a:p>
+            <a:pPr lvl="1">
+              <a:lnSpc>
+                <a:spcPct val="110000"/>
+              </a:lnSpc>
+              <a:buClr>
+                <a:schemeClr val="accent3">
+                  <a:lumMod val="75000"/>
+                </a:schemeClr>
+              </a:buClr>
+            </a:pPr>
+            <a:r>
+              <a:rPr lang="zh-CN" altLang="en-US" sz="2400" dirty="0"/>
+              <a:t>“专业化发展战略”、“规范化发展战略”、“国际化发展战略”、“信息化发展战略”。</a:t>
+            </a:r>
+            <a:endParaRPr lang="en-US" altLang="zh-CN" sz="2400" dirty="0"/>
+          </a:p>
+          <a:p>
+            <a:pPr>
+              <a:lnSpc>
+                <a:spcPct val="110000"/>
+              </a:lnSpc>
+            </a:pPr>
+            <a:r>
+              <a:rPr lang="zh-CN" altLang="en-US" sz="2800" dirty="0"/>
+              <a:t>发展目标</a:t>
+            </a:r>
+            <a:endParaRPr lang="en-US" altLang="zh-CN" sz="2800" dirty="0"/>
+          </a:p>
+          <a:p>
+            <a:pPr lvl="1">
+              <a:lnSpc>
+                <a:spcPct val="110000"/>
+              </a:lnSpc>
+            </a:pPr>
+            <a:r>
+              <a:rPr lang="zh-CN" altLang="en-US" sz="2400" dirty="0"/>
+              <a:t>“把注册税务师行业建设成为具有国际先进水平和中国特色的现代化中介行业。”</a:t>
+            </a:r>
+            <a:endParaRPr lang="en-US" altLang="zh-CN" sz="2400" dirty="0"/>
+          </a:p>
+          <a:p>
+            <a:pPr>
+              <a:lnSpc>
+                <a:spcPct val="110000"/>
+              </a:lnSpc>
+            </a:pPr>
+            <a:r>
+              <a:rPr lang="zh-CN" altLang="en-US" sz="2800" dirty="0"/>
+              <a:t>核心价值观</a:t>
+            </a:r>
+            <a:endParaRPr lang="en-US" altLang="zh-CN" sz="2800" dirty="0"/>
+          </a:p>
+          <a:p>
+            <a:pPr lvl="1">
+              <a:lnSpc>
+                <a:spcPct val="110000"/>
+              </a:lnSpc>
+            </a:pPr>
+            <a:r>
+              <a:rPr lang="zh-CN" altLang="en-US" sz="2400" dirty="0"/>
+              <a:t>“诚信、公正、敬业、创新”积极倡导诚信服务、公正独立、爱岗敬业、开拓创新；坚决反对弄虚作假、徇私枉法、消极懒散、因循守旧。</a:t>
+            </a:r>
+            <a:endParaRPr lang="en-US" altLang="zh-CN" sz="2400" dirty="0"/>
+          </a:p>
+        </p:txBody>
+      </p:sp>
+      <p:sp>
+        <p:nvSpPr>
           <p:cNvPr id="2" name="标题 1"/>
           <p:cNvSpPr>
             <a:spLocks noGrp="1"/>
@@ -15396,153 +15899,9 @@
           </a:p>
         </p:txBody>
       </p:sp>
-      <p:sp>
-        <p:nvSpPr>
-          <p:cNvPr id="3" name="内容占位符 2"/>
-          <p:cNvSpPr>
-            <a:spLocks noGrp="1"/>
-          </p:cNvSpPr>
-          <p:nvPr>
-            <p:ph idx="1"/>
-          </p:nvPr>
-        </p:nvSpPr>
-        <p:spPr/>
-        <p:txBody>
-          <a:bodyPr>
-            <a:normAutofit/>
-          </a:bodyPr>
-          <a:lstStyle/>
-          <a:p>
-            <a:r>
-              <a:rPr lang="en-US" altLang="zh-CN" dirty="0"/>
-              <a:t>2014</a:t>
-            </a:r>
-            <a:r>
-              <a:rPr lang="zh-CN" altLang="en-US" dirty="0"/>
-              <a:t>年，制定</a:t>
-            </a:r>
-            <a:r>
-              <a:rPr lang="en-US" altLang="zh-CN" dirty="0"/>
-              <a:t>《</a:t>
-            </a:r>
-            <a:r>
-              <a:rPr lang="zh-CN" altLang="en-US" dirty="0"/>
-              <a:t>中国注册税务师行业发展规划（</a:t>
-            </a:r>
-            <a:r>
-              <a:rPr lang="en-US" altLang="zh-CN" dirty="0"/>
-              <a:t>2014</a:t>
-            </a:r>
-            <a:r>
-              <a:rPr lang="zh-CN" altLang="en-US" dirty="0"/>
-              <a:t>年</a:t>
-            </a:r>
-            <a:r>
-              <a:rPr lang="en-US" altLang="zh-CN" dirty="0"/>
-              <a:t>——2017</a:t>
-            </a:r>
-            <a:r>
-              <a:rPr lang="zh-CN" altLang="en-US" dirty="0"/>
-              <a:t>年）</a:t>
-            </a:r>
-            <a:r>
-              <a:rPr lang="en-US" altLang="zh-CN" dirty="0"/>
-              <a:t>》</a:t>
-            </a:r>
-            <a:r>
-              <a:rPr lang="zh-CN" altLang="en-US" dirty="0"/>
-              <a:t>。明确行业发展战略、发展目标</a:t>
-            </a:r>
-            <a:r>
-              <a:rPr lang="zh-CN" altLang="en-US" dirty="0" smtClean="0"/>
-              <a:t>。</a:t>
-            </a:r>
-            <a:endParaRPr lang="en-US" altLang="zh-CN" dirty="0" smtClean="0"/>
-          </a:p>
-          <a:p>
-            <a:r>
-              <a:rPr lang="zh-CN" altLang="en-US" dirty="0"/>
-              <a:t>发展</a:t>
-            </a:r>
-            <a:r>
-              <a:rPr lang="zh-CN" altLang="en-US" dirty="0" smtClean="0"/>
-              <a:t>战略</a:t>
-            </a:r>
-            <a:endParaRPr lang="en-US" altLang="zh-CN" dirty="0" smtClean="0"/>
-          </a:p>
-          <a:p>
-            <a:pPr lvl="1"/>
-            <a:r>
-              <a:rPr lang="zh-CN" altLang="en-US" dirty="0"/>
-              <a:t>“专业化发展战略”、“规范化发展战略”、“国际化发展战略”、“信息化发展战略”</a:t>
-            </a:r>
-            <a:r>
-              <a:rPr lang="zh-CN" altLang="en-US" dirty="0" smtClean="0"/>
-              <a:t>。</a:t>
-            </a:r>
-            <a:endParaRPr lang="en-US" altLang="zh-CN" dirty="0" smtClean="0"/>
-          </a:p>
-          <a:p>
-            <a:r>
-              <a:rPr lang="zh-CN" altLang="en-US" dirty="0"/>
-              <a:t>发展</a:t>
-            </a:r>
-            <a:r>
-              <a:rPr lang="zh-CN" altLang="en-US" dirty="0" smtClean="0"/>
-              <a:t>目标</a:t>
-            </a:r>
-            <a:endParaRPr lang="en-US" altLang="zh-CN" dirty="0" smtClean="0"/>
-          </a:p>
-          <a:p>
-            <a:pPr lvl="1"/>
-            <a:r>
-              <a:rPr lang="zh-CN" altLang="en-US" dirty="0"/>
-              <a:t>“把注册税务师行业建设成为具有国际先进水平和中国特色的现代化中介行业。</a:t>
-            </a:r>
-            <a:r>
-              <a:rPr lang="zh-CN" altLang="en-US" dirty="0" smtClean="0"/>
-              <a:t>”</a:t>
-            </a:r>
-            <a:endParaRPr lang="en-US" altLang="zh-CN" dirty="0" smtClean="0"/>
-          </a:p>
-          <a:p>
-            <a:r>
-              <a:rPr lang="zh-CN" altLang="en-US" dirty="0"/>
-              <a:t>核心</a:t>
-            </a:r>
-            <a:r>
-              <a:rPr lang="zh-CN" altLang="en-US" dirty="0" smtClean="0"/>
-              <a:t>价值观</a:t>
-            </a:r>
-            <a:endParaRPr lang="en-US" altLang="zh-CN" dirty="0" smtClean="0"/>
-          </a:p>
-          <a:p>
-            <a:pPr lvl="1"/>
-            <a:r>
-              <a:rPr lang="zh-CN" altLang="en-US" dirty="0"/>
-              <a:t>“诚信、公正、敬业、创新”</a:t>
-            </a:r>
-          </a:p>
-          <a:p>
-            <a:pPr lvl="1"/>
-            <a:r>
-              <a:rPr lang="zh-CN" altLang="en-US" dirty="0"/>
-              <a:t>积极倡导诚信服务、公正独立、爱岗敬业、开拓创新；</a:t>
-            </a:r>
-          </a:p>
-          <a:p>
-            <a:pPr lvl="1"/>
-            <a:r>
-              <a:rPr lang="zh-CN" altLang="en-US" dirty="0"/>
-              <a:t>坚决反对弄虚作假、徇私枉法、消极懒散、因循守旧。</a:t>
-            </a:r>
-            <a:endParaRPr lang="en-US" altLang="zh-CN" dirty="0" smtClean="0"/>
-          </a:p>
-        </p:txBody>
-      </p:sp>
       <p:pic>
         <p:nvPicPr>
-          <p:cNvPr id="4" name="图片 3"/>
+          <p:cNvPr id="5" name="图片 4"/>
           <p:cNvPicPr>
             <a:picLocks noChangeAspect="1"/>
           </p:cNvPicPr>
@@ -15562,7 +15921,7 @@
         </p:blipFill>
         <p:spPr>
           <a:xfrm>
-            <a:off x="5004048" y="188640"/>
+            <a:off x="5006490" y="188640"/>
             <a:ext cx="3960439" cy="1157667"/>
           </a:xfrm>
           <a:prstGeom prst="rect">
@@ -15619,36 +15978,6 @@
           <a:chExt cx="0" cy="0"/>
         </a:xfrm>
       </p:grpSpPr>
-      <p:pic>
-        <p:nvPicPr>
-          <p:cNvPr id="4" name="图片 3"/>
-          <p:cNvPicPr>
-            <a:picLocks noChangeAspect="1"/>
-          </p:cNvPicPr>
-          <p:nvPr/>
-        </p:nvPicPr>
-        <p:blipFill>
-          <a:blip r:embed="rId3">
-            <a:extLst>
-              <a:ext uri="{28A0092B-C50C-407E-A947-70E740481C1C}">
-                <a14:useLocalDpi xmlns:a14="http://schemas.microsoft.com/office/drawing/2010/main" val="0"/>
-              </a:ext>
-            </a:extLst>
-          </a:blip>
-          <a:stretch>
-            <a:fillRect/>
-          </a:stretch>
-        </p:blipFill>
-        <p:spPr>
-          <a:xfrm>
-            <a:off x="5004048" y="188640"/>
-            <a:ext cx="3960439" cy="1157667"/>
-          </a:xfrm>
-          <a:prstGeom prst="rect">
-            <a:avLst/>
-          </a:prstGeom>
-        </p:spPr>
-      </p:pic>
       <p:graphicFrame>
         <p:nvGraphicFramePr>
           <p:cNvPr id="6" name="对象 5"/>
@@ -15671,12 +16000,12 @@
           <a:graphicData uri="http://schemas.openxmlformats.org/presentationml/2006/ole">
             <mc:AlternateContent xmlns:mc="http://schemas.openxmlformats.org/markup-compatibility/2006">
               <mc:Choice xmlns:v="urn:schemas-microsoft-com:vml" Requires="v">
-                <p:oleObj spid="_x0000_s1048" name="文档" r:id="rId4" imgW="5271564" imgH="8741474" progId="Word.Document.12">
+                <p:oleObj spid="_x0000_s1059" name="文档" r:id="rId3" imgW="5271564" imgH="8741474" progId="Word.Document.12">
                   <p:link updateAutomatic="1"/>
                 </p:oleObj>
               </mc:Choice>
               <mc:Fallback>
-                <p:oleObj name="文档" r:id="rId4" imgW="5271564" imgH="8741474" progId="Word.Document.12">
+                <p:oleObj name="文档" r:id="rId3" imgW="5271564" imgH="8741474" progId="Word.Document.12">
                   <p:link updateAutomatic="1"/>
                   <p:pic>
                     <p:nvPicPr>
@@ -15685,7 +16014,7 @@
                       <p:nvPr/>
                     </p:nvPicPr>
                     <p:blipFill>
-                      <a:blip r:embed="rId5"/>
+                      <a:blip r:embed="rId4"/>
                       <a:stretch>
                         <a:fillRect/>
                       </a:stretch>
@@ -15706,6 +16035,36 @@
           </a:graphicData>
         </a:graphic>
       </p:graphicFrame>
+      <p:pic>
+        <p:nvPicPr>
+          <p:cNvPr id="5" name="图片 4"/>
+          <p:cNvPicPr>
+            <a:picLocks noChangeAspect="1"/>
+          </p:cNvPicPr>
+          <p:nvPr/>
+        </p:nvPicPr>
+        <p:blipFill>
+          <a:blip r:embed="rId5">
+            <a:extLst>
+              <a:ext uri="{28A0092B-C50C-407E-A947-70E740481C1C}">
+                <a14:useLocalDpi xmlns:a14="http://schemas.microsoft.com/office/drawing/2010/main" val="0"/>
+              </a:ext>
+            </a:extLst>
+          </a:blip>
+          <a:stretch>
+            <a:fillRect/>
+          </a:stretch>
+        </p:blipFill>
+        <p:spPr>
+          <a:xfrm>
+            <a:off x="5006490" y="188640"/>
+            <a:ext cx="3960439" cy="1157667"/>
+          </a:xfrm>
+          <a:prstGeom prst="rect">
+            <a:avLst/>
+          </a:prstGeom>
+        </p:spPr>
+      </p:pic>
     </p:spTree>
     <p:extLst>
       <p:ext uri="{BB962C8B-B14F-4D97-AF65-F5344CB8AC3E}">
@@ -15774,7 +16133,6 @@
               <a:rPr lang="zh-CN" altLang="en-US" dirty="0"/>
               <a:t>组织结构</a:t>
             </a:r>
-            <a:endParaRPr lang="zh-CN" altLang="en-US" dirty="0"/>
           </a:p>
         </p:txBody>
       </p:sp>
@@ -15805,7 +16163,7 @@
       </p:graphicFrame>
       <p:pic>
         <p:nvPicPr>
-          <p:cNvPr id="4" name="图片 3"/>
+          <p:cNvPr id="6" name="图片 5"/>
           <p:cNvPicPr>
             <a:picLocks noChangeAspect="1"/>
           </p:cNvPicPr>
@@ -15825,7 +16183,7 @@
         </p:blipFill>
         <p:spPr>
           <a:xfrm>
-            <a:off x="5004048" y="188640"/>
+            <a:off x="5006490" y="188640"/>
             <a:ext cx="3960439" cy="1157667"/>
           </a:xfrm>
           <a:prstGeom prst="rect">
@@ -16095,6 +16453,36 @@
           <a:chExt cx="0" cy="0"/>
         </a:xfrm>
       </p:grpSpPr>
+      <p:pic>
+        <p:nvPicPr>
+          <p:cNvPr id="3" name="图片 2"/>
+          <p:cNvPicPr>
+            <a:picLocks noChangeAspect="1"/>
+          </p:cNvPicPr>
+          <p:nvPr/>
+        </p:nvPicPr>
+        <p:blipFill>
+          <a:blip r:embed="rId2">
+            <a:extLst>
+              <a:ext uri="{28A0092B-C50C-407E-A947-70E740481C1C}">
+                <a14:useLocalDpi xmlns:a14="http://schemas.microsoft.com/office/drawing/2010/main" val="0"/>
+              </a:ext>
+            </a:extLst>
+          </a:blip>
+          <a:stretch>
+            <a:fillRect/>
+          </a:stretch>
+        </p:blipFill>
+        <p:spPr>
+          <a:xfrm>
+            <a:off x="5006490" y="188640"/>
+            <a:ext cx="3960439" cy="1157667"/>
+          </a:xfrm>
+          <a:prstGeom prst="rect">
+            <a:avLst/>
+          </a:prstGeom>
+        </p:spPr>
+      </p:pic>
       <p:sp>
         <p:nvSpPr>
           <p:cNvPr id="2" name="标题 1"/>
@@ -16468,7 +16856,7 @@
   <a:extraClrSchemeLst/>
   <a:extLst>
     <a:ext uri="{05A4C25C-085E-4340-85A3-A5531E510DB2}">
-      <thm15:themeFamily xmlns:thm15="http://schemas.microsoft.com/office/thememl/2012/main" xmlns="" name="Office Theme" id="{62F939B6-93AF-4DB8-9C6B-D6C7DFDC589F}" vid="{4A3C46E8-61CC-4603-A589-7422A47A8E4A}"/>
+      <thm15:themeFamily xmlns="" xmlns:thm15="http://schemas.microsoft.com/office/thememl/2012/main" name="Office Theme" id="{62F939B6-93AF-4DB8-9C6B-D6C7DFDC589F}" vid="{4A3C46E8-61CC-4603-A589-7422A47A8E4A}"/>
     </a:ext>
   </a:extLst>
 </a:theme>
